--- a/UI Development/HTML/Javascript/Learning Ajax/Doc/Learning Ajax.pptx
+++ b/UI Development/HTML/Javascript/Learning Ajax/Doc/Learning Ajax.pptx
@@ -1,22 +1,21 @@
 
 <file path=ppt/presentation.xml><?xml version="1.0" encoding="utf-8"?>
-<p:presentation xmlns:a="http://schemas.openxmlformats.org/drawingml/2006/main" xmlns:r="http://schemas.openxmlformats.org/officeDocument/2006/relationships" xmlns:p="http://schemas.openxmlformats.org/presentationml/2006/main" autoCompressPictures="0">
+<p:presentation xmlns:a="http://schemas.openxmlformats.org/drawingml/2006/main" xmlns:r="http://schemas.openxmlformats.org/officeDocument/2006/relationships" xmlns:p="http://schemas.openxmlformats.org/presentationml/2006/main" saveSubsetFonts="1">
   <p:sldMasterIdLst>
-    <p:sldMasterId id="2147483840" r:id="rId1"/>
+    <p:sldMasterId id="2147483660" r:id="rId1"/>
   </p:sldMasterIdLst>
   <p:sldIdLst>
-    <p:sldId id="256" r:id="rId2"/>
-    <p:sldId id="264" r:id="rId3"/>
-    <p:sldId id="265" r:id="rId4"/>
-    <p:sldId id="266" r:id="rId5"/>
-    <p:sldId id="267" r:id="rId6"/>
-    <p:sldId id="268" r:id="rId7"/>
-    <p:sldId id="269" r:id="rId8"/>
-    <p:sldId id="270" r:id="rId9"/>
-    <p:sldId id="271" r:id="rId10"/>
-    <p:sldId id="272" r:id="rId11"/>
-    <p:sldId id="273" r:id="rId12"/>
-    <p:sldId id="263" r:id="rId13"/>
+    <p:sldId id="265" r:id="rId2"/>
+    <p:sldId id="266" r:id="rId3"/>
+    <p:sldId id="267" r:id="rId4"/>
+    <p:sldId id="268" r:id="rId5"/>
+    <p:sldId id="269" r:id="rId6"/>
+    <p:sldId id="270" r:id="rId7"/>
+    <p:sldId id="271" r:id="rId8"/>
+    <p:sldId id="272" r:id="rId9"/>
+    <p:sldId id="273" r:id="rId10"/>
+    <p:sldId id="274" r:id="rId11"/>
+    <p:sldId id="275" r:id="rId12"/>
   </p:sldIdLst>
   <p:sldSz cx="12192000" cy="6858000"/>
   <p:notesSz cx="6858000" cy="9144000"/>
@@ -140,259 +139,534 @@
           <a:chExt cx="0" cy="0"/>
         </a:xfrm>
       </p:grpSpPr>
-      <p:sp>
-        <p:nvSpPr>
-          <p:cNvPr id="7" name="Rectangle 6"/>
-          <p:cNvSpPr/>
-          <p:nvPr/>
-        </p:nvSpPr>
-        <p:spPr>
-          <a:xfrm>
-            <a:off x="920834" y="1346946"/>
-            <a:ext cx="10222992" cy="80683"/>
-          </a:xfrm>
-          <a:prstGeom prst="rect">
-            <a:avLst/>
-          </a:prstGeom>
-          <a:blipFill dpi="0" rotWithShape="1">
-            <a:blip r:embed="rId2">
-              <a:alphaModFix amt="85000"/>
-              <a:lum bright="70000" contrast="-70000"/>
-              <a:extLst>
-                <a:ext uri="{BEBA8EAE-BF5A-486C-A8C5-ECC9F3942E4B}">
-                  <a14:imgProps xmlns:a14="http://schemas.microsoft.com/office/drawing/2010/main">
-                    <a14:imgLayer r:embed="rId3">
-                      <a14:imgEffect>
-                        <a14:sharpenSoften amount="61000"/>
-                      </a14:imgEffect>
-                    </a14:imgLayer>
-                  </a14:imgProps>
-                </a:ext>
-                <a:ext uri="{28A0092B-C50C-407E-A947-70E740481C1C}">
-                  <a14:useLocalDpi xmlns:a14="http://schemas.microsoft.com/office/drawing/2010/main" val="0"/>
-                </a:ext>
-              </a:extLst>
-            </a:blip>
-            <a:srcRect/>
-            <a:tile tx="0" ty="-762000" sx="92000" sy="89000" flip="xy" algn="ctr"/>
-          </a:blipFill>
-          <a:ln>
-            <a:noFill/>
-          </a:ln>
-        </p:spPr>
-        <p:style>
-          <a:lnRef idx="2">
-            <a:schemeClr val="accent1">
-              <a:shade val="50000"/>
-            </a:schemeClr>
-          </a:lnRef>
-          <a:fillRef idx="1">
-            <a:schemeClr val="accent1"/>
-          </a:fillRef>
-          <a:effectRef idx="0">
-            <a:schemeClr val="accent1"/>
-          </a:effectRef>
-          <a:fontRef idx="minor">
-            <a:schemeClr val="lt1"/>
-          </a:fontRef>
-        </p:style>
-      </p:sp>
-      <p:sp>
-        <p:nvSpPr>
-          <p:cNvPr id="8" name="Rectangle 7"/>
-          <p:cNvSpPr/>
-          <p:nvPr/>
-        </p:nvSpPr>
-        <p:spPr>
-          <a:xfrm>
-            <a:off x="920834" y="4299696"/>
-            <a:ext cx="10222992" cy="80683"/>
-          </a:xfrm>
-          <a:prstGeom prst="rect">
-            <a:avLst/>
-          </a:prstGeom>
-          <a:blipFill dpi="0" rotWithShape="1">
-            <a:blip r:embed="rId2">
-              <a:alphaModFix amt="85000"/>
-              <a:lum bright="70000" contrast="-70000"/>
-              <a:extLst>
-                <a:ext uri="{BEBA8EAE-BF5A-486C-A8C5-ECC9F3942E4B}">
-                  <a14:imgProps xmlns:a14="http://schemas.microsoft.com/office/drawing/2010/main">
-                    <a14:imgLayer r:embed="rId3">
-                      <a14:imgEffect>
-                        <a14:sharpenSoften amount="61000"/>
-                      </a14:imgEffect>
-                    </a14:imgLayer>
-                  </a14:imgProps>
-                </a:ext>
-                <a:ext uri="{28A0092B-C50C-407E-A947-70E740481C1C}">
-                  <a14:useLocalDpi xmlns:a14="http://schemas.microsoft.com/office/drawing/2010/main" val="0"/>
-                </a:ext>
-              </a:extLst>
-            </a:blip>
-            <a:srcRect/>
-            <a:tile tx="0" ty="-717550" sx="92000" sy="89000" flip="xy" algn="ctr"/>
-          </a:blipFill>
-          <a:ln>
-            <a:noFill/>
-          </a:ln>
-        </p:spPr>
-        <p:style>
-          <a:lnRef idx="2">
-            <a:schemeClr val="accent1">
-              <a:shade val="50000"/>
-            </a:schemeClr>
-          </a:lnRef>
-          <a:fillRef idx="1">
-            <a:schemeClr val="accent1"/>
-          </a:fillRef>
-          <a:effectRef idx="0">
-            <a:schemeClr val="accent1"/>
-          </a:effectRef>
-          <a:fontRef idx="minor">
-            <a:schemeClr val="lt1"/>
-          </a:fontRef>
-        </p:style>
-      </p:sp>
-      <p:sp>
-        <p:nvSpPr>
-          <p:cNvPr id="9" name="Rectangle 8"/>
-          <p:cNvSpPr/>
-          <p:nvPr/>
-        </p:nvSpPr>
-        <p:spPr>
-          <a:xfrm>
-            <a:off x="920834" y="1484779"/>
-            <a:ext cx="10222992" cy="2743200"/>
-          </a:xfrm>
-          <a:prstGeom prst="rect">
-            <a:avLst/>
-          </a:prstGeom>
-          <a:blipFill dpi="0" rotWithShape="1">
-            <a:blip r:embed="rId2">
-              <a:alphaModFix amt="85000"/>
-              <a:lum bright="70000" contrast="-70000"/>
-              <a:extLst>
-                <a:ext uri="{BEBA8EAE-BF5A-486C-A8C5-ECC9F3942E4B}">
-                  <a14:imgProps xmlns:a14="http://schemas.microsoft.com/office/drawing/2010/main">
-                    <a14:imgLayer r:embed="rId3">
-                      <a14:imgEffect>
-                        <a14:sharpenSoften amount="61000"/>
-                      </a14:imgEffect>
-                    </a14:imgLayer>
-                  </a14:imgProps>
-                </a:ext>
-                <a:ext uri="{28A0092B-C50C-407E-A947-70E740481C1C}">
-                  <a14:useLocalDpi xmlns:a14="http://schemas.microsoft.com/office/drawing/2010/main" val="0"/>
-                </a:ext>
-              </a:extLst>
-            </a:blip>
-            <a:srcRect/>
-            <a:tile tx="0" ty="-704850" sx="92000" sy="89000" flip="xy" algn="ctr"/>
-          </a:blipFill>
-          <a:ln>
-            <a:noFill/>
-          </a:ln>
-        </p:spPr>
-        <p:style>
-          <a:lnRef idx="2">
-            <a:schemeClr val="accent1">
-              <a:shade val="50000"/>
-            </a:schemeClr>
-          </a:lnRef>
-          <a:fillRef idx="1">
-            <a:schemeClr val="accent1"/>
-          </a:fillRef>
-          <a:effectRef idx="0">
-            <a:schemeClr val="accent1"/>
-          </a:effectRef>
-          <a:fontRef idx="minor">
-            <a:schemeClr val="lt1"/>
-          </a:fontRef>
-        </p:style>
-      </p:sp>
       <p:grpSp>
         <p:nvGrpSpPr>
-          <p:cNvPr id="10" name="Group 9"/>
+          <p:cNvPr id="7" name="Group 6"/>
           <p:cNvGrpSpPr/>
           <p:nvPr/>
         </p:nvGrpSpPr>
         <p:grpSpPr>
           <a:xfrm>
-            <a:off x="9649215" y="4068923"/>
-            <a:ext cx="1080904" cy="1080902"/>
-            <a:chOff x="9685338" y="4460675"/>
-            <a:chExt cx="1080904" cy="1080902"/>
+            <a:off x="0" y="-8467"/>
+            <a:ext cx="12192000" cy="6866467"/>
+            <a:chOff x="0" y="-8467"/>
+            <a:chExt cx="12192000" cy="6866467"/>
           </a:xfrm>
         </p:grpSpPr>
+        <p:cxnSp>
+          <p:nvCxnSpPr>
+            <p:cNvPr id="32" name="Straight Connector 31"/>
+            <p:cNvCxnSpPr/>
+            <p:nvPr/>
+          </p:nvCxnSpPr>
+          <p:spPr>
+            <a:xfrm>
+              <a:off x="9371012" y="0"/>
+              <a:ext cx="1219200" cy="6858000"/>
+            </a:xfrm>
+            <a:prstGeom prst="line">
+              <a:avLst/>
+            </a:prstGeom>
+            <a:ln w="9525">
+              <a:solidFill>
+                <a:schemeClr val="bg1">
+                  <a:lumMod val="75000"/>
+                </a:schemeClr>
+              </a:solidFill>
+            </a:ln>
+          </p:spPr>
+          <p:style>
+            <a:lnRef idx="2">
+              <a:schemeClr val="accent1"/>
+            </a:lnRef>
+            <a:fillRef idx="0">
+              <a:schemeClr val="accent1"/>
+            </a:fillRef>
+            <a:effectRef idx="1">
+              <a:schemeClr val="accent1"/>
+            </a:effectRef>
+            <a:fontRef idx="minor">
+              <a:schemeClr val="tx1"/>
+            </a:fontRef>
+          </p:style>
+        </p:cxnSp>
+        <p:cxnSp>
+          <p:nvCxnSpPr>
+            <p:cNvPr id="21" name="Straight Connector 20"/>
+            <p:cNvCxnSpPr/>
+            <p:nvPr/>
+          </p:nvCxnSpPr>
+          <p:spPr>
+            <a:xfrm flipH="1">
+              <a:off x="7425267" y="3681413"/>
+              <a:ext cx="4763558" cy="3176587"/>
+            </a:xfrm>
+            <a:prstGeom prst="line">
+              <a:avLst/>
+            </a:prstGeom>
+            <a:ln w="9525">
+              <a:solidFill>
+                <a:schemeClr val="bg1">
+                  <a:lumMod val="85000"/>
+                </a:schemeClr>
+              </a:solidFill>
+            </a:ln>
+          </p:spPr>
+          <p:style>
+            <a:lnRef idx="2">
+              <a:schemeClr val="accent1"/>
+            </a:lnRef>
+            <a:fillRef idx="0">
+              <a:schemeClr val="accent1"/>
+            </a:fillRef>
+            <a:effectRef idx="1">
+              <a:schemeClr val="accent1"/>
+            </a:effectRef>
+            <a:fontRef idx="minor">
+              <a:schemeClr val="tx1"/>
+            </a:fontRef>
+          </p:style>
+        </p:cxnSp>
         <p:sp>
           <p:nvSpPr>
-            <p:cNvPr id="11" name="Oval 10"/>
+            <p:cNvPr id="24" name="Rectangle 23"/>
             <p:cNvSpPr/>
             <p:nvPr/>
           </p:nvSpPr>
           <p:spPr>
             <a:xfrm>
-              <a:off x="9685338" y="4460675"/>
-              <a:ext cx="1080904" cy="1080902"/>
+              <a:off x="9181476" y="-8467"/>
+              <a:ext cx="3007349" cy="6866467"/>
             </a:xfrm>
-            <a:prstGeom prst="ellipse">
+            <a:custGeom>
               <a:avLst/>
-            </a:prstGeom>
-            <a:blipFill dpi="0" rotWithShape="1">
-              <a:blip r:embed="rId4">
-                <a:duotone>
-                  <a:schemeClr val="accent1">
-                    <a:shade val="45000"/>
-                    <a:satMod val="135000"/>
-                  </a:schemeClr>
-                  <a:prstClr val="white"/>
-                </a:duotone>
-                <a:extLst>
-                  <a:ext uri="{BEBA8EAE-BF5A-486C-A8C5-ECC9F3942E4B}">
-                    <a14:imgProps xmlns:a14="http://schemas.microsoft.com/office/drawing/2010/main">
-                      <a14:imgLayer r:embed="rId5">
-                        <a14:imgEffect>
-                          <a14:saturation sat="95000"/>
-                        </a14:imgEffect>
-                      </a14:imgLayer>
-                    </a14:imgProps>
-                  </a:ext>
-                </a:extLst>
-              </a:blip>
-              <a:srcRect/>
-              <a:tile tx="0" ty="0" sx="85000" sy="85000" flip="none" algn="tl"/>
-            </a:blipFill>
-            <a:ln w="25400" cap="flat" cmpd="sng" algn="ctr">
+              <a:gdLst/>
+              <a:ahLst/>
+              <a:cxnLst/>
+              <a:rect l="l" t="t" r="r" b="b"/>
+              <a:pathLst>
+                <a:path w="3007349" h="6866467">
+                  <a:moveTo>
+                    <a:pt x="2045532" y="0"/>
+                  </a:moveTo>
+                  <a:lnTo>
+                    <a:pt x="3007349" y="0"/>
+                  </a:lnTo>
+                  <a:lnTo>
+                    <a:pt x="3007349" y="6866467"/>
+                  </a:lnTo>
+                  <a:lnTo>
+                    <a:pt x="0" y="6866467"/>
+                  </a:lnTo>
+                  <a:lnTo>
+                    <a:pt x="2045532" y="0"/>
+                  </a:lnTo>
+                  <a:close/>
+                </a:path>
+              </a:pathLst>
+            </a:custGeom>
+            <a:solidFill>
+              <a:schemeClr val="accent1">
+                <a:alpha val="30000"/>
+              </a:schemeClr>
+            </a:solidFill>
+            <a:ln>
               <a:noFill/>
-              <a:prstDash val="solid"/>
             </a:ln>
             <a:effectLst/>
           </p:spPr>
+          <p:style>
+            <a:lnRef idx="1">
+              <a:schemeClr val="accent1"/>
+            </a:lnRef>
+            <a:fillRef idx="3">
+              <a:schemeClr val="accent1"/>
+            </a:fillRef>
+            <a:effectRef idx="2">
+              <a:schemeClr val="accent1"/>
+            </a:effectRef>
+            <a:fontRef idx="minor">
+              <a:schemeClr val="lt1"/>
+            </a:fontRef>
+          </p:style>
         </p:sp>
         <p:sp>
           <p:nvSpPr>
-            <p:cNvPr id="12" name="Oval 11"/>
+            <p:cNvPr id="26" name="Rectangle 25"/>
             <p:cNvSpPr/>
             <p:nvPr/>
           </p:nvSpPr>
           <p:spPr>
             <a:xfrm>
-              <a:off x="9793429" y="4568765"/>
-              <a:ext cx="864723" cy="864722"/>
+              <a:off x="9603442" y="-8467"/>
+              <a:ext cx="2588558" cy="6866467"/>
             </a:xfrm>
-            <a:prstGeom prst="ellipse">
+            <a:custGeom>
               <a:avLst/>
-            </a:prstGeom>
-            <a:noFill/>
-            <a:ln w="25400" cap="flat" cmpd="sng" algn="ctr">
-              <a:solidFill>
-                <a:sysClr val="window" lastClr="FFFFFF"/>
-              </a:solidFill>
-              <a:prstDash val="solid"/>
+              <a:gdLst/>
+              <a:ahLst/>
+              <a:cxnLst/>
+              <a:rect l="l" t="t" r="r" b="b"/>
+              <a:pathLst>
+                <a:path w="2573311" h="6866467">
+                  <a:moveTo>
+                    <a:pt x="0" y="0"/>
+                  </a:moveTo>
+                  <a:lnTo>
+                    <a:pt x="2573311" y="0"/>
+                  </a:lnTo>
+                  <a:lnTo>
+                    <a:pt x="2573311" y="6866467"/>
+                  </a:lnTo>
+                  <a:lnTo>
+                    <a:pt x="1202336" y="6866467"/>
+                  </a:lnTo>
+                  <a:lnTo>
+                    <a:pt x="0" y="0"/>
+                  </a:lnTo>
+                  <a:close/>
+                </a:path>
+              </a:pathLst>
+            </a:custGeom>
+            <a:solidFill>
+              <a:schemeClr val="accent1">
+                <a:alpha val="20000"/>
+              </a:schemeClr>
+            </a:solidFill>
+            <a:ln>
+              <a:noFill/>
             </a:ln>
             <a:effectLst/>
           </p:spPr>
+          <p:style>
+            <a:lnRef idx="1">
+              <a:schemeClr val="accent1"/>
+            </a:lnRef>
+            <a:fillRef idx="3">
+              <a:schemeClr val="accent1"/>
+            </a:fillRef>
+            <a:effectRef idx="2">
+              <a:schemeClr val="accent1"/>
+            </a:effectRef>
+            <a:fontRef idx="minor">
+              <a:schemeClr val="lt1"/>
+            </a:fontRef>
+          </p:style>
+        </p:sp>
+        <p:sp>
+          <p:nvSpPr>
+            <p:cNvPr id="27" name="Isosceles Triangle 26"/>
+            <p:cNvSpPr/>
+            <p:nvPr/>
+          </p:nvSpPr>
+          <p:spPr>
+            <a:xfrm>
+              <a:off x="8932333" y="3048000"/>
+              <a:ext cx="3259667" cy="3810000"/>
+            </a:xfrm>
+            <a:prstGeom prst="triangle">
+              <a:avLst>
+                <a:gd name="adj" fmla="val 100000"/>
+              </a:avLst>
+            </a:prstGeom>
+            <a:solidFill>
+              <a:schemeClr val="accent2">
+                <a:alpha val="72000"/>
+              </a:schemeClr>
+            </a:solidFill>
+            <a:ln>
+              <a:noFill/>
+            </a:ln>
+            <a:effectLst/>
+          </p:spPr>
+          <p:style>
+            <a:lnRef idx="1">
+              <a:schemeClr val="accent1"/>
+            </a:lnRef>
+            <a:fillRef idx="3">
+              <a:schemeClr val="accent1"/>
+            </a:fillRef>
+            <a:effectRef idx="2">
+              <a:schemeClr val="accent1"/>
+            </a:effectRef>
+            <a:fontRef idx="minor">
+              <a:schemeClr val="lt1"/>
+            </a:fontRef>
+          </p:style>
+        </p:sp>
+        <p:sp>
+          <p:nvSpPr>
+            <p:cNvPr id="28" name="Rectangle 27"/>
+            <p:cNvSpPr/>
+            <p:nvPr/>
+          </p:nvSpPr>
+          <p:spPr>
+            <a:xfrm>
+              <a:off x="9334500" y="-8467"/>
+              <a:ext cx="2854326" cy="6866467"/>
+            </a:xfrm>
+            <a:custGeom>
+              <a:avLst/>
+              <a:gdLst/>
+              <a:ahLst/>
+              <a:cxnLst/>
+              <a:rect l="l" t="t" r="r" b="b"/>
+              <a:pathLst>
+                <a:path w="2858013" h="6866467">
+                  <a:moveTo>
+                    <a:pt x="0" y="0"/>
+                  </a:moveTo>
+                  <a:lnTo>
+                    <a:pt x="2858013" y="0"/>
+                  </a:lnTo>
+                  <a:lnTo>
+                    <a:pt x="2858013" y="6866467"/>
+                  </a:lnTo>
+                  <a:lnTo>
+                    <a:pt x="2473942" y="6866467"/>
+                  </a:lnTo>
+                  <a:lnTo>
+                    <a:pt x="0" y="0"/>
+                  </a:lnTo>
+                  <a:close/>
+                </a:path>
+              </a:pathLst>
+            </a:custGeom>
+            <a:solidFill>
+              <a:schemeClr val="accent2">
+                <a:lumMod val="75000"/>
+                <a:alpha val="70000"/>
+              </a:schemeClr>
+            </a:solidFill>
+            <a:ln>
+              <a:noFill/>
+            </a:ln>
+            <a:effectLst/>
+          </p:spPr>
+          <p:style>
+            <a:lnRef idx="1">
+              <a:schemeClr val="accent1"/>
+            </a:lnRef>
+            <a:fillRef idx="3">
+              <a:schemeClr val="accent1"/>
+            </a:fillRef>
+            <a:effectRef idx="2">
+              <a:schemeClr val="accent1"/>
+            </a:effectRef>
+            <a:fontRef idx="minor">
+              <a:schemeClr val="lt1"/>
+            </a:fontRef>
+          </p:style>
+        </p:sp>
+        <p:sp>
+          <p:nvSpPr>
+            <p:cNvPr id="29" name="Rectangle 28"/>
+            <p:cNvSpPr/>
+            <p:nvPr/>
+          </p:nvSpPr>
+          <p:spPr>
+            <a:xfrm>
+              <a:off x="10898730" y="-8467"/>
+              <a:ext cx="1290094" cy="6866467"/>
+            </a:xfrm>
+            <a:custGeom>
+              <a:avLst/>
+              <a:gdLst/>
+              <a:ahLst/>
+              <a:cxnLst/>
+              <a:rect l="l" t="t" r="r" b="b"/>
+              <a:pathLst>
+                <a:path w="1290094" h="6858000">
+                  <a:moveTo>
+                    <a:pt x="1019735" y="0"/>
+                  </a:moveTo>
+                  <a:lnTo>
+                    <a:pt x="1290094" y="0"/>
+                  </a:lnTo>
+                  <a:lnTo>
+                    <a:pt x="1290094" y="6858000"/>
+                  </a:lnTo>
+                  <a:lnTo>
+                    <a:pt x="0" y="6858000"/>
+                  </a:lnTo>
+                  <a:lnTo>
+                    <a:pt x="1019735" y="0"/>
+                  </a:lnTo>
+                  <a:close/>
+                </a:path>
+              </a:pathLst>
+            </a:custGeom>
+            <a:solidFill>
+              <a:schemeClr val="accent1">
+                <a:lumMod val="60000"/>
+                <a:lumOff val="40000"/>
+                <a:alpha val="70000"/>
+              </a:schemeClr>
+            </a:solidFill>
+            <a:ln>
+              <a:noFill/>
+            </a:ln>
+            <a:effectLst/>
+          </p:spPr>
+          <p:style>
+            <a:lnRef idx="1">
+              <a:schemeClr val="accent1"/>
+            </a:lnRef>
+            <a:fillRef idx="3">
+              <a:schemeClr val="accent1"/>
+            </a:fillRef>
+            <a:effectRef idx="2">
+              <a:schemeClr val="accent1"/>
+            </a:effectRef>
+            <a:fontRef idx="minor">
+              <a:schemeClr val="lt1"/>
+            </a:fontRef>
+          </p:style>
+        </p:sp>
+        <p:sp>
+          <p:nvSpPr>
+            <p:cNvPr id="30" name="Rectangle 29"/>
+            <p:cNvSpPr/>
+            <p:nvPr/>
+          </p:nvSpPr>
+          <p:spPr>
+            <a:xfrm>
+              <a:off x="10938999" y="-8467"/>
+              <a:ext cx="1249825" cy="6866467"/>
+            </a:xfrm>
+            <a:custGeom>
+              <a:avLst/>
+              <a:gdLst/>
+              <a:ahLst/>
+              <a:cxnLst/>
+              <a:rect l="l" t="t" r="r" b="b"/>
+              <a:pathLst>
+                <a:path w="1249825" h="6858000">
+                  <a:moveTo>
+                    <a:pt x="0" y="0"/>
+                  </a:moveTo>
+                  <a:lnTo>
+                    <a:pt x="1249825" y="0"/>
+                  </a:lnTo>
+                  <a:lnTo>
+                    <a:pt x="1249825" y="6858000"/>
+                  </a:lnTo>
+                  <a:lnTo>
+                    <a:pt x="1109382" y="6858000"/>
+                  </a:lnTo>
+                  <a:lnTo>
+                    <a:pt x="0" y="0"/>
+                  </a:lnTo>
+                  <a:close/>
+                </a:path>
+              </a:pathLst>
+            </a:custGeom>
+            <a:solidFill>
+              <a:schemeClr val="accent1">
+                <a:alpha val="65000"/>
+              </a:schemeClr>
+            </a:solidFill>
+            <a:ln>
+              <a:noFill/>
+            </a:ln>
+            <a:effectLst/>
+          </p:spPr>
+          <p:style>
+            <a:lnRef idx="1">
+              <a:schemeClr val="accent1"/>
+            </a:lnRef>
+            <a:fillRef idx="3">
+              <a:schemeClr val="accent1"/>
+            </a:fillRef>
+            <a:effectRef idx="2">
+              <a:schemeClr val="accent1"/>
+            </a:effectRef>
+            <a:fontRef idx="minor">
+              <a:schemeClr val="lt1"/>
+            </a:fontRef>
+          </p:style>
+        </p:sp>
+        <p:sp>
+          <p:nvSpPr>
+            <p:cNvPr id="31" name="Isosceles Triangle 30"/>
+            <p:cNvSpPr/>
+            <p:nvPr/>
+          </p:nvSpPr>
+          <p:spPr>
+            <a:xfrm>
+              <a:off x="10371666" y="3589867"/>
+              <a:ext cx="1817159" cy="3268133"/>
+            </a:xfrm>
+            <a:prstGeom prst="triangle">
+              <a:avLst>
+                <a:gd name="adj" fmla="val 100000"/>
+              </a:avLst>
+            </a:prstGeom>
+            <a:solidFill>
+              <a:schemeClr val="accent1">
+                <a:alpha val="80000"/>
+              </a:schemeClr>
+            </a:solidFill>
+            <a:ln>
+              <a:noFill/>
+            </a:ln>
+            <a:effectLst/>
+          </p:spPr>
+          <p:style>
+            <a:lnRef idx="1">
+              <a:schemeClr val="accent1"/>
+            </a:lnRef>
+            <a:fillRef idx="3">
+              <a:schemeClr val="accent1"/>
+            </a:fillRef>
+            <a:effectRef idx="2">
+              <a:schemeClr val="accent1"/>
+            </a:effectRef>
+            <a:fontRef idx="minor">
+              <a:schemeClr val="lt1"/>
+            </a:fontRef>
+          </p:style>
+        </p:sp>
+        <p:sp>
+          <p:nvSpPr>
+            <p:cNvPr id="19" name="Isosceles Triangle 18"/>
+            <p:cNvSpPr/>
+            <p:nvPr/>
+          </p:nvSpPr>
+          <p:spPr>
+            <a:xfrm rot="10800000">
+              <a:off x="0" y="0"/>
+              <a:ext cx="842596" cy="5666154"/>
+            </a:xfrm>
+            <a:prstGeom prst="triangle">
+              <a:avLst>
+                <a:gd name="adj" fmla="val 100000"/>
+              </a:avLst>
+            </a:prstGeom>
+            <a:solidFill>
+              <a:schemeClr val="accent1">
+                <a:alpha val="85000"/>
+              </a:schemeClr>
+            </a:solidFill>
+            <a:ln>
+              <a:noFill/>
+            </a:ln>
+            <a:effectLst/>
+          </p:spPr>
+          <p:style>
+            <a:lnRef idx="1">
+              <a:schemeClr val="accent1"/>
+            </a:lnRef>
+            <a:fillRef idx="3">
+              <a:schemeClr val="accent1"/>
+            </a:fillRef>
+            <a:effectRef idx="2">
+              <a:schemeClr val="accent1"/>
+            </a:effectRef>
+            <a:fontRef idx="minor">
+              <a:schemeClr val="lt1"/>
+            </a:fontRef>
+          </p:style>
         </p:sp>
       </p:grpSp>
       <p:sp>
@@ -407,31 +681,26 @@
         </p:nvSpPr>
         <p:spPr>
           <a:xfrm>
-            <a:off x="1051560" y="1432223"/>
-            <a:ext cx="9966960" cy="3035808"/>
+            <a:off x="1507067" y="2404534"/>
+            <a:ext cx="7766936" cy="1646302"/>
           </a:xfrm>
         </p:spPr>
         <p:txBody>
-          <a:bodyPr anchor="ctr">
+          <a:bodyPr anchor="b">
             <a:noAutofit/>
           </a:bodyPr>
           <a:lstStyle>
-            <a:lvl1pPr algn="l">
-              <a:lnSpc>
-                <a:spcPct val="80000"/>
-              </a:lnSpc>
-              <a:defRPr sz="7200" cap="none" baseline="0">
-                <a:blipFill dpi="0" rotWithShape="1">
-                  <a:blip r:embed="rId4"/>
-                  <a:srcRect/>
-                  <a:tile tx="6350" ty="-127000" sx="65000" sy="64000" flip="none" algn="tl"/>
-                </a:blipFill>
+            <a:lvl1pPr algn="r">
+              <a:defRPr sz="5400">
+                <a:solidFill>
+                  <a:schemeClr val="accent1"/>
+                </a:solidFill>
               </a:defRPr>
             </a:lvl1pPr>
           </a:lstStyle>
           <a:p>
             <a:r>
-              <a:rPr lang="en-US" smtClean="0"/>
+              <a:rPr lang="en-US"/>
               <a:t>Click to edit Master title style</a:t>
             </a:r>
             <a:endParaRPr lang="en-US" dirty="0"/>
@@ -450,73 +719,145 @@
         </p:nvSpPr>
         <p:spPr>
           <a:xfrm>
-            <a:off x="1069848" y="4389120"/>
-            <a:ext cx="7891272" cy="1069848"/>
+            <a:off x="1507067" y="4050833"/>
+            <a:ext cx="7766936" cy="1096899"/>
           </a:xfrm>
         </p:spPr>
         <p:txBody>
-          <a:bodyPr>
-            <a:normAutofit/>
-          </a:bodyPr>
+          <a:bodyPr anchor="t"/>
           <a:lstStyle>
-            <a:lvl1pPr marL="0" indent="0" algn="l">
-              <a:buNone/>
-              <a:defRPr sz="2200">
-                <a:solidFill>
-                  <a:schemeClr val="tx1"/>
+            <a:lvl1pPr marL="0" indent="0" algn="r">
+              <a:buNone/>
+              <a:defRPr>
+                <a:solidFill>
+                  <a:schemeClr val="tx1">
+                    <a:lumMod val="50000"/>
+                    <a:lumOff val="50000"/>
+                  </a:schemeClr>
                 </a:solidFill>
               </a:defRPr>
             </a:lvl1pPr>
             <a:lvl2pPr marL="457200" indent="0" algn="ctr">
               <a:buNone/>
-              <a:defRPr sz="2200"/>
+              <a:defRPr>
+                <a:solidFill>
+                  <a:schemeClr val="tx1">
+                    <a:tint val="75000"/>
+                  </a:schemeClr>
+                </a:solidFill>
+              </a:defRPr>
             </a:lvl2pPr>
             <a:lvl3pPr marL="914400" indent="0" algn="ctr">
               <a:buNone/>
-              <a:defRPr sz="2200"/>
+              <a:defRPr>
+                <a:solidFill>
+                  <a:schemeClr val="tx1">
+                    <a:tint val="75000"/>
+                  </a:schemeClr>
+                </a:solidFill>
+              </a:defRPr>
             </a:lvl3pPr>
             <a:lvl4pPr marL="1371600" indent="0" algn="ctr">
               <a:buNone/>
-              <a:defRPr sz="2000"/>
+              <a:defRPr>
+                <a:solidFill>
+                  <a:schemeClr val="tx1">
+                    <a:tint val="75000"/>
+                  </a:schemeClr>
+                </a:solidFill>
+              </a:defRPr>
             </a:lvl4pPr>
             <a:lvl5pPr marL="1828800" indent="0" algn="ctr">
               <a:buNone/>
-              <a:defRPr sz="2000"/>
+              <a:defRPr>
+                <a:solidFill>
+                  <a:schemeClr val="tx1">
+                    <a:tint val="75000"/>
+                  </a:schemeClr>
+                </a:solidFill>
+              </a:defRPr>
             </a:lvl5pPr>
             <a:lvl6pPr marL="2286000" indent="0" algn="ctr">
               <a:buNone/>
-              <a:defRPr sz="2000"/>
+              <a:defRPr>
+                <a:solidFill>
+                  <a:schemeClr val="tx1">
+                    <a:tint val="75000"/>
+                  </a:schemeClr>
+                </a:solidFill>
+              </a:defRPr>
             </a:lvl6pPr>
             <a:lvl7pPr marL="2743200" indent="0" algn="ctr">
               <a:buNone/>
-              <a:defRPr sz="2000"/>
+              <a:defRPr>
+                <a:solidFill>
+                  <a:schemeClr val="tx1">
+                    <a:tint val="75000"/>
+                  </a:schemeClr>
+                </a:solidFill>
+              </a:defRPr>
             </a:lvl7pPr>
             <a:lvl8pPr marL="3200400" indent="0" algn="ctr">
               <a:buNone/>
-              <a:defRPr sz="2000"/>
+              <a:defRPr>
+                <a:solidFill>
+                  <a:schemeClr val="tx1">
+                    <a:tint val="75000"/>
+                  </a:schemeClr>
+                </a:solidFill>
+              </a:defRPr>
             </a:lvl8pPr>
             <a:lvl9pPr marL="3657600" indent="0" algn="ctr">
               <a:buNone/>
-              <a:defRPr sz="2000"/>
+              <a:defRPr>
+                <a:solidFill>
+                  <a:schemeClr val="tx1">
+                    <a:tint val="75000"/>
+                  </a:schemeClr>
+                </a:solidFill>
+              </a:defRPr>
             </a:lvl9pPr>
           </a:lstStyle>
           <a:p>
             <a:r>
+              <a:rPr lang="en-US"/>
+              <a:t>Click to edit Master subtitle style</a:t>
+            </a:r>
+            <a:endParaRPr lang="en-US" dirty="0"/>
+          </a:p>
+        </p:txBody>
+      </p:sp>
+      <p:sp>
+        <p:nvSpPr>
+          <p:cNvPr id="4" name="Date Placeholder 3"/>
+          <p:cNvSpPr>
+            <a:spLocks noGrp="1"/>
+          </p:cNvSpPr>
+          <p:nvPr>
+            <p:ph type="dt" sz="half" idx="10"/>
+          </p:nvPr>
+        </p:nvSpPr>
+        <p:spPr/>
+        <p:txBody>
+          <a:bodyPr/>
+          <a:lstStyle/>
+          <a:p>
+            <a:fld id="{339FB409-115C-4464-AA6D-93239CC4DCC2}" type="datetimeFigureOut">
               <a:rPr lang="en-US" smtClean="0"/>
-              <a:t>Click to edit Master subtitle style</a:t>
-            </a:r>
-            <a:endParaRPr lang="en-US" dirty="0"/>
-          </a:p>
-        </p:txBody>
-      </p:sp>
-      <p:sp>
-        <p:nvSpPr>
-          <p:cNvPr id="4" name="Date Placeholder 3"/>
-          <p:cNvSpPr>
-            <a:spLocks noGrp="1"/>
-          </p:cNvSpPr>
-          <p:nvPr>
-            <p:ph type="dt" sz="half" idx="10"/>
+              <a:t>7/19/2018</a:t>
+            </a:fld>
+            <a:endParaRPr lang="en-US"/>
+          </a:p>
+        </p:txBody>
+      </p:sp>
+      <p:sp>
+        <p:nvSpPr>
+          <p:cNvPr id="5" name="Footer Placeholder 4"/>
+          <p:cNvSpPr>
+            <a:spLocks noGrp="1"/>
+          </p:cNvSpPr>
+          <p:nvPr>
+            <p:ph type="ftr" sz="quarter" idx="11"/>
           </p:nvPr>
         </p:nvSpPr>
         <p:spPr/>
@@ -524,22 +865,18 @@
           <a:bodyPr/>
           <a:lstStyle/>
           <a:p>
-            <a:fld id="{83448B07-2C06-4CF2-8E91-F7385E71E2CB}" type="datetimeFigureOut">
-              <a:rPr lang="en-US" dirty="0"/>
-              <a:t>8/25/2016</a:t>
-            </a:fld>
-            <a:endParaRPr lang="en-US" dirty="0"/>
-          </a:p>
-        </p:txBody>
-      </p:sp>
-      <p:sp>
-        <p:nvSpPr>
-          <p:cNvPr id="5" name="Footer Placeholder 4"/>
-          <p:cNvSpPr>
-            <a:spLocks noGrp="1"/>
-          </p:cNvSpPr>
-          <p:nvPr>
-            <p:ph type="ftr" sz="quarter" idx="11"/>
+            <a:endParaRPr lang="en-US"/>
+          </a:p>
+        </p:txBody>
+      </p:sp>
+      <p:sp>
+        <p:nvSpPr>
+          <p:cNvPr id="6" name="Slide Number Placeholder 5"/>
+          <p:cNvSpPr>
+            <a:spLocks noGrp="1"/>
+          </p:cNvSpPr>
+          <p:nvPr>
+            <p:ph type="sldNum" sz="quarter" idx="12"/>
           </p:nvPr>
         </p:nvSpPr>
         <p:spPr/>
@@ -547,44 +884,20 @@
           <a:bodyPr/>
           <a:lstStyle/>
           <a:p>
-            <a:endParaRPr lang="en-US" dirty="0"/>
-          </a:p>
-        </p:txBody>
-      </p:sp>
-      <p:sp>
-        <p:nvSpPr>
-          <p:cNvPr id="6" name="Slide Number Placeholder 5"/>
-          <p:cNvSpPr>
-            <a:spLocks noGrp="1"/>
-          </p:cNvSpPr>
-          <p:nvPr>
-            <p:ph type="sldNum" sz="quarter" idx="12"/>
-          </p:nvPr>
-        </p:nvSpPr>
-        <p:spPr>
-          <a:xfrm>
-            <a:off x="9592733" y="4289334"/>
-            <a:ext cx="1193868" cy="640080"/>
-          </a:xfrm>
-        </p:spPr>
-        <p:txBody>
-          <a:bodyPr/>
-          <a:lstStyle>
-            <a:lvl1pPr>
-              <a:defRPr sz="2800" b="0"/>
-            </a:lvl1pPr>
-          </a:lstStyle>
-          <a:p>
-            <a:fld id="{4FAB73BC-B049-4115-A692-8D63A059BFB8}" type="slidenum">
-              <a:rPr lang="en-US" dirty="0"/>
-              <a:pPr/>
+            <a:fld id="{A05AF791-2039-4BAA-99CD-758C1B975E09}" type="slidenum">
+              <a:rPr lang="en-US" smtClean="0"/>
               <a:t>‹#›</a:t>
             </a:fld>
-            <a:endParaRPr lang="en-US" dirty="0"/>
+            <a:endParaRPr lang="en-US"/>
           </a:p>
         </p:txBody>
       </p:sp>
     </p:spTree>
+    <p:extLst>
+      <p:ext uri="{BB962C8B-B14F-4D97-AF65-F5344CB8AC3E}">
+        <p14:creationId xmlns:p14="http://schemas.microsoft.com/office/powerpoint/2010/main" val="3165551075"/>
+      </p:ext>
+    </p:extLst>
   </p:cSld>
   <p:clrMapOvr>
     <a:masterClrMapping/>
@@ -593,6 +906,1619 @@
 </file>
 
 <file path=ppt/slideLayouts/slideLayout10.xml><?xml version="1.0" encoding="utf-8"?>
+<p:sldLayout xmlns:a="http://schemas.openxmlformats.org/drawingml/2006/main" xmlns:r="http://schemas.openxmlformats.org/officeDocument/2006/relationships" xmlns:p="http://schemas.openxmlformats.org/presentationml/2006/main" preserve="1">
+  <p:cSld name="Title and Caption">
+    <p:spTree>
+      <p:nvGrpSpPr>
+        <p:cNvPr id="1" name=""/>
+        <p:cNvGrpSpPr/>
+        <p:nvPr/>
+      </p:nvGrpSpPr>
+      <p:grpSpPr>
+        <a:xfrm>
+          <a:off x="0" y="0"/>
+          <a:ext cx="0" cy="0"/>
+          <a:chOff x="0" y="0"/>
+          <a:chExt cx="0" cy="0"/>
+        </a:xfrm>
+      </p:grpSpPr>
+      <p:sp>
+        <p:nvSpPr>
+          <p:cNvPr id="2" name="Title 1"/>
+          <p:cNvSpPr>
+            <a:spLocks noGrp="1"/>
+          </p:cNvSpPr>
+          <p:nvPr>
+            <p:ph type="title"/>
+          </p:nvPr>
+        </p:nvSpPr>
+        <p:spPr>
+          <a:xfrm>
+            <a:off x="677335" y="609600"/>
+            <a:ext cx="8596668" cy="3403600"/>
+          </a:xfrm>
+        </p:spPr>
+        <p:txBody>
+          <a:bodyPr anchor="ctr">
+            <a:normAutofit/>
+          </a:bodyPr>
+          <a:lstStyle>
+            <a:lvl1pPr algn="l">
+              <a:defRPr sz="4400" b="0" cap="none"/>
+            </a:lvl1pPr>
+          </a:lstStyle>
+          <a:p>
+            <a:r>
+              <a:rPr lang="en-US"/>
+              <a:t>Click to edit Master title style</a:t>
+            </a:r>
+            <a:endParaRPr lang="en-US" dirty="0"/>
+          </a:p>
+        </p:txBody>
+      </p:sp>
+      <p:sp>
+        <p:nvSpPr>
+          <p:cNvPr id="3" name="Text Placeholder 2"/>
+          <p:cNvSpPr>
+            <a:spLocks noGrp="1"/>
+          </p:cNvSpPr>
+          <p:nvPr>
+            <p:ph type="body" idx="1"/>
+          </p:nvPr>
+        </p:nvSpPr>
+        <p:spPr>
+          <a:xfrm>
+            <a:off x="677335" y="4470400"/>
+            <a:ext cx="8596668" cy="1570962"/>
+          </a:xfrm>
+        </p:spPr>
+        <p:txBody>
+          <a:bodyPr anchor="ctr">
+            <a:normAutofit/>
+          </a:bodyPr>
+          <a:lstStyle>
+            <a:lvl1pPr marL="0" indent="0" algn="l">
+              <a:buNone/>
+              <a:defRPr sz="1800">
+                <a:solidFill>
+                  <a:schemeClr val="tx1">
+                    <a:lumMod val="75000"/>
+                    <a:lumOff val="25000"/>
+                  </a:schemeClr>
+                </a:solidFill>
+              </a:defRPr>
+            </a:lvl1pPr>
+            <a:lvl2pPr marL="457200" indent="0">
+              <a:buNone/>
+              <a:defRPr sz="1800">
+                <a:solidFill>
+                  <a:schemeClr val="tx1">
+                    <a:tint val="75000"/>
+                  </a:schemeClr>
+                </a:solidFill>
+              </a:defRPr>
+            </a:lvl2pPr>
+            <a:lvl3pPr marL="914400" indent="0">
+              <a:buNone/>
+              <a:defRPr sz="1600">
+                <a:solidFill>
+                  <a:schemeClr val="tx1">
+                    <a:tint val="75000"/>
+                  </a:schemeClr>
+                </a:solidFill>
+              </a:defRPr>
+            </a:lvl3pPr>
+            <a:lvl4pPr marL="1371600" indent="0">
+              <a:buNone/>
+              <a:defRPr sz="1400">
+                <a:solidFill>
+                  <a:schemeClr val="tx1">
+                    <a:tint val="75000"/>
+                  </a:schemeClr>
+                </a:solidFill>
+              </a:defRPr>
+            </a:lvl4pPr>
+            <a:lvl5pPr marL="1828800" indent="0">
+              <a:buNone/>
+              <a:defRPr sz="1400">
+                <a:solidFill>
+                  <a:schemeClr val="tx1">
+                    <a:tint val="75000"/>
+                  </a:schemeClr>
+                </a:solidFill>
+              </a:defRPr>
+            </a:lvl5pPr>
+            <a:lvl6pPr marL="2286000" indent="0">
+              <a:buNone/>
+              <a:defRPr sz="1400">
+                <a:solidFill>
+                  <a:schemeClr val="tx1">
+                    <a:tint val="75000"/>
+                  </a:schemeClr>
+                </a:solidFill>
+              </a:defRPr>
+            </a:lvl6pPr>
+            <a:lvl7pPr marL="2743200" indent="0">
+              <a:buNone/>
+              <a:defRPr sz="1400">
+                <a:solidFill>
+                  <a:schemeClr val="tx1">
+                    <a:tint val="75000"/>
+                  </a:schemeClr>
+                </a:solidFill>
+              </a:defRPr>
+            </a:lvl7pPr>
+            <a:lvl8pPr marL="3200400" indent="0">
+              <a:buNone/>
+              <a:defRPr sz="1400">
+                <a:solidFill>
+                  <a:schemeClr val="tx1">
+                    <a:tint val="75000"/>
+                  </a:schemeClr>
+                </a:solidFill>
+              </a:defRPr>
+            </a:lvl8pPr>
+            <a:lvl9pPr marL="3657600" indent="0">
+              <a:buNone/>
+              <a:defRPr sz="1400">
+                <a:solidFill>
+                  <a:schemeClr val="tx1">
+                    <a:tint val="75000"/>
+                  </a:schemeClr>
+                </a:solidFill>
+              </a:defRPr>
+            </a:lvl9pPr>
+          </a:lstStyle>
+          <a:p>
+            <a:pPr lvl="0"/>
+            <a:r>
+              <a:rPr lang="en-US"/>
+              <a:t>Edit Master text styles</a:t>
+            </a:r>
+          </a:p>
+        </p:txBody>
+      </p:sp>
+      <p:sp>
+        <p:nvSpPr>
+          <p:cNvPr id="4" name="Date Placeholder 3"/>
+          <p:cNvSpPr>
+            <a:spLocks noGrp="1"/>
+          </p:cNvSpPr>
+          <p:nvPr>
+            <p:ph type="dt" sz="half" idx="10"/>
+          </p:nvPr>
+        </p:nvSpPr>
+        <p:spPr/>
+        <p:txBody>
+          <a:bodyPr/>
+          <a:lstStyle/>
+          <a:p>
+            <a:fld id="{339FB409-115C-4464-AA6D-93239CC4DCC2}" type="datetimeFigureOut">
+              <a:rPr lang="en-US" smtClean="0"/>
+              <a:t>7/19/2018</a:t>
+            </a:fld>
+            <a:endParaRPr lang="en-US"/>
+          </a:p>
+        </p:txBody>
+      </p:sp>
+      <p:sp>
+        <p:nvSpPr>
+          <p:cNvPr id="5" name="Footer Placeholder 4"/>
+          <p:cNvSpPr>
+            <a:spLocks noGrp="1"/>
+          </p:cNvSpPr>
+          <p:nvPr>
+            <p:ph type="ftr" sz="quarter" idx="11"/>
+          </p:nvPr>
+        </p:nvSpPr>
+        <p:spPr/>
+        <p:txBody>
+          <a:bodyPr/>
+          <a:lstStyle/>
+          <a:p>
+            <a:endParaRPr lang="en-US"/>
+          </a:p>
+        </p:txBody>
+      </p:sp>
+      <p:sp>
+        <p:nvSpPr>
+          <p:cNvPr id="6" name="Slide Number Placeholder 5"/>
+          <p:cNvSpPr>
+            <a:spLocks noGrp="1"/>
+          </p:cNvSpPr>
+          <p:nvPr>
+            <p:ph type="sldNum" sz="quarter" idx="12"/>
+          </p:nvPr>
+        </p:nvSpPr>
+        <p:spPr/>
+        <p:txBody>
+          <a:bodyPr/>
+          <a:lstStyle/>
+          <a:p>
+            <a:fld id="{A05AF791-2039-4BAA-99CD-758C1B975E09}" type="slidenum">
+              <a:rPr lang="en-US" smtClean="0"/>
+              <a:t>‹#›</a:t>
+            </a:fld>
+            <a:endParaRPr lang="en-US"/>
+          </a:p>
+        </p:txBody>
+      </p:sp>
+    </p:spTree>
+    <p:extLst>
+      <p:ext uri="{BB962C8B-B14F-4D97-AF65-F5344CB8AC3E}">
+        <p14:creationId xmlns:p14="http://schemas.microsoft.com/office/powerpoint/2010/main" val="1403968157"/>
+      </p:ext>
+    </p:extLst>
+  </p:cSld>
+  <p:clrMapOvr>
+    <a:masterClrMapping/>
+  </p:clrMapOvr>
+</p:sldLayout>
+</file>
+
+<file path=ppt/slideLayouts/slideLayout11.xml><?xml version="1.0" encoding="utf-8"?>
+<p:sldLayout xmlns:a="http://schemas.openxmlformats.org/drawingml/2006/main" xmlns:r="http://schemas.openxmlformats.org/officeDocument/2006/relationships" xmlns:p="http://schemas.openxmlformats.org/presentationml/2006/main" preserve="1">
+  <p:cSld name="Quote with Caption">
+    <p:spTree>
+      <p:nvGrpSpPr>
+        <p:cNvPr id="1" name=""/>
+        <p:cNvGrpSpPr/>
+        <p:nvPr/>
+      </p:nvGrpSpPr>
+      <p:grpSpPr>
+        <a:xfrm>
+          <a:off x="0" y="0"/>
+          <a:ext cx="0" cy="0"/>
+          <a:chOff x="0" y="0"/>
+          <a:chExt cx="0" cy="0"/>
+        </a:xfrm>
+      </p:grpSpPr>
+      <p:sp>
+        <p:nvSpPr>
+          <p:cNvPr id="2" name="Title 1"/>
+          <p:cNvSpPr>
+            <a:spLocks noGrp="1"/>
+          </p:cNvSpPr>
+          <p:nvPr>
+            <p:ph type="title"/>
+          </p:nvPr>
+        </p:nvSpPr>
+        <p:spPr>
+          <a:xfrm>
+            <a:off x="931334" y="609600"/>
+            <a:ext cx="8094134" cy="3022600"/>
+          </a:xfrm>
+        </p:spPr>
+        <p:txBody>
+          <a:bodyPr anchor="ctr">
+            <a:normAutofit/>
+          </a:bodyPr>
+          <a:lstStyle>
+            <a:lvl1pPr algn="l">
+              <a:defRPr sz="4400" b="0" cap="none"/>
+            </a:lvl1pPr>
+          </a:lstStyle>
+          <a:p>
+            <a:r>
+              <a:rPr lang="en-US"/>
+              <a:t>Click to edit Master title style</a:t>
+            </a:r>
+            <a:endParaRPr lang="en-US" dirty="0"/>
+          </a:p>
+        </p:txBody>
+      </p:sp>
+      <p:sp>
+        <p:nvSpPr>
+          <p:cNvPr id="23" name="Text Placeholder 9"/>
+          <p:cNvSpPr>
+            <a:spLocks noGrp="1"/>
+          </p:cNvSpPr>
+          <p:nvPr>
+            <p:ph type="body" sz="quarter" idx="13"/>
+          </p:nvPr>
+        </p:nvSpPr>
+        <p:spPr>
+          <a:xfrm>
+            <a:off x="1366139" y="3632200"/>
+            <a:ext cx="7224524" cy="381000"/>
+          </a:xfrm>
+        </p:spPr>
+        <p:txBody>
+          <a:bodyPr anchor="ctr">
+            <a:noAutofit/>
+          </a:bodyPr>
+          <a:lstStyle>
+            <a:lvl1pPr marL="0" indent="0">
+              <a:buFontTx/>
+              <a:buNone/>
+              <a:defRPr sz="1600">
+                <a:solidFill>
+                  <a:schemeClr val="tx1">
+                    <a:lumMod val="50000"/>
+                    <a:lumOff val="50000"/>
+                  </a:schemeClr>
+                </a:solidFill>
+              </a:defRPr>
+            </a:lvl1pPr>
+            <a:lvl2pPr marL="457200" indent="0">
+              <a:buFontTx/>
+              <a:buNone/>
+              <a:defRPr/>
+            </a:lvl2pPr>
+            <a:lvl3pPr marL="914400" indent="0">
+              <a:buFontTx/>
+              <a:buNone/>
+              <a:defRPr/>
+            </a:lvl3pPr>
+            <a:lvl4pPr marL="1371600" indent="0">
+              <a:buFontTx/>
+              <a:buNone/>
+              <a:defRPr/>
+            </a:lvl4pPr>
+            <a:lvl5pPr marL="1828800" indent="0">
+              <a:buFontTx/>
+              <a:buNone/>
+              <a:defRPr/>
+            </a:lvl5pPr>
+          </a:lstStyle>
+          <a:p>
+            <a:pPr lvl="0"/>
+            <a:r>
+              <a:rPr lang="en-US"/>
+              <a:t>Edit Master text styles</a:t>
+            </a:r>
+          </a:p>
+        </p:txBody>
+      </p:sp>
+      <p:sp>
+        <p:nvSpPr>
+          <p:cNvPr id="3" name="Text Placeholder 2"/>
+          <p:cNvSpPr>
+            <a:spLocks noGrp="1"/>
+          </p:cNvSpPr>
+          <p:nvPr>
+            <p:ph type="body" idx="1"/>
+          </p:nvPr>
+        </p:nvSpPr>
+        <p:spPr>
+          <a:xfrm>
+            <a:off x="677335" y="4470400"/>
+            <a:ext cx="8596668" cy="1570962"/>
+          </a:xfrm>
+        </p:spPr>
+        <p:txBody>
+          <a:bodyPr anchor="ctr">
+            <a:normAutofit/>
+          </a:bodyPr>
+          <a:lstStyle>
+            <a:lvl1pPr marL="0" indent="0" algn="l">
+              <a:buNone/>
+              <a:defRPr sz="1800">
+                <a:solidFill>
+                  <a:schemeClr val="tx1">
+                    <a:lumMod val="75000"/>
+                    <a:lumOff val="25000"/>
+                  </a:schemeClr>
+                </a:solidFill>
+              </a:defRPr>
+            </a:lvl1pPr>
+            <a:lvl2pPr marL="457200" indent="0">
+              <a:buNone/>
+              <a:defRPr sz="1800">
+                <a:solidFill>
+                  <a:schemeClr val="tx1">
+                    <a:tint val="75000"/>
+                  </a:schemeClr>
+                </a:solidFill>
+              </a:defRPr>
+            </a:lvl2pPr>
+            <a:lvl3pPr marL="914400" indent="0">
+              <a:buNone/>
+              <a:defRPr sz="1600">
+                <a:solidFill>
+                  <a:schemeClr val="tx1">
+                    <a:tint val="75000"/>
+                  </a:schemeClr>
+                </a:solidFill>
+              </a:defRPr>
+            </a:lvl3pPr>
+            <a:lvl4pPr marL="1371600" indent="0">
+              <a:buNone/>
+              <a:defRPr sz="1400">
+                <a:solidFill>
+                  <a:schemeClr val="tx1">
+                    <a:tint val="75000"/>
+                  </a:schemeClr>
+                </a:solidFill>
+              </a:defRPr>
+            </a:lvl4pPr>
+            <a:lvl5pPr marL="1828800" indent="0">
+              <a:buNone/>
+              <a:defRPr sz="1400">
+                <a:solidFill>
+                  <a:schemeClr val="tx1">
+                    <a:tint val="75000"/>
+                  </a:schemeClr>
+                </a:solidFill>
+              </a:defRPr>
+            </a:lvl5pPr>
+            <a:lvl6pPr marL="2286000" indent="0">
+              <a:buNone/>
+              <a:defRPr sz="1400">
+                <a:solidFill>
+                  <a:schemeClr val="tx1">
+                    <a:tint val="75000"/>
+                  </a:schemeClr>
+                </a:solidFill>
+              </a:defRPr>
+            </a:lvl6pPr>
+            <a:lvl7pPr marL="2743200" indent="0">
+              <a:buNone/>
+              <a:defRPr sz="1400">
+                <a:solidFill>
+                  <a:schemeClr val="tx1">
+                    <a:tint val="75000"/>
+                  </a:schemeClr>
+                </a:solidFill>
+              </a:defRPr>
+            </a:lvl7pPr>
+            <a:lvl8pPr marL="3200400" indent="0">
+              <a:buNone/>
+              <a:defRPr sz="1400">
+                <a:solidFill>
+                  <a:schemeClr val="tx1">
+                    <a:tint val="75000"/>
+                  </a:schemeClr>
+                </a:solidFill>
+              </a:defRPr>
+            </a:lvl8pPr>
+            <a:lvl9pPr marL="3657600" indent="0">
+              <a:buNone/>
+              <a:defRPr sz="1400">
+                <a:solidFill>
+                  <a:schemeClr val="tx1">
+                    <a:tint val="75000"/>
+                  </a:schemeClr>
+                </a:solidFill>
+              </a:defRPr>
+            </a:lvl9pPr>
+          </a:lstStyle>
+          <a:p>
+            <a:pPr lvl="0"/>
+            <a:r>
+              <a:rPr lang="en-US"/>
+              <a:t>Edit Master text styles</a:t>
+            </a:r>
+          </a:p>
+        </p:txBody>
+      </p:sp>
+      <p:sp>
+        <p:nvSpPr>
+          <p:cNvPr id="4" name="Date Placeholder 3"/>
+          <p:cNvSpPr>
+            <a:spLocks noGrp="1"/>
+          </p:cNvSpPr>
+          <p:nvPr>
+            <p:ph type="dt" sz="half" idx="10"/>
+          </p:nvPr>
+        </p:nvSpPr>
+        <p:spPr/>
+        <p:txBody>
+          <a:bodyPr/>
+          <a:lstStyle/>
+          <a:p>
+            <a:fld id="{339FB409-115C-4464-AA6D-93239CC4DCC2}" type="datetimeFigureOut">
+              <a:rPr lang="en-US" smtClean="0"/>
+              <a:t>7/19/2018</a:t>
+            </a:fld>
+            <a:endParaRPr lang="en-US"/>
+          </a:p>
+        </p:txBody>
+      </p:sp>
+      <p:sp>
+        <p:nvSpPr>
+          <p:cNvPr id="5" name="Footer Placeholder 4"/>
+          <p:cNvSpPr>
+            <a:spLocks noGrp="1"/>
+          </p:cNvSpPr>
+          <p:nvPr>
+            <p:ph type="ftr" sz="quarter" idx="11"/>
+          </p:nvPr>
+        </p:nvSpPr>
+        <p:spPr/>
+        <p:txBody>
+          <a:bodyPr/>
+          <a:lstStyle/>
+          <a:p>
+            <a:endParaRPr lang="en-US"/>
+          </a:p>
+        </p:txBody>
+      </p:sp>
+      <p:sp>
+        <p:nvSpPr>
+          <p:cNvPr id="6" name="Slide Number Placeholder 5"/>
+          <p:cNvSpPr>
+            <a:spLocks noGrp="1"/>
+          </p:cNvSpPr>
+          <p:nvPr>
+            <p:ph type="sldNum" sz="quarter" idx="12"/>
+          </p:nvPr>
+        </p:nvSpPr>
+        <p:spPr/>
+        <p:txBody>
+          <a:bodyPr/>
+          <a:lstStyle/>
+          <a:p>
+            <a:fld id="{A05AF791-2039-4BAA-99CD-758C1B975E09}" type="slidenum">
+              <a:rPr lang="en-US" smtClean="0"/>
+              <a:t>‹#›</a:t>
+            </a:fld>
+            <a:endParaRPr lang="en-US"/>
+          </a:p>
+        </p:txBody>
+      </p:sp>
+      <p:sp>
+        <p:nvSpPr>
+          <p:cNvPr id="20" name="TextBox 19"/>
+          <p:cNvSpPr txBox="1"/>
+          <p:nvPr/>
+        </p:nvSpPr>
+        <p:spPr>
+          <a:xfrm>
+            <a:off x="541870" y="790378"/>
+            <a:ext cx="609600" cy="584776"/>
+          </a:xfrm>
+          <a:prstGeom prst="rect">
+            <a:avLst/>
+          </a:prstGeom>
+        </p:spPr>
+        <p:txBody>
+          <a:bodyPr vert="horz" lIns="91440" tIns="45720" rIns="91440" bIns="45720" rtlCol="0" anchor="ctr">
+            <a:noAutofit/>
+          </a:bodyPr>
+          <a:lstStyle/>
+          <a:p>
+            <a:pPr lvl="0"/>
+            <a:r>
+              <a:rPr lang="en-US" sz="8000" baseline="0" dirty="0">
+                <a:ln w="3175" cmpd="sng">
+                  <a:noFill/>
+                </a:ln>
+                <a:solidFill>
+                  <a:schemeClr val="accent1">
+                    <a:lumMod val="60000"/>
+                    <a:lumOff val="40000"/>
+                  </a:schemeClr>
+                </a:solidFill>
+                <a:effectLst/>
+                <a:latin typeface="Arial"/>
+              </a:rPr>
+              <a:t>“</a:t>
+            </a:r>
+          </a:p>
+        </p:txBody>
+      </p:sp>
+      <p:sp>
+        <p:nvSpPr>
+          <p:cNvPr id="22" name="TextBox 21"/>
+          <p:cNvSpPr txBox="1"/>
+          <p:nvPr/>
+        </p:nvSpPr>
+        <p:spPr>
+          <a:xfrm>
+            <a:off x="8893011" y="2886556"/>
+            <a:ext cx="609600" cy="584776"/>
+          </a:xfrm>
+          <a:prstGeom prst="rect">
+            <a:avLst/>
+          </a:prstGeom>
+        </p:spPr>
+        <p:txBody>
+          <a:bodyPr vert="horz" lIns="91440" tIns="45720" rIns="91440" bIns="45720" rtlCol="0" anchor="ctr">
+            <a:noAutofit/>
+          </a:bodyPr>
+          <a:lstStyle/>
+          <a:p>
+            <a:pPr lvl="0"/>
+            <a:r>
+              <a:rPr lang="en-US" sz="8000" baseline="0" dirty="0">
+                <a:ln w="3175" cmpd="sng">
+                  <a:noFill/>
+                </a:ln>
+                <a:solidFill>
+                  <a:schemeClr val="accent1">
+                    <a:lumMod val="60000"/>
+                    <a:lumOff val="40000"/>
+                  </a:schemeClr>
+                </a:solidFill>
+                <a:latin typeface="Arial"/>
+              </a:rPr>
+              <a:t>”</a:t>
+            </a:r>
+            <a:endParaRPr lang="en-US" dirty="0">
+              <a:solidFill>
+                <a:schemeClr val="accent1">
+                  <a:lumMod val="60000"/>
+                  <a:lumOff val="40000"/>
+                </a:schemeClr>
+              </a:solidFill>
+              <a:latin typeface="Arial"/>
+            </a:endParaRPr>
+          </a:p>
+        </p:txBody>
+      </p:sp>
+    </p:spTree>
+    <p:extLst>
+      <p:ext uri="{BB962C8B-B14F-4D97-AF65-F5344CB8AC3E}">
+        <p14:creationId xmlns:p14="http://schemas.microsoft.com/office/powerpoint/2010/main" val="2750388411"/>
+      </p:ext>
+    </p:extLst>
+  </p:cSld>
+  <p:clrMapOvr>
+    <a:masterClrMapping/>
+  </p:clrMapOvr>
+</p:sldLayout>
+</file>
+
+<file path=ppt/slideLayouts/slideLayout12.xml><?xml version="1.0" encoding="utf-8"?>
+<p:sldLayout xmlns:a="http://schemas.openxmlformats.org/drawingml/2006/main" xmlns:r="http://schemas.openxmlformats.org/officeDocument/2006/relationships" xmlns:p="http://schemas.openxmlformats.org/presentationml/2006/main" preserve="1">
+  <p:cSld name="Name Card">
+    <p:spTree>
+      <p:nvGrpSpPr>
+        <p:cNvPr id="1" name=""/>
+        <p:cNvGrpSpPr/>
+        <p:nvPr/>
+      </p:nvGrpSpPr>
+      <p:grpSpPr>
+        <a:xfrm>
+          <a:off x="0" y="0"/>
+          <a:ext cx="0" cy="0"/>
+          <a:chOff x="0" y="0"/>
+          <a:chExt cx="0" cy="0"/>
+        </a:xfrm>
+      </p:grpSpPr>
+      <p:sp>
+        <p:nvSpPr>
+          <p:cNvPr id="2" name="Title 1"/>
+          <p:cNvSpPr>
+            <a:spLocks noGrp="1"/>
+          </p:cNvSpPr>
+          <p:nvPr>
+            <p:ph type="title"/>
+          </p:nvPr>
+        </p:nvSpPr>
+        <p:spPr>
+          <a:xfrm>
+            <a:off x="677335" y="1931988"/>
+            <a:ext cx="8596668" cy="2595460"/>
+          </a:xfrm>
+        </p:spPr>
+        <p:txBody>
+          <a:bodyPr anchor="b">
+            <a:normAutofit/>
+          </a:bodyPr>
+          <a:lstStyle>
+            <a:lvl1pPr algn="l">
+              <a:defRPr sz="4400" b="0" cap="none"/>
+            </a:lvl1pPr>
+          </a:lstStyle>
+          <a:p>
+            <a:r>
+              <a:rPr lang="en-US"/>
+              <a:t>Click to edit Master title style</a:t>
+            </a:r>
+            <a:endParaRPr lang="en-US" dirty="0"/>
+          </a:p>
+        </p:txBody>
+      </p:sp>
+      <p:sp>
+        <p:nvSpPr>
+          <p:cNvPr id="3" name="Text Placeholder 2"/>
+          <p:cNvSpPr>
+            <a:spLocks noGrp="1"/>
+          </p:cNvSpPr>
+          <p:nvPr>
+            <p:ph type="body" idx="1"/>
+          </p:nvPr>
+        </p:nvSpPr>
+        <p:spPr>
+          <a:xfrm>
+            <a:off x="677335" y="4527448"/>
+            <a:ext cx="8596668" cy="1513914"/>
+          </a:xfrm>
+        </p:spPr>
+        <p:txBody>
+          <a:bodyPr anchor="t">
+            <a:normAutofit/>
+          </a:bodyPr>
+          <a:lstStyle>
+            <a:lvl1pPr marL="0" indent="0" algn="l">
+              <a:buNone/>
+              <a:defRPr sz="1800">
+                <a:solidFill>
+                  <a:schemeClr val="tx1">
+                    <a:lumMod val="75000"/>
+                    <a:lumOff val="25000"/>
+                  </a:schemeClr>
+                </a:solidFill>
+              </a:defRPr>
+            </a:lvl1pPr>
+            <a:lvl2pPr marL="457200" indent="0">
+              <a:buNone/>
+              <a:defRPr sz="1800">
+                <a:solidFill>
+                  <a:schemeClr val="tx1">
+                    <a:tint val="75000"/>
+                  </a:schemeClr>
+                </a:solidFill>
+              </a:defRPr>
+            </a:lvl2pPr>
+            <a:lvl3pPr marL="914400" indent="0">
+              <a:buNone/>
+              <a:defRPr sz="1600">
+                <a:solidFill>
+                  <a:schemeClr val="tx1">
+                    <a:tint val="75000"/>
+                  </a:schemeClr>
+                </a:solidFill>
+              </a:defRPr>
+            </a:lvl3pPr>
+            <a:lvl4pPr marL="1371600" indent="0">
+              <a:buNone/>
+              <a:defRPr sz="1400">
+                <a:solidFill>
+                  <a:schemeClr val="tx1">
+                    <a:tint val="75000"/>
+                  </a:schemeClr>
+                </a:solidFill>
+              </a:defRPr>
+            </a:lvl4pPr>
+            <a:lvl5pPr marL="1828800" indent="0">
+              <a:buNone/>
+              <a:defRPr sz="1400">
+                <a:solidFill>
+                  <a:schemeClr val="tx1">
+                    <a:tint val="75000"/>
+                  </a:schemeClr>
+                </a:solidFill>
+              </a:defRPr>
+            </a:lvl5pPr>
+            <a:lvl6pPr marL="2286000" indent="0">
+              <a:buNone/>
+              <a:defRPr sz="1400">
+                <a:solidFill>
+                  <a:schemeClr val="tx1">
+                    <a:tint val="75000"/>
+                  </a:schemeClr>
+                </a:solidFill>
+              </a:defRPr>
+            </a:lvl6pPr>
+            <a:lvl7pPr marL="2743200" indent="0">
+              <a:buNone/>
+              <a:defRPr sz="1400">
+                <a:solidFill>
+                  <a:schemeClr val="tx1">
+                    <a:tint val="75000"/>
+                  </a:schemeClr>
+                </a:solidFill>
+              </a:defRPr>
+            </a:lvl7pPr>
+            <a:lvl8pPr marL="3200400" indent="0">
+              <a:buNone/>
+              <a:defRPr sz="1400">
+                <a:solidFill>
+                  <a:schemeClr val="tx1">
+                    <a:tint val="75000"/>
+                  </a:schemeClr>
+                </a:solidFill>
+              </a:defRPr>
+            </a:lvl8pPr>
+            <a:lvl9pPr marL="3657600" indent="0">
+              <a:buNone/>
+              <a:defRPr sz="1400">
+                <a:solidFill>
+                  <a:schemeClr val="tx1">
+                    <a:tint val="75000"/>
+                  </a:schemeClr>
+                </a:solidFill>
+              </a:defRPr>
+            </a:lvl9pPr>
+          </a:lstStyle>
+          <a:p>
+            <a:pPr lvl="0"/>
+            <a:r>
+              <a:rPr lang="en-US"/>
+              <a:t>Edit Master text styles</a:t>
+            </a:r>
+          </a:p>
+        </p:txBody>
+      </p:sp>
+      <p:sp>
+        <p:nvSpPr>
+          <p:cNvPr id="4" name="Date Placeholder 3"/>
+          <p:cNvSpPr>
+            <a:spLocks noGrp="1"/>
+          </p:cNvSpPr>
+          <p:nvPr>
+            <p:ph type="dt" sz="half" idx="10"/>
+          </p:nvPr>
+        </p:nvSpPr>
+        <p:spPr/>
+        <p:txBody>
+          <a:bodyPr/>
+          <a:lstStyle/>
+          <a:p>
+            <a:fld id="{339FB409-115C-4464-AA6D-93239CC4DCC2}" type="datetimeFigureOut">
+              <a:rPr lang="en-US" smtClean="0"/>
+              <a:t>7/19/2018</a:t>
+            </a:fld>
+            <a:endParaRPr lang="en-US"/>
+          </a:p>
+        </p:txBody>
+      </p:sp>
+      <p:sp>
+        <p:nvSpPr>
+          <p:cNvPr id="5" name="Footer Placeholder 4"/>
+          <p:cNvSpPr>
+            <a:spLocks noGrp="1"/>
+          </p:cNvSpPr>
+          <p:nvPr>
+            <p:ph type="ftr" sz="quarter" idx="11"/>
+          </p:nvPr>
+        </p:nvSpPr>
+        <p:spPr/>
+        <p:txBody>
+          <a:bodyPr/>
+          <a:lstStyle/>
+          <a:p>
+            <a:endParaRPr lang="en-US"/>
+          </a:p>
+        </p:txBody>
+      </p:sp>
+      <p:sp>
+        <p:nvSpPr>
+          <p:cNvPr id="6" name="Slide Number Placeholder 5"/>
+          <p:cNvSpPr>
+            <a:spLocks noGrp="1"/>
+          </p:cNvSpPr>
+          <p:nvPr>
+            <p:ph type="sldNum" sz="quarter" idx="12"/>
+          </p:nvPr>
+        </p:nvSpPr>
+        <p:spPr/>
+        <p:txBody>
+          <a:bodyPr/>
+          <a:lstStyle/>
+          <a:p>
+            <a:fld id="{A05AF791-2039-4BAA-99CD-758C1B975E09}" type="slidenum">
+              <a:rPr lang="en-US" smtClean="0"/>
+              <a:t>‹#›</a:t>
+            </a:fld>
+            <a:endParaRPr lang="en-US"/>
+          </a:p>
+        </p:txBody>
+      </p:sp>
+    </p:spTree>
+    <p:extLst>
+      <p:ext uri="{BB962C8B-B14F-4D97-AF65-F5344CB8AC3E}">
+        <p14:creationId xmlns:p14="http://schemas.microsoft.com/office/powerpoint/2010/main" val="2516826615"/>
+      </p:ext>
+    </p:extLst>
+  </p:cSld>
+  <p:clrMapOvr>
+    <a:masterClrMapping/>
+  </p:clrMapOvr>
+</p:sldLayout>
+</file>
+
+<file path=ppt/slideLayouts/slideLayout13.xml><?xml version="1.0" encoding="utf-8"?>
+<p:sldLayout xmlns:a="http://schemas.openxmlformats.org/drawingml/2006/main" xmlns:r="http://schemas.openxmlformats.org/officeDocument/2006/relationships" xmlns:p="http://schemas.openxmlformats.org/presentationml/2006/main" preserve="1">
+  <p:cSld name="Quote Name Card">
+    <p:spTree>
+      <p:nvGrpSpPr>
+        <p:cNvPr id="1" name=""/>
+        <p:cNvGrpSpPr/>
+        <p:nvPr/>
+      </p:nvGrpSpPr>
+      <p:grpSpPr>
+        <a:xfrm>
+          <a:off x="0" y="0"/>
+          <a:ext cx="0" cy="0"/>
+          <a:chOff x="0" y="0"/>
+          <a:chExt cx="0" cy="0"/>
+        </a:xfrm>
+      </p:grpSpPr>
+      <p:sp>
+        <p:nvSpPr>
+          <p:cNvPr id="2" name="Title 1"/>
+          <p:cNvSpPr>
+            <a:spLocks noGrp="1"/>
+          </p:cNvSpPr>
+          <p:nvPr>
+            <p:ph type="title"/>
+          </p:nvPr>
+        </p:nvSpPr>
+        <p:spPr>
+          <a:xfrm>
+            <a:off x="931334" y="609600"/>
+            <a:ext cx="8094134" cy="3022600"/>
+          </a:xfrm>
+        </p:spPr>
+        <p:txBody>
+          <a:bodyPr anchor="ctr">
+            <a:normAutofit/>
+          </a:bodyPr>
+          <a:lstStyle>
+            <a:lvl1pPr algn="l">
+              <a:defRPr sz="4400" b="0" cap="none"/>
+            </a:lvl1pPr>
+          </a:lstStyle>
+          <a:p>
+            <a:r>
+              <a:rPr lang="en-US"/>
+              <a:t>Click to edit Master title style</a:t>
+            </a:r>
+            <a:endParaRPr lang="en-US" dirty="0"/>
+          </a:p>
+        </p:txBody>
+      </p:sp>
+      <p:sp>
+        <p:nvSpPr>
+          <p:cNvPr id="23" name="Text Placeholder 9"/>
+          <p:cNvSpPr>
+            <a:spLocks noGrp="1"/>
+          </p:cNvSpPr>
+          <p:nvPr>
+            <p:ph type="body" sz="quarter" idx="13"/>
+          </p:nvPr>
+        </p:nvSpPr>
+        <p:spPr>
+          <a:xfrm>
+            <a:off x="677332" y="4013200"/>
+            <a:ext cx="8596669" cy="514248"/>
+          </a:xfrm>
+        </p:spPr>
+        <p:txBody>
+          <a:bodyPr anchor="b">
+            <a:noAutofit/>
+          </a:bodyPr>
+          <a:lstStyle>
+            <a:lvl1pPr marL="0" indent="0">
+              <a:buFontTx/>
+              <a:buNone/>
+              <a:defRPr sz="2400">
+                <a:solidFill>
+                  <a:schemeClr val="tx1">
+                    <a:lumMod val="75000"/>
+                    <a:lumOff val="25000"/>
+                  </a:schemeClr>
+                </a:solidFill>
+              </a:defRPr>
+            </a:lvl1pPr>
+            <a:lvl2pPr marL="457200" indent="0">
+              <a:buFontTx/>
+              <a:buNone/>
+              <a:defRPr/>
+            </a:lvl2pPr>
+            <a:lvl3pPr marL="914400" indent="0">
+              <a:buFontTx/>
+              <a:buNone/>
+              <a:defRPr/>
+            </a:lvl3pPr>
+            <a:lvl4pPr marL="1371600" indent="0">
+              <a:buFontTx/>
+              <a:buNone/>
+              <a:defRPr/>
+            </a:lvl4pPr>
+            <a:lvl5pPr marL="1828800" indent="0">
+              <a:buFontTx/>
+              <a:buNone/>
+              <a:defRPr/>
+            </a:lvl5pPr>
+          </a:lstStyle>
+          <a:p>
+            <a:pPr lvl="0"/>
+            <a:r>
+              <a:rPr lang="en-US"/>
+              <a:t>Edit Master text styles</a:t>
+            </a:r>
+          </a:p>
+        </p:txBody>
+      </p:sp>
+      <p:sp>
+        <p:nvSpPr>
+          <p:cNvPr id="3" name="Text Placeholder 2"/>
+          <p:cNvSpPr>
+            <a:spLocks noGrp="1"/>
+          </p:cNvSpPr>
+          <p:nvPr>
+            <p:ph type="body" idx="1"/>
+          </p:nvPr>
+        </p:nvSpPr>
+        <p:spPr>
+          <a:xfrm>
+            <a:off x="677335" y="4527448"/>
+            <a:ext cx="8596668" cy="1513914"/>
+          </a:xfrm>
+        </p:spPr>
+        <p:txBody>
+          <a:bodyPr anchor="t">
+            <a:normAutofit/>
+          </a:bodyPr>
+          <a:lstStyle>
+            <a:lvl1pPr marL="0" indent="0" algn="l">
+              <a:buNone/>
+              <a:defRPr sz="1800">
+                <a:solidFill>
+                  <a:schemeClr val="tx1">
+                    <a:lumMod val="50000"/>
+                    <a:lumOff val="50000"/>
+                  </a:schemeClr>
+                </a:solidFill>
+              </a:defRPr>
+            </a:lvl1pPr>
+            <a:lvl2pPr marL="457200" indent="0">
+              <a:buNone/>
+              <a:defRPr sz="1800">
+                <a:solidFill>
+                  <a:schemeClr val="tx1">
+                    <a:tint val="75000"/>
+                  </a:schemeClr>
+                </a:solidFill>
+              </a:defRPr>
+            </a:lvl2pPr>
+            <a:lvl3pPr marL="914400" indent="0">
+              <a:buNone/>
+              <a:defRPr sz="1600">
+                <a:solidFill>
+                  <a:schemeClr val="tx1">
+                    <a:tint val="75000"/>
+                  </a:schemeClr>
+                </a:solidFill>
+              </a:defRPr>
+            </a:lvl3pPr>
+            <a:lvl4pPr marL="1371600" indent="0">
+              <a:buNone/>
+              <a:defRPr sz="1400">
+                <a:solidFill>
+                  <a:schemeClr val="tx1">
+                    <a:tint val="75000"/>
+                  </a:schemeClr>
+                </a:solidFill>
+              </a:defRPr>
+            </a:lvl4pPr>
+            <a:lvl5pPr marL="1828800" indent="0">
+              <a:buNone/>
+              <a:defRPr sz="1400">
+                <a:solidFill>
+                  <a:schemeClr val="tx1">
+                    <a:tint val="75000"/>
+                  </a:schemeClr>
+                </a:solidFill>
+              </a:defRPr>
+            </a:lvl5pPr>
+            <a:lvl6pPr marL="2286000" indent="0">
+              <a:buNone/>
+              <a:defRPr sz="1400">
+                <a:solidFill>
+                  <a:schemeClr val="tx1">
+                    <a:tint val="75000"/>
+                  </a:schemeClr>
+                </a:solidFill>
+              </a:defRPr>
+            </a:lvl6pPr>
+            <a:lvl7pPr marL="2743200" indent="0">
+              <a:buNone/>
+              <a:defRPr sz="1400">
+                <a:solidFill>
+                  <a:schemeClr val="tx1">
+                    <a:tint val="75000"/>
+                  </a:schemeClr>
+                </a:solidFill>
+              </a:defRPr>
+            </a:lvl7pPr>
+            <a:lvl8pPr marL="3200400" indent="0">
+              <a:buNone/>
+              <a:defRPr sz="1400">
+                <a:solidFill>
+                  <a:schemeClr val="tx1">
+                    <a:tint val="75000"/>
+                  </a:schemeClr>
+                </a:solidFill>
+              </a:defRPr>
+            </a:lvl8pPr>
+            <a:lvl9pPr marL="3657600" indent="0">
+              <a:buNone/>
+              <a:defRPr sz="1400">
+                <a:solidFill>
+                  <a:schemeClr val="tx1">
+                    <a:tint val="75000"/>
+                  </a:schemeClr>
+                </a:solidFill>
+              </a:defRPr>
+            </a:lvl9pPr>
+          </a:lstStyle>
+          <a:p>
+            <a:pPr lvl="0"/>
+            <a:r>
+              <a:rPr lang="en-US"/>
+              <a:t>Edit Master text styles</a:t>
+            </a:r>
+          </a:p>
+        </p:txBody>
+      </p:sp>
+      <p:sp>
+        <p:nvSpPr>
+          <p:cNvPr id="4" name="Date Placeholder 3"/>
+          <p:cNvSpPr>
+            <a:spLocks noGrp="1"/>
+          </p:cNvSpPr>
+          <p:nvPr>
+            <p:ph type="dt" sz="half" idx="10"/>
+          </p:nvPr>
+        </p:nvSpPr>
+        <p:spPr/>
+        <p:txBody>
+          <a:bodyPr/>
+          <a:lstStyle/>
+          <a:p>
+            <a:fld id="{339FB409-115C-4464-AA6D-93239CC4DCC2}" type="datetimeFigureOut">
+              <a:rPr lang="en-US" smtClean="0"/>
+              <a:t>7/19/2018</a:t>
+            </a:fld>
+            <a:endParaRPr lang="en-US"/>
+          </a:p>
+        </p:txBody>
+      </p:sp>
+      <p:sp>
+        <p:nvSpPr>
+          <p:cNvPr id="5" name="Footer Placeholder 4"/>
+          <p:cNvSpPr>
+            <a:spLocks noGrp="1"/>
+          </p:cNvSpPr>
+          <p:nvPr>
+            <p:ph type="ftr" sz="quarter" idx="11"/>
+          </p:nvPr>
+        </p:nvSpPr>
+        <p:spPr/>
+        <p:txBody>
+          <a:bodyPr/>
+          <a:lstStyle/>
+          <a:p>
+            <a:endParaRPr lang="en-US"/>
+          </a:p>
+        </p:txBody>
+      </p:sp>
+      <p:sp>
+        <p:nvSpPr>
+          <p:cNvPr id="6" name="Slide Number Placeholder 5"/>
+          <p:cNvSpPr>
+            <a:spLocks noGrp="1"/>
+          </p:cNvSpPr>
+          <p:nvPr>
+            <p:ph type="sldNum" sz="quarter" idx="12"/>
+          </p:nvPr>
+        </p:nvSpPr>
+        <p:spPr/>
+        <p:txBody>
+          <a:bodyPr/>
+          <a:lstStyle/>
+          <a:p>
+            <a:fld id="{A05AF791-2039-4BAA-99CD-758C1B975E09}" type="slidenum">
+              <a:rPr lang="en-US" smtClean="0"/>
+              <a:t>‹#›</a:t>
+            </a:fld>
+            <a:endParaRPr lang="en-US"/>
+          </a:p>
+        </p:txBody>
+      </p:sp>
+      <p:sp>
+        <p:nvSpPr>
+          <p:cNvPr id="24" name="TextBox 23"/>
+          <p:cNvSpPr txBox="1"/>
+          <p:nvPr/>
+        </p:nvSpPr>
+        <p:spPr>
+          <a:xfrm>
+            <a:off x="541870" y="790378"/>
+            <a:ext cx="609600" cy="584776"/>
+          </a:xfrm>
+          <a:prstGeom prst="rect">
+            <a:avLst/>
+          </a:prstGeom>
+        </p:spPr>
+        <p:txBody>
+          <a:bodyPr vert="horz" lIns="91440" tIns="45720" rIns="91440" bIns="45720" rtlCol="0" anchor="ctr">
+            <a:noAutofit/>
+          </a:bodyPr>
+          <a:lstStyle/>
+          <a:p>
+            <a:pPr lvl="0"/>
+            <a:r>
+              <a:rPr lang="en-US" sz="8000" baseline="0" dirty="0">
+                <a:ln w="3175" cmpd="sng">
+                  <a:noFill/>
+                </a:ln>
+                <a:solidFill>
+                  <a:schemeClr val="accent1">
+                    <a:lumMod val="60000"/>
+                    <a:lumOff val="40000"/>
+                  </a:schemeClr>
+                </a:solidFill>
+                <a:effectLst/>
+                <a:latin typeface="Arial"/>
+              </a:rPr>
+              <a:t>“</a:t>
+            </a:r>
+          </a:p>
+        </p:txBody>
+      </p:sp>
+      <p:sp>
+        <p:nvSpPr>
+          <p:cNvPr id="25" name="TextBox 24"/>
+          <p:cNvSpPr txBox="1"/>
+          <p:nvPr/>
+        </p:nvSpPr>
+        <p:spPr>
+          <a:xfrm>
+            <a:off x="8893011" y="2886556"/>
+            <a:ext cx="609600" cy="584776"/>
+          </a:xfrm>
+          <a:prstGeom prst="rect">
+            <a:avLst/>
+          </a:prstGeom>
+        </p:spPr>
+        <p:txBody>
+          <a:bodyPr vert="horz" lIns="91440" tIns="45720" rIns="91440" bIns="45720" rtlCol="0" anchor="ctr">
+            <a:noAutofit/>
+          </a:bodyPr>
+          <a:lstStyle/>
+          <a:p>
+            <a:pPr lvl="0"/>
+            <a:r>
+              <a:rPr lang="en-US" sz="8000" baseline="0" dirty="0">
+                <a:ln w="3175" cmpd="sng">
+                  <a:noFill/>
+                </a:ln>
+                <a:solidFill>
+                  <a:schemeClr val="accent1">
+                    <a:lumMod val="60000"/>
+                    <a:lumOff val="40000"/>
+                  </a:schemeClr>
+                </a:solidFill>
+                <a:effectLst/>
+                <a:latin typeface="Arial"/>
+              </a:rPr>
+              <a:t>”</a:t>
+            </a:r>
+          </a:p>
+        </p:txBody>
+      </p:sp>
+    </p:spTree>
+    <p:extLst>
+      <p:ext uri="{BB962C8B-B14F-4D97-AF65-F5344CB8AC3E}">
+        <p14:creationId xmlns:p14="http://schemas.microsoft.com/office/powerpoint/2010/main" val="1400844949"/>
+      </p:ext>
+    </p:extLst>
+  </p:cSld>
+  <p:clrMapOvr>
+    <a:masterClrMapping/>
+  </p:clrMapOvr>
+</p:sldLayout>
+</file>
+
+<file path=ppt/slideLayouts/slideLayout14.xml><?xml version="1.0" encoding="utf-8"?>
+<p:sldLayout xmlns:a="http://schemas.openxmlformats.org/drawingml/2006/main" xmlns:r="http://schemas.openxmlformats.org/officeDocument/2006/relationships" xmlns:p="http://schemas.openxmlformats.org/presentationml/2006/main" preserve="1">
+  <p:cSld name="True or False">
+    <p:spTree>
+      <p:nvGrpSpPr>
+        <p:cNvPr id="1" name=""/>
+        <p:cNvGrpSpPr/>
+        <p:nvPr/>
+      </p:nvGrpSpPr>
+      <p:grpSpPr>
+        <a:xfrm>
+          <a:off x="0" y="0"/>
+          <a:ext cx="0" cy="0"/>
+          <a:chOff x="0" y="0"/>
+          <a:chExt cx="0" cy="0"/>
+        </a:xfrm>
+      </p:grpSpPr>
+      <p:sp>
+        <p:nvSpPr>
+          <p:cNvPr id="2" name="Title 1"/>
+          <p:cNvSpPr>
+            <a:spLocks noGrp="1"/>
+          </p:cNvSpPr>
+          <p:nvPr>
+            <p:ph type="title"/>
+          </p:nvPr>
+        </p:nvSpPr>
+        <p:spPr>
+          <a:xfrm>
+            <a:off x="685799" y="609600"/>
+            <a:ext cx="8588203" cy="3022600"/>
+          </a:xfrm>
+        </p:spPr>
+        <p:txBody>
+          <a:bodyPr anchor="ctr">
+            <a:normAutofit/>
+          </a:bodyPr>
+          <a:lstStyle>
+            <a:lvl1pPr algn="l">
+              <a:defRPr sz="4400" b="0" cap="none"/>
+            </a:lvl1pPr>
+          </a:lstStyle>
+          <a:p>
+            <a:r>
+              <a:rPr lang="en-US"/>
+              <a:t>Click to edit Master title style</a:t>
+            </a:r>
+            <a:endParaRPr lang="en-US" dirty="0"/>
+          </a:p>
+        </p:txBody>
+      </p:sp>
+      <p:sp>
+        <p:nvSpPr>
+          <p:cNvPr id="23" name="Text Placeholder 9"/>
+          <p:cNvSpPr>
+            <a:spLocks noGrp="1"/>
+          </p:cNvSpPr>
+          <p:nvPr>
+            <p:ph type="body" sz="quarter" idx="13"/>
+          </p:nvPr>
+        </p:nvSpPr>
+        <p:spPr>
+          <a:xfrm>
+            <a:off x="677332" y="4013200"/>
+            <a:ext cx="8596669" cy="514248"/>
+          </a:xfrm>
+        </p:spPr>
+        <p:txBody>
+          <a:bodyPr anchor="b">
+            <a:noAutofit/>
+          </a:bodyPr>
+          <a:lstStyle>
+            <a:lvl1pPr marL="0" indent="0">
+              <a:buFontTx/>
+              <a:buNone/>
+              <a:defRPr sz="2400">
+                <a:solidFill>
+                  <a:schemeClr val="accent1"/>
+                </a:solidFill>
+              </a:defRPr>
+            </a:lvl1pPr>
+            <a:lvl2pPr marL="457200" indent="0">
+              <a:buFontTx/>
+              <a:buNone/>
+              <a:defRPr/>
+            </a:lvl2pPr>
+            <a:lvl3pPr marL="914400" indent="0">
+              <a:buFontTx/>
+              <a:buNone/>
+              <a:defRPr/>
+            </a:lvl3pPr>
+            <a:lvl4pPr marL="1371600" indent="0">
+              <a:buFontTx/>
+              <a:buNone/>
+              <a:defRPr/>
+            </a:lvl4pPr>
+            <a:lvl5pPr marL="1828800" indent="0">
+              <a:buFontTx/>
+              <a:buNone/>
+              <a:defRPr/>
+            </a:lvl5pPr>
+          </a:lstStyle>
+          <a:p>
+            <a:pPr lvl="0"/>
+            <a:r>
+              <a:rPr lang="en-US"/>
+              <a:t>Edit Master text styles</a:t>
+            </a:r>
+          </a:p>
+        </p:txBody>
+      </p:sp>
+      <p:sp>
+        <p:nvSpPr>
+          <p:cNvPr id="3" name="Text Placeholder 2"/>
+          <p:cNvSpPr>
+            <a:spLocks noGrp="1"/>
+          </p:cNvSpPr>
+          <p:nvPr>
+            <p:ph type="body" idx="1"/>
+          </p:nvPr>
+        </p:nvSpPr>
+        <p:spPr>
+          <a:xfrm>
+            <a:off x="677335" y="4527448"/>
+            <a:ext cx="8596668" cy="1513914"/>
+          </a:xfrm>
+        </p:spPr>
+        <p:txBody>
+          <a:bodyPr anchor="t">
+            <a:normAutofit/>
+          </a:bodyPr>
+          <a:lstStyle>
+            <a:lvl1pPr marL="0" indent="0" algn="l">
+              <a:buNone/>
+              <a:defRPr sz="1800">
+                <a:solidFill>
+                  <a:schemeClr val="tx1">
+                    <a:lumMod val="50000"/>
+                    <a:lumOff val="50000"/>
+                  </a:schemeClr>
+                </a:solidFill>
+              </a:defRPr>
+            </a:lvl1pPr>
+            <a:lvl2pPr marL="457200" indent="0">
+              <a:buNone/>
+              <a:defRPr sz="1800">
+                <a:solidFill>
+                  <a:schemeClr val="tx1">
+                    <a:tint val="75000"/>
+                  </a:schemeClr>
+                </a:solidFill>
+              </a:defRPr>
+            </a:lvl2pPr>
+            <a:lvl3pPr marL="914400" indent="0">
+              <a:buNone/>
+              <a:defRPr sz="1600">
+                <a:solidFill>
+                  <a:schemeClr val="tx1">
+                    <a:tint val="75000"/>
+                  </a:schemeClr>
+                </a:solidFill>
+              </a:defRPr>
+            </a:lvl3pPr>
+            <a:lvl4pPr marL="1371600" indent="0">
+              <a:buNone/>
+              <a:defRPr sz="1400">
+                <a:solidFill>
+                  <a:schemeClr val="tx1">
+                    <a:tint val="75000"/>
+                  </a:schemeClr>
+                </a:solidFill>
+              </a:defRPr>
+            </a:lvl4pPr>
+            <a:lvl5pPr marL="1828800" indent="0">
+              <a:buNone/>
+              <a:defRPr sz="1400">
+                <a:solidFill>
+                  <a:schemeClr val="tx1">
+                    <a:tint val="75000"/>
+                  </a:schemeClr>
+                </a:solidFill>
+              </a:defRPr>
+            </a:lvl5pPr>
+            <a:lvl6pPr marL="2286000" indent="0">
+              <a:buNone/>
+              <a:defRPr sz="1400">
+                <a:solidFill>
+                  <a:schemeClr val="tx1">
+                    <a:tint val="75000"/>
+                  </a:schemeClr>
+                </a:solidFill>
+              </a:defRPr>
+            </a:lvl6pPr>
+            <a:lvl7pPr marL="2743200" indent="0">
+              <a:buNone/>
+              <a:defRPr sz="1400">
+                <a:solidFill>
+                  <a:schemeClr val="tx1">
+                    <a:tint val="75000"/>
+                  </a:schemeClr>
+                </a:solidFill>
+              </a:defRPr>
+            </a:lvl7pPr>
+            <a:lvl8pPr marL="3200400" indent="0">
+              <a:buNone/>
+              <a:defRPr sz="1400">
+                <a:solidFill>
+                  <a:schemeClr val="tx1">
+                    <a:tint val="75000"/>
+                  </a:schemeClr>
+                </a:solidFill>
+              </a:defRPr>
+            </a:lvl8pPr>
+            <a:lvl9pPr marL="3657600" indent="0">
+              <a:buNone/>
+              <a:defRPr sz="1400">
+                <a:solidFill>
+                  <a:schemeClr val="tx1">
+                    <a:tint val="75000"/>
+                  </a:schemeClr>
+                </a:solidFill>
+              </a:defRPr>
+            </a:lvl9pPr>
+          </a:lstStyle>
+          <a:p>
+            <a:pPr lvl="0"/>
+            <a:r>
+              <a:rPr lang="en-US"/>
+              <a:t>Edit Master text styles</a:t>
+            </a:r>
+          </a:p>
+        </p:txBody>
+      </p:sp>
+      <p:sp>
+        <p:nvSpPr>
+          <p:cNvPr id="4" name="Date Placeholder 3"/>
+          <p:cNvSpPr>
+            <a:spLocks noGrp="1"/>
+          </p:cNvSpPr>
+          <p:nvPr>
+            <p:ph type="dt" sz="half" idx="10"/>
+          </p:nvPr>
+        </p:nvSpPr>
+        <p:spPr/>
+        <p:txBody>
+          <a:bodyPr/>
+          <a:lstStyle/>
+          <a:p>
+            <a:fld id="{339FB409-115C-4464-AA6D-93239CC4DCC2}" type="datetimeFigureOut">
+              <a:rPr lang="en-US" smtClean="0"/>
+              <a:t>7/19/2018</a:t>
+            </a:fld>
+            <a:endParaRPr lang="en-US"/>
+          </a:p>
+        </p:txBody>
+      </p:sp>
+      <p:sp>
+        <p:nvSpPr>
+          <p:cNvPr id="5" name="Footer Placeholder 4"/>
+          <p:cNvSpPr>
+            <a:spLocks noGrp="1"/>
+          </p:cNvSpPr>
+          <p:nvPr>
+            <p:ph type="ftr" sz="quarter" idx="11"/>
+          </p:nvPr>
+        </p:nvSpPr>
+        <p:spPr/>
+        <p:txBody>
+          <a:bodyPr/>
+          <a:lstStyle/>
+          <a:p>
+            <a:endParaRPr lang="en-US"/>
+          </a:p>
+        </p:txBody>
+      </p:sp>
+      <p:sp>
+        <p:nvSpPr>
+          <p:cNvPr id="6" name="Slide Number Placeholder 5"/>
+          <p:cNvSpPr>
+            <a:spLocks noGrp="1"/>
+          </p:cNvSpPr>
+          <p:nvPr>
+            <p:ph type="sldNum" sz="quarter" idx="12"/>
+          </p:nvPr>
+        </p:nvSpPr>
+        <p:spPr/>
+        <p:txBody>
+          <a:bodyPr/>
+          <a:lstStyle/>
+          <a:p>
+            <a:fld id="{A05AF791-2039-4BAA-99CD-758C1B975E09}" type="slidenum">
+              <a:rPr lang="en-US" smtClean="0"/>
+              <a:t>‹#›</a:t>
+            </a:fld>
+            <a:endParaRPr lang="en-US"/>
+          </a:p>
+        </p:txBody>
+      </p:sp>
+    </p:spTree>
+    <p:extLst>
+      <p:ext uri="{BB962C8B-B14F-4D97-AF65-F5344CB8AC3E}">
+        <p14:creationId xmlns:p14="http://schemas.microsoft.com/office/powerpoint/2010/main" val="2092026285"/>
+      </p:ext>
+    </p:extLst>
+  </p:cSld>
+  <p:clrMapOvr>
+    <a:masterClrMapping/>
+  </p:clrMapOvr>
+</p:sldLayout>
+</file>
+
+<file path=ppt/slideLayouts/slideLayout15.xml><?xml version="1.0" encoding="utf-8"?>
 <p:sldLayout xmlns:a="http://schemas.openxmlformats.org/drawingml/2006/main" xmlns:r="http://schemas.openxmlformats.org/officeDocument/2006/relationships" xmlns:p="http://schemas.openxmlformats.org/presentationml/2006/main" type="vertTx" preserve="1">
   <p:cSld name="Title and Vertical Text">
     <p:spTree>
@@ -625,131 +2551,136 @@
           <a:lstStyle/>
           <a:p>
             <a:r>
+              <a:rPr lang="en-US"/>
+              <a:t>Click to edit Master title style</a:t>
+            </a:r>
+            <a:endParaRPr lang="en-US" dirty="0"/>
+          </a:p>
+        </p:txBody>
+      </p:sp>
+      <p:sp>
+        <p:nvSpPr>
+          <p:cNvPr id="3" name="Vertical Text Placeholder 2"/>
+          <p:cNvSpPr>
+            <a:spLocks noGrp="1"/>
+          </p:cNvSpPr>
+          <p:nvPr>
+            <p:ph type="body" orient="vert" idx="1"/>
+          </p:nvPr>
+        </p:nvSpPr>
+        <p:spPr/>
+        <p:txBody>
+          <a:bodyPr vert="eaVert"/>
+          <a:lstStyle/>
+          <a:p>
+            <a:pPr lvl="0"/>
+            <a:r>
+              <a:rPr lang="en-US"/>
+              <a:t>Edit Master text styles</a:t>
+            </a:r>
+          </a:p>
+          <a:p>
+            <a:pPr lvl="1"/>
+            <a:r>
+              <a:rPr lang="en-US"/>
+              <a:t>Second level</a:t>
+            </a:r>
+          </a:p>
+          <a:p>
+            <a:pPr lvl="2"/>
+            <a:r>
+              <a:rPr lang="en-US"/>
+              <a:t>Third level</a:t>
+            </a:r>
+          </a:p>
+          <a:p>
+            <a:pPr lvl="3"/>
+            <a:r>
+              <a:rPr lang="en-US"/>
+              <a:t>Fourth level</a:t>
+            </a:r>
+          </a:p>
+          <a:p>
+            <a:pPr lvl="4"/>
+            <a:r>
+              <a:rPr lang="en-US"/>
+              <a:t>Fifth level</a:t>
+            </a:r>
+            <a:endParaRPr lang="en-US" dirty="0"/>
+          </a:p>
+        </p:txBody>
+      </p:sp>
+      <p:sp>
+        <p:nvSpPr>
+          <p:cNvPr id="4" name="Date Placeholder 3"/>
+          <p:cNvSpPr>
+            <a:spLocks noGrp="1"/>
+          </p:cNvSpPr>
+          <p:nvPr>
+            <p:ph type="dt" sz="half" idx="10"/>
+          </p:nvPr>
+        </p:nvSpPr>
+        <p:spPr/>
+        <p:txBody>
+          <a:bodyPr/>
+          <a:lstStyle/>
+          <a:p>
+            <a:fld id="{339FB409-115C-4464-AA6D-93239CC4DCC2}" type="datetimeFigureOut">
               <a:rPr lang="en-US" smtClean="0"/>
-              <a:t>Click to edit Master title style</a:t>
-            </a:r>
-            <a:endParaRPr lang="en-US" dirty="0"/>
-          </a:p>
-        </p:txBody>
-      </p:sp>
-      <p:sp>
-        <p:nvSpPr>
-          <p:cNvPr id="3" name="Vertical Text Placeholder 2"/>
-          <p:cNvSpPr>
-            <a:spLocks noGrp="1"/>
-          </p:cNvSpPr>
-          <p:nvPr>
-            <p:ph type="body" orient="vert" idx="1"/>
+              <a:t>7/19/2018</a:t>
+            </a:fld>
+            <a:endParaRPr lang="en-US"/>
+          </a:p>
+        </p:txBody>
+      </p:sp>
+      <p:sp>
+        <p:nvSpPr>
+          <p:cNvPr id="5" name="Footer Placeholder 4"/>
+          <p:cNvSpPr>
+            <a:spLocks noGrp="1"/>
+          </p:cNvSpPr>
+          <p:nvPr>
+            <p:ph type="ftr" sz="quarter" idx="11"/>
           </p:nvPr>
         </p:nvSpPr>
         <p:spPr/>
         <p:txBody>
-          <a:bodyPr vert="eaVert"/>
-          <a:lstStyle/>
-          <a:p>
-            <a:pPr lvl="0"/>
-            <a:r>
+          <a:bodyPr/>
+          <a:lstStyle/>
+          <a:p>
+            <a:endParaRPr lang="en-US"/>
+          </a:p>
+        </p:txBody>
+      </p:sp>
+      <p:sp>
+        <p:nvSpPr>
+          <p:cNvPr id="6" name="Slide Number Placeholder 5"/>
+          <p:cNvSpPr>
+            <a:spLocks noGrp="1"/>
+          </p:cNvSpPr>
+          <p:nvPr>
+            <p:ph type="sldNum" sz="quarter" idx="12"/>
+          </p:nvPr>
+        </p:nvSpPr>
+        <p:spPr/>
+        <p:txBody>
+          <a:bodyPr/>
+          <a:lstStyle/>
+          <a:p>
+            <a:fld id="{A05AF791-2039-4BAA-99CD-758C1B975E09}" type="slidenum">
               <a:rPr lang="en-US" smtClean="0"/>
-              <a:t>Click to edit Master text styles</a:t>
-            </a:r>
-          </a:p>
-          <a:p>
-            <a:pPr lvl="1"/>
-            <a:r>
-              <a:rPr lang="en-US" smtClean="0"/>
-              <a:t>Second level</a:t>
-            </a:r>
-          </a:p>
-          <a:p>
-            <a:pPr lvl="2"/>
-            <a:r>
-              <a:rPr lang="en-US" smtClean="0"/>
-              <a:t>Third level</a:t>
-            </a:r>
-          </a:p>
-          <a:p>
-            <a:pPr lvl="3"/>
-            <a:r>
-              <a:rPr lang="en-US" smtClean="0"/>
-              <a:t>Fourth level</a:t>
-            </a:r>
-          </a:p>
-          <a:p>
-            <a:pPr lvl="4"/>
-            <a:r>
-              <a:rPr lang="en-US" smtClean="0"/>
-              <a:t>Fifth level</a:t>
-            </a:r>
-            <a:endParaRPr lang="en-US" dirty="0"/>
-          </a:p>
-        </p:txBody>
-      </p:sp>
-      <p:sp>
-        <p:nvSpPr>
-          <p:cNvPr id="4" name="Date Placeholder 3"/>
-          <p:cNvSpPr>
-            <a:spLocks noGrp="1"/>
-          </p:cNvSpPr>
-          <p:nvPr>
-            <p:ph type="dt" sz="half" idx="10"/>
-          </p:nvPr>
-        </p:nvSpPr>
-        <p:spPr/>
-        <p:txBody>
-          <a:bodyPr/>
-          <a:lstStyle/>
-          <a:p>
-            <a:fld id="{181069D4-B020-4602-B87C-B094679675DF}" type="datetimeFigureOut">
-              <a:rPr lang="en-US" dirty="0"/>
-              <a:t>8/25/2016</a:t>
-            </a:fld>
-            <a:endParaRPr lang="en-US" dirty="0"/>
-          </a:p>
-        </p:txBody>
-      </p:sp>
-      <p:sp>
-        <p:nvSpPr>
-          <p:cNvPr id="5" name="Footer Placeholder 4"/>
-          <p:cNvSpPr>
-            <a:spLocks noGrp="1"/>
-          </p:cNvSpPr>
-          <p:nvPr>
-            <p:ph type="ftr" sz="quarter" idx="11"/>
-          </p:nvPr>
-        </p:nvSpPr>
-        <p:spPr/>
-        <p:txBody>
-          <a:bodyPr/>
-          <a:lstStyle/>
-          <a:p>
-            <a:endParaRPr lang="en-US" dirty="0"/>
-          </a:p>
-        </p:txBody>
-      </p:sp>
-      <p:sp>
-        <p:nvSpPr>
-          <p:cNvPr id="6" name="Slide Number Placeholder 5"/>
-          <p:cNvSpPr>
-            <a:spLocks noGrp="1"/>
-          </p:cNvSpPr>
-          <p:nvPr>
-            <p:ph type="sldNum" sz="quarter" idx="12"/>
-          </p:nvPr>
-        </p:nvSpPr>
-        <p:spPr/>
-        <p:txBody>
-          <a:bodyPr/>
-          <a:lstStyle/>
-          <a:p>
-            <a:fld id="{4FAB73BC-B049-4115-A692-8D63A059BFB8}" type="slidenum">
-              <a:rPr lang="en-US" dirty="0"/>
               <a:t>‹#›</a:t>
             </a:fld>
-            <a:endParaRPr lang="en-US" dirty="0"/>
+            <a:endParaRPr lang="en-US"/>
           </a:p>
         </p:txBody>
       </p:sp>
     </p:spTree>
+    <p:extLst>
+      <p:ext uri="{BB962C8B-B14F-4D97-AF65-F5344CB8AC3E}">
+        <p14:creationId xmlns:p14="http://schemas.microsoft.com/office/powerpoint/2010/main" val="1548688638"/>
+      </p:ext>
+    </p:extLst>
   </p:cSld>
   <p:clrMapOvr>
     <a:masterClrMapping/>
@@ -757,7 +2688,7 @@
 </p:sldLayout>
 </file>
 
-<file path=ppt/slideLayouts/slideLayout11.xml><?xml version="1.0" encoding="utf-8"?>
+<file path=ppt/slideLayouts/slideLayout16.xml><?xml version="1.0" encoding="utf-8"?>
 <p:sldLayout xmlns:a="http://schemas.openxmlformats.org/drawingml/2006/main" xmlns:r="http://schemas.openxmlformats.org/officeDocument/2006/relationships" xmlns:p="http://schemas.openxmlformats.org/presentationml/2006/main" type="vertTitleAndTx" preserve="1">
   <p:cSld name="Vertical Title and Text">
     <p:spTree>
@@ -786,16 +2717,16 @@
         </p:nvSpPr>
         <p:spPr>
           <a:xfrm>
-            <a:off x="8724900" y="533400"/>
-            <a:ext cx="2552700" cy="5638800"/>
+            <a:off x="7967673" y="609599"/>
+            <a:ext cx="1304743" cy="5251451"/>
           </a:xfrm>
         </p:spPr>
         <p:txBody>
-          <a:bodyPr vert="eaVert"/>
-          <a:lstStyle/>
-          <a:p>
-            <a:r>
-              <a:rPr lang="en-US" smtClean="0"/>
+          <a:bodyPr vert="eaVert" anchor="ctr"/>
+          <a:lstStyle/>
+          <a:p>
+            <a:r>
+              <a:rPr lang="en-US"/>
               <a:t>Click to edit Master title style</a:t>
             </a:r>
             <a:endParaRPr lang="en-US" dirty="0"/>
@@ -814,8 +2745,8 @@
         </p:nvSpPr>
         <p:spPr>
           <a:xfrm>
-            <a:off x="1066800" y="533400"/>
-            <a:ext cx="7505700" cy="5638800"/>
+            <a:off x="677335" y="609600"/>
+            <a:ext cx="7060150" cy="5251450"/>
           </a:xfrm>
         </p:spPr>
         <p:txBody>
@@ -824,107 +2755,112 @@
           <a:p>
             <a:pPr lvl="0"/>
             <a:r>
+              <a:rPr lang="en-US"/>
+              <a:t>Edit Master text styles</a:t>
+            </a:r>
+          </a:p>
+          <a:p>
+            <a:pPr lvl="1"/>
+            <a:r>
+              <a:rPr lang="en-US"/>
+              <a:t>Second level</a:t>
+            </a:r>
+          </a:p>
+          <a:p>
+            <a:pPr lvl="2"/>
+            <a:r>
+              <a:rPr lang="en-US"/>
+              <a:t>Third level</a:t>
+            </a:r>
+          </a:p>
+          <a:p>
+            <a:pPr lvl="3"/>
+            <a:r>
+              <a:rPr lang="en-US"/>
+              <a:t>Fourth level</a:t>
+            </a:r>
+          </a:p>
+          <a:p>
+            <a:pPr lvl="4"/>
+            <a:r>
+              <a:rPr lang="en-US"/>
+              <a:t>Fifth level</a:t>
+            </a:r>
+            <a:endParaRPr lang="en-US" dirty="0"/>
+          </a:p>
+        </p:txBody>
+      </p:sp>
+      <p:sp>
+        <p:nvSpPr>
+          <p:cNvPr id="4" name="Date Placeholder 3"/>
+          <p:cNvSpPr>
+            <a:spLocks noGrp="1"/>
+          </p:cNvSpPr>
+          <p:nvPr>
+            <p:ph type="dt" sz="half" idx="10"/>
+          </p:nvPr>
+        </p:nvSpPr>
+        <p:spPr/>
+        <p:txBody>
+          <a:bodyPr/>
+          <a:lstStyle/>
+          <a:p>
+            <a:fld id="{339FB409-115C-4464-AA6D-93239CC4DCC2}" type="datetimeFigureOut">
               <a:rPr lang="en-US" smtClean="0"/>
-              <a:t>Click to edit Master text styles</a:t>
-            </a:r>
-          </a:p>
-          <a:p>
-            <a:pPr lvl="1"/>
-            <a:r>
+              <a:t>7/19/2018</a:t>
+            </a:fld>
+            <a:endParaRPr lang="en-US"/>
+          </a:p>
+        </p:txBody>
+      </p:sp>
+      <p:sp>
+        <p:nvSpPr>
+          <p:cNvPr id="5" name="Footer Placeholder 4"/>
+          <p:cNvSpPr>
+            <a:spLocks noGrp="1"/>
+          </p:cNvSpPr>
+          <p:nvPr>
+            <p:ph type="ftr" sz="quarter" idx="11"/>
+          </p:nvPr>
+        </p:nvSpPr>
+        <p:spPr/>
+        <p:txBody>
+          <a:bodyPr/>
+          <a:lstStyle/>
+          <a:p>
+            <a:endParaRPr lang="en-US"/>
+          </a:p>
+        </p:txBody>
+      </p:sp>
+      <p:sp>
+        <p:nvSpPr>
+          <p:cNvPr id="6" name="Slide Number Placeholder 5"/>
+          <p:cNvSpPr>
+            <a:spLocks noGrp="1"/>
+          </p:cNvSpPr>
+          <p:nvPr>
+            <p:ph type="sldNum" sz="quarter" idx="12"/>
+          </p:nvPr>
+        </p:nvSpPr>
+        <p:spPr/>
+        <p:txBody>
+          <a:bodyPr/>
+          <a:lstStyle/>
+          <a:p>
+            <a:fld id="{A05AF791-2039-4BAA-99CD-758C1B975E09}" type="slidenum">
               <a:rPr lang="en-US" smtClean="0"/>
-              <a:t>Second level</a:t>
-            </a:r>
-          </a:p>
-          <a:p>
-            <a:pPr lvl="2"/>
-            <a:r>
-              <a:rPr lang="en-US" smtClean="0"/>
-              <a:t>Third level</a:t>
-            </a:r>
-          </a:p>
-          <a:p>
-            <a:pPr lvl="3"/>
-            <a:r>
-              <a:rPr lang="en-US" smtClean="0"/>
-              <a:t>Fourth level</a:t>
-            </a:r>
-          </a:p>
-          <a:p>
-            <a:pPr lvl="4"/>
-            <a:r>
-              <a:rPr lang="en-US" smtClean="0"/>
-              <a:t>Fifth level</a:t>
-            </a:r>
-            <a:endParaRPr lang="en-US" dirty="0"/>
-          </a:p>
-        </p:txBody>
-      </p:sp>
-      <p:sp>
-        <p:nvSpPr>
-          <p:cNvPr id="4" name="Date Placeholder 3"/>
-          <p:cNvSpPr>
-            <a:spLocks noGrp="1"/>
-          </p:cNvSpPr>
-          <p:nvPr>
-            <p:ph type="dt" sz="half" idx="10"/>
-          </p:nvPr>
-        </p:nvSpPr>
-        <p:spPr/>
-        <p:txBody>
-          <a:bodyPr/>
-          <a:lstStyle/>
-          <a:p>
-            <a:fld id="{936C11EA-3D59-4DFE-9385-0A032B3191AF}" type="datetimeFigureOut">
-              <a:rPr lang="en-US" dirty="0"/>
-              <a:t>8/25/2016</a:t>
-            </a:fld>
-            <a:endParaRPr lang="en-US" dirty="0"/>
-          </a:p>
-        </p:txBody>
-      </p:sp>
-      <p:sp>
-        <p:nvSpPr>
-          <p:cNvPr id="5" name="Footer Placeholder 4"/>
-          <p:cNvSpPr>
-            <a:spLocks noGrp="1"/>
-          </p:cNvSpPr>
-          <p:nvPr>
-            <p:ph type="ftr" sz="quarter" idx="11"/>
-          </p:nvPr>
-        </p:nvSpPr>
-        <p:spPr/>
-        <p:txBody>
-          <a:bodyPr/>
-          <a:lstStyle/>
-          <a:p>
-            <a:endParaRPr lang="en-US" dirty="0"/>
-          </a:p>
-        </p:txBody>
-      </p:sp>
-      <p:sp>
-        <p:nvSpPr>
-          <p:cNvPr id="6" name="Slide Number Placeholder 5"/>
-          <p:cNvSpPr>
-            <a:spLocks noGrp="1"/>
-          </p:cNvSpPr>
-          <p:nvPr>
-            <p:ph type="sldNum" sz="quarter" idx="12"/>
-          </p:nvPr>
-        </p:nvSpPr>
-        <p:spPr/>
-        <p:txBody>
-          <a:bodyPr/>
-          <a:lstStyle/>
-          <a:p>
-            <a:fld id="{4FAB73BC-B049-4115-A692-8D63A059BFB8}" type="slidenum">
-              <a:rPr lang="en-US" dirty="0"/>
               <a:t>‹#›</a:t>
             </a:fld>
-            <a:endParaRPr lang="en-US" dirty="0"/>
+            <a:endParaRPr lang="en-US"/>
           </a:p>
         </p:txBody>
       </p:sp>
     </p:spTree>
+    <p:extLst>
+      <p:ext uri="{BB962C8B-B14F-4D97-AF65-F5344CB8AC3E}">
+        <p14:creationId xmlns:p14="http://schemas.microsoft.com/office/powerpoint/2010/main" val="632834826"/>
+      </p:ext>
+    </p:extLst>
   </p:cSld>
   <p:clrMapOvr>
     <a:masterClrMapping/>
@@ -961,25 +2897,106 @@
         </p:nvSpPr>
         <p:spPr/>
         <p:txBody>
+          <a:bodyPr>
+            <a:normAutofit/>
+          </a:bodyPr>
+          <a:lstStyle>
+            <a:lvl1pPr>
+              <a:defRPr sz="3600"/>
+            </a:lvl1pPr>
+          </a:lstStyle>
+          <a:p>
+            <a:r>
+              <a:rPr lang="en-US"/>
+              <a:t>Click to edit Master title style</a:t>
+            </a:r>
+            <a:endParaRPr lang="en-US" dirty="0"/>
+          </a:p>
+        </p:txBody>
+      </p:sp>
+      <p:sp>
+        <p:nvSpPr>
+          <p:cNvPr id="3" name="Content Placeholder 2"/>
+          <p:cNvSpPr>
+            <a:spLocks noGrp="1"/>
+          </p:cNvSpPr>
+          <p:nvPr>
+            <p:ph idx="1"/>
+          </p:nvPr>
+        </p:nvSpPr>
+        <p:spPr/>
+        <p:txBody>
           <a:bodyPr/>
           <a:lstStyle/>
           <a:p>
-            <a:r>
+            <a:pPr lvl="0"/>
+            <a:r>
+              <a:rPr lang="en-US"/>
+              <a:t>Edit Master text styles</a:t>
+            </a:r>
+          </a:p>
+          <a:p>
+            <a:pPr lvl="1"/>
+            <a:r>
+              <a:rPr lang="en-US"/>
+              <a:t>Second level</a:t>
+            </a:r>
+          </a:p>
+          <a:p>
+            <a:pPr lvl="2"/>
+            <a:r>
+              <a:rPr lang="en-US"/>
+              <a:t>Third level</a:t>
+            </a:r>
+          </a:p>
+          <a:p>
+            <a:pPr lvl="3"/>
+            <a:r>
+              <a:rPr lang="en-US"/>
+              <a:t>Fourth level</a:t>
+            </a:r>
+          </a:p>
+          <a:p>
+            <a:pPr lvl="4"/>
+            <a:r>
+              <a:rPr lang="en-US"/>
+              <a:t>Fifth level</a:t>
+            </a:r>
+            <a:endParaRPr lang="en-US" dirty="0"/>
+          </a:p>
+        </p:txBody>
+      </p:sp>
+      <p:sp>
+        <p:nvSpPr>
+          <p:cNvPr id="4" name="Date Placeholder 3"/>
+          <p:cNvSpPr>
+            <a:spLocks noGrp="1"/>
+          </p:cNvSpPr>
+          <p:nvPr>
+            <p:ph type="dt" sz="half" idx="10"/>
+          </p:nvPr>
+        </p:nvSpPr>
+        <p:spPr/>
+        <p:txBody>
+          <a:bodyPr/>
+          <a:lstStyle/>
+          <a:p>
+            <a:fld id="{339FB409-115C-4464-AA6D-93239CC4DCC2}" type="datetimeFigureOut">
               <a:rPr lang="en-US" smtClean="0"/>
-              <a:t>Click to edit Master title style</a:t>
-            </a:r>
-            <a:endParaRPr lang="en-US" dirty="0"/>
-          </a:p>
-        </p:txBody>
-      </p:sp>
-      <p:sp>
-        <p:nvSpPr>
-          <p:cNvPr id="3" name="Content Placeholder 2"/>
-          <p:cNvSpPr>
-            <a:spLocks noGrp="1"/>
-          </p:cNvSpPr>
-          <p:nvPr>
-            <p:ph idx="1"/>
+              <a:t>7/19/2018</a:t>
+            </a:fld>
+            <a:endParaRPr lang="en-US"/>
+          </a:p>
+        </p:txBody>
+      </p:sp>
+      <p:sp>
+        <p:nvSpPr>
+          <p:cNvPr id="5" name="Footer Placeholder 4"/>
+          <p:cNvSpPr>
+            <a:spLocks noGrp="1"/>
+          </p:cNvSpPr>
+          <p:nvPr>
+            <p:ph type="ftr" sz="quarter" idx="11"/>
           </p:nvPr>
         </p:nvSpPr>
         <p:spPr/>
@@ -987,109 +3004,39 @@
           <a:bodyPr/>
           <a:lstStyle/>
           <a:p>
-            <a:pPr lvl="0"/>
-            <a:r>
+            <a:endParaRPr lang="en-US"/>
+          </a:p>
+        </p:txBody>
+      </p:sp>
+      <p:sp>
+        <p:nvSpPr>
+          <p:cNvPr id="6" name="Slide Number Placeholder 5"/>
+          <p:cNvSpPr>
+            <a:spLocks noGrp="1"/>
+          </p:cNvSpPr>
+          <p:nvPr>
+            <p:ph type="sldNum" sz="quarter" idx="12"/>
+          </p:nvPr>
+        </p:nvSpPr>
+        <p:spPr/>
+        <p:txBody>
+          <a:bodyPr/>
+          <a:lstStyle/>
+          <a:p>
+            <a:fld id="{A05AF791-2039-4BAA-99CD-758C1B975E09}" type="slidenum">
               <a:rPr lang="en-US" smtClean="0"/>
-              <a:t>Click to edit Master text styles</a:t>
-            </a:r>
-          </a:p>
-          <a:p>
-            <a:pPr lvl="1"/>
-            <a:r>
-              <a:rPr lang="en-US" smtClean="0"/>
-              <a:t>Second level</a:t>
-            </a:r>
-          </a:p>
-          <a:p>
-            <a:pPr lvl="2"/>
-            <a:r>
-              <a:rPr lang="en-US" smtClean="0"/>
-              <a:t>Third level</a:t>
-            </a:r>
-          </a:p>
-          <a:p>
-            <a:pPr lvl="3"/>
-            <a:r>
-              <a:rPr lang="en-US" smtClean="0"/>
-              <a:t>Fourth level</a:t>
-            </a:r>
-          </a:p>
-          <a:p>
-            <a:pPr lvl="4"/>
-            <a:r>
-              <a:rPr lang="en-US" smtClean="0"/>
-              <a:t>Fifth level</a:t>
-            </a:r>
-            <a:endParaRPr lang="en-US" dirty="0"/>
-          </a:p>
-        </p:txBody>
-      </p:sp>
-      <p:sp>
-        <p:nvSpPr>
-          <p:cNvPr id="4" name="Date Placeholder 3"/>
-          <p:cNvSpPr>
-            <a:spLocks noGrp="1"/>
-          </p:cNvSpPr>
-          <p:nvPr>
-            <p:ph type="dt" sz="half" idx="10"/>
-          </p:nvPr>
-        </p:nvSpPr>
-        <p:spPr/>
-        <p:txBody>
-          <a:bodyPr/>
-          <a:lstStyle/>
-          <a:p>
-            <a:fld id="{804936D4-0671-4B70-A95D-BFBC9A35DA5B}" type="datetimeFigureOut">
-              <a:rPr lang="en-US" dirty="0"/>
-              <a:t>8/25/2016</a:t>
-            </a:fld>
-            <a:endParaRPr lang="en-US" dirty="0"/>
-          </a:p>
-        </p:txBody>
-      </p:sp>
-      <p:sp>
-        <p:nvSpPr>
-          <p:cNvPr id="5" name="Footer Placeholder 4"/>
-          <p:cNvSpPr>
-            <a:spLocks noGrp="1"/>
-          </p:cNvSpPr>
-          <p:nvPr>
-            <p:ph type="ftr" sz="quarter" idx="11"/>
-          </p:nvPr>
-        </p:nvSpPr>
-        <p:spPr/>
-        <p:txBody>
-          <a:bodyPr/>
-          <a:lstStyle/>
-          <a:p>
-            <a:endParaRPr lang="en-US" dirty="0"/>
-          </a:p>
-        </p:txBody>
-      </p:sp>
-      <p:sp>
-        <p:nvSpPr>
-          <p:cNvPr id="6" name="Slide Number Placeholder 5"/>
-          <p:cNvSpPr>
-            <a:spLocks noGrp="1"/>
-          </p:cNvSpPr>
-          <p:nvPr>
-            <p:ph type="sldNum" sz="quarter" idx="12"/>
-          </p:nvPr>
-        </p:nvSpPr>
-        <p:spPr/>
-        <p:txBody>
-          <a:bodyPr/>
-          <a:lstStyle/>
-          <a:p>
-            <a:fld id="{4FAB73BC-B049-4115-A692-8D63A059BFB8}" type="slidenum">
-              <a:rPr lang="en-US" dirty="0"/>
               <a:t>‹#›</a:t>
             </a:fld>
-            <a:endParaRPr lang="en-US" dirty="0"/>
+            <a:endParaRPr lang="en-US"/>
           </a:p>
         </p:txBody>
       </p:sp>
     </p:spTree>
+    <p:extLst>
+      <p:ext uri="{BB962C8B-B14F-4D97-AF65-F5344CB8AC3E}">
+        <p14:creationId xmlns:p14="http://schemas.microsoft.com/office/powerpoint/2010/main" val="1619322904"/>
+      </p:ext>
+    </p:extLst>
   </p:cSld>
   <p:clrMapOvr>
     <a:masterClrMapping/>
@@ -1098,7 +3045,7 @@
 </file>
 
 <file path=ppt/slideLayouts/slideLayout3.xml><?xml version="1.0" encoding="utf-8"?>
-<p:sldLayout xmlns:a="http://schemas.openxmlformats.org/drawingml/2006/main" xmlns:r="http://schemas.openxmlformats.org/officeDocument/2006/relationships" xmlns:p="http://schemas.openxmlformats.org/presentationml/2006/main" showMasterSp="0" type="secHead" preserve="1">
+<p:sldLayout xmlns:a="http://schemas.openxmlformats.org/drawingml/2006/main" xmlns:r="http://schemas.openxmlformats.org/officeDocument/2006/relationships" xmlns:p="http://schemas.openxmlformats.org/presentationml/2006/main" type="secHead" preserve="1">
   <p:cSld name="Section Header">
     <p:spTree>
       <p:nvGrpSpPr>
@@ -1116,124 +3063,63 @@
       </p:grpSpPr>
       <p:sp>
         <p:nvSpPr>
-          <p:cNvPr id="7" name="Rectangle 6"/>
-          <p:cNvSpPr/>
-          <p:nvPr/>
+          <p:cNvPr id="2" name="Title 1"/>
+          <p:cNvSpPr>
+            <a:spLocks noGrp="1"/>
+          </p:cNvSpPr>
+          <p:nvPr>
+            <p:ph type="title"/>
+          </p:nvPr>
         </p:nvSpPr>
         <p:spPr>
           <a:xfrm>
-            <a:off x="0" y="4917989"/>
-            <a:ext cx="12192000" cy="1940010"/>
+            <a:off x="677335" y="2700867"/>
+            <a:ext cx="8596668" cy="1826581"/>
           </a:xfrm>
-          <a:prstGeom prst="rect">
-            <a:avLst/>
-          </a:prstGeom>
-          <a:blipFill dpi="0" rotWithShape="1">
-            <a:blip r:embed="rId2">
-              <a:alphaModFix amt="85000"/>
-              <a:lum bright="70000" contrast="-70000"/>
-              <a:extLst>
-                <a:ext uri="{BEBA8EAE-BF5A-486C-A8C5-ECC9F3942E4B}">
-                  <a14:imgProps xmlns:a14="http://schemas.microsoft.com/office/drawing/2010/main">
-                    <a14:imgLayer r:embed="rId3">
-                      <a14:imgEffect>
-                        <a14:sharpenSoften amount="61000"/>
-                      </a14:imgEffect>
-                    </a14:imgLayer>
-                  </a14:imgProps>
-                </a:ext>
-                <a:ext uri="{28A0092B-C50C-407E-A947-70E740481C1C}">
-                  <a14:useLocalDpi xmlns:a14="http://schemas.microsoft.com/office/drawing/2010/main" val="0"/>
-                </a:ext>
-              </a:extLst>
-            </a:blip>
-            <a:srcRect/>
-            <a:tile tx="0" ty="-704850" sx="92000" sy="89000" flip="xy" algn="ctr"/>
-          </a:blipFill>
-          <a:ln>
-            <a:noFill/>
-          </a:ln>
         </p:spPr>
-        <p:style>
-          <a:lnRef idx="2">
-            <a:schemeClr val="accent1">
-              <a:shade val="50000"/>
-            </a:schemeClr>
-          </a:lnRef>
-          <a:fillRef idx="1">
-            <a:schemeClr val="accent1"/>
-          </a:fillRef>
-          <a:effectRef idx="0">
-            <a:schemeClr val="accent1"/>
-          </a:effectRef>
-          <a:fontRef idx="minor">
-            <a:schemeClr val="lt1"/>
-          </a:fontRef>
-        </p:style>
-      </p:sp>
-      <p:sp>
-        <p:nvSpPr>
-          <p:cNvPr id="2" name="Title 1"/>
-          <p:cNvSpPr>
-            <a:spLocks noGrp="1"/>
-          </p:cNvSpPr>
-          <p:nvPr>
-            <p:ph type="title"/>
+        <p:txBody>
+          <a:bodyPr anchor="b"/>
+          <a:lstStyle>
+            <a:lvl1pPr algn="l">
+              <a:defRPr sz="4000" b="0" cap="none"/>
+            </a:lvl1pPr>
+          </a:lstStyle>
+          <a:p>
+            <a:r>
+              <a:rPr lang="en-US"/>
+              <a:t>Click to edit Master title style</a:t>
+            </a:r>
+            <a:endParaRPr lang="en-US" dirty="0"/>
+          </a:p>
+        </p:txBody>
+      </p:sp>
+      <p:sp>
+        <p:nvSpPr>
+          <p:cNvPr id="3" name="Text Placeholder 2"/>
+          <p:cNvSpPr>
+            <a:spLocks noGrp="1"/>
+          </p:cNvSpPr>
+          <p:nvPr>
+            <p:ph type="body" idx="1"/>
           </p:nvPr>
         </p:nvSpPr>
         <p:spPr>
           <a:xfrm>
-            <a:off x="2167128" y="1225296"/>
-            <a:ext cx="9281160" cy="3520440"/>
+            <a:off x="677335" y="4527448"/>
+            <a:ext cx="8596668" cy="860400"/>
           </a:xfrm>
         </p:spPr>
         <p:txBody>
-          <a:bodyPr anchor="ctr">
-            <a:normAutofit/>
-          </a:bodyPr>
+          <a:bodyPr anchor="t"/>
           <a:lstStyle>
-            <a:lvl1pPr>
-              <a:lnSpc>
-                <a:spcPct val="80000"/>
-              </a:lnSpc>
-              <a:defRPr sz="7200" b="0"/>
-            </a:lvl1pPr>
-          </a:lstStyle>
-          <a:p>
-            <a:r>
-              <a:rPr lang="en-US" smtClean="0"/>
-              <a:t>Click to edit Master title style</a:t>
-            </a:r>
-            <a:endParaRPr lang="en-US" dirty="0"/>
-          </a:p>
-        </p:txBody>
-      </p:sp>
-      <p:sp>
-        <p:nvSpPr>
-          <p:cNvPr id="3" name="Text Placeholder 2"/>
-          <p:cNvSpPr>
-            <a:spLocks noGrp="1"/>
-          </p:cNvSpPr>
-          <p:nvPr>
-            <p:ph type="body" idx="1"/>
-          </p:nvPr>
-        </p:nvSpPr>
-        <p:spPr>
-          <a:xfrm>
-            <a:off x="2165774" y="5020056"/>
-            <a:ext cx="9052560" cy="1066800"/>
-          </a:xfrm>
-        </p:spPr>
-        <p:txBody>
-          <a:bodyPr anchor="t">
-            <a:normAutofit/>
-          </a:bodyPr>
-          <a:lstStyle>
-            <a:lvl1pPr marL="0" indent="0">
+            <a:lvl1pPr marL="0" indent="0" algn="l">
               <a:buNone/>
               <a:defRPr sz="2000">
                 <a:solidFill>
-                  <a:schemeClr val="tx1"/>
+                  <a:schemeClr val="tx1">
+                    <a:lumMod val="50000"/>
+                    <a:lumOff val="50000"/>
+                  </a:schemeClr>
                 </a:solidFill>
               </a:defRPr>
             </a:lvl1pPr>
@@ -1321,182 +3207,83 @@
           <a:p>
             <a:pPr lvl="0"/>
             <a:r>
+              <a:rPr lang="en-US"/>
+              <a:t>Edit Master text styles</a:t>
+            </a:r>
+          </a:p>
+        </p:txBody>
+      </p:sp>
+      <p:sp>
+        <p:nvSpPr>
+          <p:cNvPr id="4" name="Date Placeholder 3"/>
+          <p:cNvSpPr>
+            <a:spLocks noGrp="1"/>
+          </p:cNvSpPr>
+          <p:nvPr>
+            <p:ph type="dt" sz="half" idx="10"/>
+          </p:nvPr>
+        </p:nvSpPr>
+        <p:spPr/>
+        <p:txBody>
+          <a:bodyPr/>
+          <a:lstStyle/>
+          <a:p>
+            <a:fld id="{339FB409-115C-4464-AA6D-93239CC4DCC2}" type="datetimeFigureOut">
               <a:rPr lang="en-US" smtClean="0"/>
-              <a:t>Click to edit Master text styles</a:t>
-            </a:r>
-          </a:p>
-        </p:txBody>
-      </p:sp>
-      <p:sp>
-        <p:nvSpPr>
-          <p:cNvPr id="4" name="Date Placeholder 3"/>
-          <p:cNvSpPr>
-            <a:spLocks noGrp="1"/>
-          </p:cNvSpPr>
-          <p:nvPr>
-            <p:ph type="dt" sz="half" idx="10"/>
-          </p:nvPr>
-        </p:nvSpPr>
-        <p:spPr>
-          <a:xfrm>
-            <a:off x="8593667" y="6272784"/>
-            <a:ext cx="2644309" cy="365125"/>
-          </a:xfrm>
-        </p:spPr>
+              <a:t>7/19/2018</a:t>
+            </a:fld>
+            <a:endParaRPr lang="en-US"/>
+          </a:p>
+        </p:txBody>
+      </p:sp>
+      <p:sp>
+        <p:nvSpPr>
+          <p:cNvPr id="5" name="Footer Placeholder 4"/>
+          <p:cNvSpPr>
+            <a:spLocks noGrp="1"/>
+          </p:cNvSpPr>
+          <p:nvPr>
+            <p:ph type="ftr" sz="quarter" idx="11"/>
+          </p:nvPr>
+        </p:nvSpPr>
+        <p:spPr/>
         <p:txBody>
           <a:bodyPr/>
           <a:lstStyle/>
           <a:p>
-            <a:fld id="{DDD67DAC-232D-4042-B5C0-E64770A42A28}" type="datetimeFigureOut">
-              <a:rPr lang="en-US" dirty="0"/>
-              <a:t>8/25/2016</a:t>
-            </a:fld>
-            <a:endParaRPr lang="en-US" dirty="0"/>
-          </a:p>
-        </p:txBody>
-      </p:sp>
-      <p:sp>
-        <p:nvSpPr>
-          <p:cNvPr id="5" name="Footer Placeholder 4"/>
-          <p:cNvSpPr>
-            <a:spLocks noGrp="1"/>
-          </p:cNvSpPr>
-          <p:nvPr>
-            <p:ph type="ftr" sz="quarter" idx="11"/>
-          </p:nvPr>
-        </p:nvSpPr>
-        <p:spPr>
-          <a:xfrm>
-            <a:off x="2182708" y="6272784"/>
-            <a:ext cx="6327648" cy="365125"/>
-          </a:xfrm>
-        </p:spPr>
+            <a:endParaRPr lang="en-US"/>
+          </a:p>
+        </p:txBody>
+      </p:sp>
+      <p:sp>
+        <p:nvSpPr>
+          <p:cNvPr id="6" name="Slide Number Placeholder 5"/>
+          <p:cNvSpPr>
+            <a:spLocks noGrp="1"/>
+          </p:cNvSpPr>
+          <p:nvPr>
+            <p:ph type="sldNum" sz="quarter" idx="12"/>
+          </p:nvPr>
+        </p:nvSpPr>
+        <p:spPr/>
         <p:txBody>
           <a:bodyPr/>
           <a:lstStyle/>
           <a:p>
-            <a:endParaRPr lang="en-US" dirty="0"/>
-          </a:p>
-        </p:txBody>
-      </p:sp>
-      <p:grpSp>
-        <p:nvGrpSpPr>
-          <p:cNvPr id="8" name="Group 7"/>
-          <p:cNvGrpSpPr/>
-          <p:nvPr/>
-        </p:nvGrpSpPr>
-        <p:grpSpPr>
-          <a:xfrm>
-            <a:off x="897399" y="2325848"/>
-            <a:ext cx="1080904" cy="1080902"/>
-            <a:chOff x="9685338" y="4460675"/>
-            <a:chExt cx="1080904" cy="1080902"/>
-          </a:xfrm>
-        </p:grpSpPr>
-        <p:sp>
-          <p:nvSpPr>
-            <p:cNvPr id="9" name="Oval 8"/>
-            <p:cNvSpPr/>
-            <p:nvPr/>
-          </p:nvSpPr>
-          <p:spPr>
-            <a:xfrm>
-              <a:off x="9685338" y="4460675"/>
-              <a:ext cx="1080904" cy="1080902"/>
-            </a:xfrm>
-            <a:prstGeom prst="ellipse">
-              <a:avLst/>
-            </a:prstGeom>
-            <a:blipFill dpi="0" rotWithShape="1">
-              <a:blip r:embed="rId4">
-                <a:duotone>
-                  <a:schemeClr val="accent1">
-                    <a:shade val="45000"/>
-                    <a:satMod val="135000"/>
-                  </a:schemeClr>
-                  <a:prstClr val="white"/>
-                </a:duotone>
-                <a:extLst>
-                  <a:ext uri="{BEBA8EAE-BF5A-486C-A8C5-ECC9F3942E4B}">
-                    <a14:imgProps xmlns:a14="http://schemas.microsoft.com/office/drawing/2010/main">
-                      <a14:imgLayer r:embed="rId5">
-                        <a14:imgEffect>
-                          <a14:saturation sat="95000"/>
-                        </a14:imgEffect>
-                      </a14:imgLayer>
-                    </a14:imgProps>
-                  </a:ext>
-                </a:extLst>
-              </a:blip>
-              <a:srcRect/>
-              <a:tile tx="0" ty="0" sx="85000" sy="85000" flip="none" algn="tl"/>
-            </a:blipFill>
-            <a:ln w="25400" cap="flat" cmpd="sng" algn="ctr">
-              <a:noFill/>
-              <a:prstDash val="solid"/>
-            </a:ln>
-            <a:effectLst/>
-          </p:spPr>
-        </p:sp>
-        <p:sp>
-          <p:nvSpPr>
-            <p:cNvPr id="10" name="Oval 9"/>
-            <p:cNvSpPr/>
-            <p:nvPr/>
-          </p:nvSpPr>
-          <p:spPr>
-            <a:xfrm>
-              <a:off x="9793429" y="4568765"/>
-              <a:ext cx="864723" cy="864722"/>
-            </a:xfrm>
-            <a:prstGeom prst="ellipse">
-              <a:avLst/>
-            </a:prstGeom>
-            <a:noFill/>
-            <a:ln w="25400" cap="flat" cmpd="sng" algn="ctr">
-              <a:solidFill>
-                <a:sysClr val="window" lastClr="FFFFFF"/>
-              </a:solidFill>
-              <a:prstDash val="solid"/>
-            </a:ln>
-            <a:effectLst/>
-          </p:spPr>
-        </p:sp>
-      </p:grpSp>
-      <p:sp>
-        <p:nvSpPr>
-          <p:cNvPr id="6" name="Slide Number Placeholder 5"/>
-          <p:cNvSpPr>
-            <a:spLocks noGrp="1"/>
-          </p:cNvSpPr>
-          <p:nvPr>
-            <p:ph type="sldNum" sz="quarter" idx="12"/>
-          </p:nvPr>
-        </p:nvSpPr>
-        <p:spPr>
-          <a:xfrm>
-            <a:off x="843702" y="2506133"/>
-            <a:ext cx="1188298" cy="720332"/>
-          </a:xfrm>
-        </p:spPr>
-        <p:txBody>
-          <a:bodyPr/>
-          <a:lstStyle>
-            <a:lvl1pPr>
-              <a:defRPr sz="2800"/>
-            </a:lvl1pPr>
-          </a:lstStyle>
-          <a:p>
-            <a:fld id="{4FAB73BC-B049-4115-A692-8D63A059BFB8}" type="slidenum">
-              <a:rPr lang="en-US" dirty="0"/>
-              <a:pPr/>
+            <a:fld id="{A05AF791-2039-4BAA-99CD-758C1B975E09}" type="slidenum">
+              <a:rPr lang="en-US" smtClean="0"/>
               <a:t>‹#›</a:t>
             </a:fld>
-            <a:endParaRPr lang="en-US" dirty="0"/>
+            <a:endParaRPr lang="en-US"/>
           </a:p>
         </p:txBody>
       </p:sp>
     </p:spTree>
+    <p:extLst>
+      <p:ext uri="{BB962C8B-B14F-4D97-AF65-F5344CB8AC3E}">
+        <p14:creationId xmlns:p14="http://schemas.microsoft.com/office/powerpoint/2010/main" val="1158922076"/>
+      </p:ext>
+    </p:extLst>
   </p:cSld>
   <p:clrMapOvr>
     <a:masterClrMapping/>
@@ -1537,7 +3324,7 @@
           <a:lstStyle/>
           <a:p>
             <a:r>
-              <a:rPr lang="en-US" smtClean="0"/>
+              <a:rPr lang="en-US"/>
               <a:t>Click to edit Master title style</a:t>
             </a:r>
             <a:endParaRPr lang="en-US" dirty="0"/>
@@ -1556,73 +3343,45 @@
         </p:nvSpPr>
         <p:spPr>
           <a:xfrm>
-            <a:off x="1069848" y="2194560"/>
-            <a:ext cx="4754880" cy="3977640"/>
+            <a:off x="677334" y="2160589"/>
+            <a:ext cx="4184035" cy="3880772"/>
           </a:xfrm>
         </p:spPr>
         <p:txBody>
           <a:bodyPr/>
-          <a:lstStyle>
-            <a:lvl1pPr>
-              <a:defRPr sz="2000"/>
-            </a:lvl1pPr>
-            <a:lvl2pPr>
-              <a:defRPr sz="1800"/>
-            </a:lvl2pPr>
-            <a:lvl3pPr>
-              <a:defRPr sz="1600"/>
-            </a:lvl3pPr>
-            <a:lvl4pPr>
-              <a:defRPr sz="1600"/>
-            </a:lvl4pPr>
-            <a:lvl5pPr>
-              <a:defRPr sz="1600"/>
-            </a:lvl5pPr>
-            <a:lvl6pPr>
-              <a:defRPr sz="1600"/>
-            </a:lvl6pPr>
-            <a:lvl7pPr>
-              <a:defRPr sz="1600"/>
-            </a:lvl7pPr>
-            <a:lvl8pPr>
-              <a:defRPr sz="1600"/>
-            </a:lvl8pPr>
-            <a:lvl9pPr>
-              <a:defRPr sz="1600"/>
-            </a:lvl9pPr>
-          </a:lstStyle>
+          <a:lstStyle/>
           <a:p>
             <a:pPr lvl="0"/>
             <a:r>
-              <a:rPr lang="en-US" smtClean="0"/>
-              <a:t>Click to edit Master text styles</a:t>
+              <a:rPr lang="en-US"/>
+              <a:t>Edit Master text styles</a:t>
             </a:r>
           </a:p>
           <a:p>
             <a:pPr lvl="1"/>
             <a:r>
-              <a:rPr lang="en-US" smtClean="0"/>
+              <a:rPr lang="en-US"/>
               <a:t>Second level</a:t>
             </a:r>
           </a:p>
           <a:p>
             <a:pPr lvl="2"/>
             <a:r>
-              <a:rPr lang="en-US" smtClean="0"/>
+              <a:rPr lang="en-US"/>
               <a:t>Third level</a:t>
             </a:r>
           </a:p>
           <a:p>
             <a:pPr lvl="3"/>
             <a:r>
-              <a:rPr lang="en-US" smtClean="0"/>
+              <a:rPr lang="en-US"/>
               <a:t>Fourth level</a:t>
             </a:r>
           </a:p>
           <a:p>
             <a:pPr lvl="4"/>
             <a:r>
-              <a:rPr lang="en-US" smtClean="0"/>
+              <a:rPr lang="en-US"/>
               <a:t>Fifth level</a:t>
             </a:r>
             <a:endParaRPr lang="en-US" dirty="0"/>
@@ -1641,145 +3400,122 @@
         </p:nvSpPr>
         <p:spPr>
           <a:xfrm>
-            <a:off x="6364224" y="2194560"/>
-            <a:ext cx="4754880" cy="3977640"/>
+            <a:off x="5089970" y="2160589"/>
+            <a:ext cx="4184034" cy="3880773"/>
           </a:xfrm>
         </p:spPr>
         <p:txBody>
           <a:bodyPr/>
-          <a:lstStyle>
-            <a:lvl1pPr>
-              <a:defRPr sz="2000"/>
-            </a:lvl1pPr>
-            <a:lvl2pPr>
-              <a:defRPr sz="1800"/>
-            </a:lvl2pPr>
-            <a:lvl3pPr>
-              <a:defRPr sz="1600"/>
-            </a:lvl3pPr>
-            <a:lvl4pPr>
-              <a:defRPr sz="1600"/>
-            </a:lvl4pPr>
-            <a:lvl5pPr>
-              <a:defRPr sz="1600"/>
-            </a:lvl5pPr>
-            <a:lvl6pPr>
-              <a:defRPr sz="1600"/>
-            </a:lvl6pPr>
-            <a:lvl7pPr>
-              <a:defRPr sz="1600"/>
-            </a:lvl7pPr>
-            <a:lvl8pPr>
-              <a:defRPr sz="1600"/>
-            </a:lvl8pPr>
-            <a:lvl9pPr>
-              <a:defRPr sz="1600"/>
-            </a:lvl9pPr>
-          </a:lstStyle>
+          <a:lstStyle/>
           <a:p>
             <a:pPr lvl="0"/>
             <a:r>
+              <a:rPr lang="en-US"/>
+              <a:t>Edit Master text styles</a:t>
+            </a:r>
+          </a:p>
+          <a:p>
+            <a:pPr lvl="1"/>
+            <a:r>
+              <a:rPr lang="en-US"/>
+              <a:t>Second level</a:t>
+            </a:r>
+          </a:p>
+          <a:p>
+            <a:pPr lvl="2"/>
+            <a:r>
+              <a:rPr lang="en-US"/>
+              <a:t>Third level</a:t>
+            </a:r>
+          </a:p>
+          <a:p>
+            <a:pPr lvl="3"/>
+            <a:r>
+              <a:rPr lang="en-US"/>
+              <a:t>Fourth level</a:t>
+            </a:r>
+          </a:p>
+          <a:p>
+            <a:pPr lvl="4"/>
+            <a:r>
+              <a:rPr lang="en-US"/>
+              <a:t>Fifth level</a:t>
+            </a:r>
+            <a:endParaRPr lang="en-US" dirty="0"/>
+          </a:p>
+        </p:txBody>
+      </p:sp>
+      <p:sp>
+        <p:nvSpPr>
+          <p:cNvPr id="5" name="Date Placeholder 4"/>
+          <p:cNvSpPr>
+            <a:spLocks noGrp="1"/>
+          </p:cNvSpPr>
+          <p:nvPr>
+            <p:ph type="dt" sz="half" idx="10"/>
+          </p:nvPr>
+        </p:nvSpPr>
+        <p:spPr/>
+        <p:txBody>
+          <a:bodyPr/>
+          <a:lstStyle/>
+          <a:p>
+            <a:fld id="{339FB409-115C-4464-AA6D-93239CC4DCC2}" type="datetimeFigureOut">
               <a:rPr lang="en-US" smtClean="0"/>
-              <a:t>Click to edit Master text styles</a:t>
-            </a:r>
-          </a:p>
-          <a:p>
-            <a:pPr lvl="1"/>
-            <a:r>
+              <a:t>7/19/2018</a:t>
+            </a:fld>
+            <a:endParaRPr lang="en-US"/>
+          </a:p>
+        </p:txBody>
+      </p:sp>
+      <p:sp>
+        <p:nvSpPr>
+          <p:cNvPr id="6" name="Footer Placeholder 5"/>
+          <p:cNvSpPr>
+            <a:spLocks noGrp="1"/>
+          </p:cNvSpPr>
+          <p:nvPr>
+            <p:ph type="ftr" sz="quarter" idx="11"/>
+          </p:nvPr>
+        </p:nvSpPr>
+        <p:spPr/>
+        <p:txBody>
+          <a:bodyPr/>
+          <a:lstStyle/>
+          <a:p>
+            <a:endParaRPr lang="en-US"/>
+          </a:p>
+        </p:txBody>
+      </p:sp>
+      <p:sp>
+        <p:nvSpPr>
+          <p:cNvPr id="7" name="Slide Number Placeholder 6"/>
+          <p:cNvSpPr>
+            <a:spLocks noGrp="1"/>
+          </p:cNvSpPr>
+          <p:nvPr>
+            <p:ph type="sldNum" sz="quarter" idx="12"/>
+          </p:nvPr>
+        </p:nvSpPr>
+        <p:spPr/>
+        <p:txBody>
+          <a:bodyPr/>
+          <a:lstStyle/>
+          <a:p>
+            <a:fld id="{A05AF791-2039-4BAA-99CD-758C1B975E09}" type="slidenum">
               <a:rPr lang="en-US" smtClean="0"/>
-              <a:t>Second level</a:t>
-            </a:r>
-          </a:p>
-          <a:p>
-            <a:pPr lvl="2"/>
-            <a:r>
-              <a:rPr lang="en-US" smtClean="0"/>
-              <a:t>Third level</a:t>
-            </a:r>
-          </a:p>
-          <a:p>
-            <a:pPr lvl="3"/>
-            <a:r>
-              <a:rPr lang="en-US" smtClean="0"/>
-              <a:t>Fourth level</a:t>
-            </a:r>
-          </a:p>
-          <a:p>
-            <a:pPr lvl="4"/>
-            <a:r>
-              <a:rPr lang="en-US" smtClean="0"/>
-              <a:t>Fifth level</a:t>
-            </a:r>
-            <a:endParaRPr lang="en-US" dirty="0"/>
-          </a:p>
-        </p:txBody>
-      </p:sp>
-      <p:sp>
-        <p:nvSpPr>
-          <p:cNvPr id="5" name="Date Placeholder 4"/>
-          <p:cNvSpPr>
-            <a:spLocks noGrp="1"/>
-          </p:cNvSpPr>
-          <p:nvPr>
-            <p:ph type="dt" sz="half" idx="10"/>
-          </p:nvPr>
-        </p:nvSpPr>
-        <p:spPr/>
-        <p:txBody>
-          <a:bodyPr/>
-          <a:lstStyle/>
-          <a:p>
-            <a:fld id="{8ECECD2C-79BD-4B90-B3FA-E3B19B3FF97B}" type="datetimeFigureOut">
-              <a:rPr lang="en-US" dirty="0"/>
-              <a:t>8/25/2016</a:t>
-            </a:fld>
-            <a:endParaRPr lang="en-US" dirty="0"/>
-          </a:p>
-        </p:txBody>
-      </p:sp>
-      <p:sp>
-        <p:nvSpPr>
-          <p:cNvPr id="6" name="Footer Placeholder 5"/>
-          <p:cNvSpPr>
-            <a:spLocks noGrp="1"/>
-          </p:cNvSpPr>
-          <p:nvPr>
-            <p:ph type="ftr" sz="quarter" idx="11"/>
-          </p:nvPr>
-        </p:nvSpPr>
-        <p:spPr/>
-        <p:txBody>
-          <a:bodyPr/>
-          <a:lstStyle/>
-          <a:p>
-            <a:endParaRPr lang="en-US" dirty="0"/>
-          </a:p>
-        </p:txBody>
-      </p:sp>
-      <p:sp>
-        <p:nvSpPr>
-          <p:cNvPr id="7" name="Slide Number Placeholder 6"/>
-          <p:cNvSpPr>
-            <a:spLocks noGrp="1"/>
-          </p:cNvSpPr>
-          <p:nvPr>
-            <p:ph type="sldNum" sz="quarter" idx="12"/>
-          </p:nvPr>
-        </p:nvSpPr>
-        <p:spPr/>
-        <p:txBody>
-          <a:bodyPr/>
-          <a:lstStyle/>
-          <a:p>
-            <a:fld id="{4FAB73BC-B049-4115-A692-8D63A059BFB8}" type="slidenum">
-              <a:rPr lang="en-US" dirty="0"/>
               <a:t>‹#›</a:t>
             </a:fld>
-            <a:endParaRPr lang="en-US" dirty="0"/>
+            <a:endParaRPr lang="en-US"/>
           </a:p>
         </p:txBody>
       </p:sp>
     </p:spTree>
+    <p:extLst>
+      <p:ext uri="{BB962C8B-B14F-4D97-AF65-F5344CB8AC3E}">
+        <p14:creationId xmlns:p14="http://schemas.microsoft.com/office/powerpoint/2010/main" val="3311077593"/>
+      </p:ext>
+    </p:extLst>
   </p:cSld>
   <p:clrMapOvr>
     <a:masterClrMapping/>
@@ -1806,7 +3542,7 @@
       </p:grpSpPr>
       <p:sp>
         <p:nvSpPr>
-          <p:cNvPr id="10" name="Title 9"/>
+          <p:cNvPr id="2" name="Title 1"/>
           <p:cNvSpPr>
             <a:spLocks noGrp="1"/>
           </p:cNvSpPr>
@@ -1817,10 +3553,14 @@
         <p:spPr/>
         <p:txBody>
           <a:bodyPr/>
-          <a:lstStyle/>
-          <a:p>
-            <a:r>
-              <a:rPr lang="en-US" smtClean="0"/>
+          <a:lstStyle>
+            <a:lvl1pPr>
+              <a:defRPr/>
+            </a:lvl1pPr>
+          </a:lstStyle>
+          <a:p>
+            <a:r>
+              <a:rPr lang="en-US"/>
               <a:t>Click to edit Master title style</a:t>
             </a:r>
             <a:endParaRPr lang="en-US" dirty="0"/>
@@ -1839,24 +3579,18 @@
         </p:nvSpPr>
         <p:spPr>
           <a:xfrm>
-            <a:off x="1066800" y="2048256"/>
-            <a:ext cx="4754880" cy="640080"/>
+            <a:off x="675745" y="2160983"/>
+            <a:ext cx="4185623" cy="576262"/>
           </a:xfrm>
         </p:spPr>
         <p:txBody>
-          <a:bodyPr anchor="ctr">
-            <a:normAutofit/>
+          <a:bodyPr anchor="b">
+            <a:noAutofit/>
           </a:bodyPr>
           <a:lstStyle>
             <a:lvl1pPr marL="0" indent="0">
               <a:buNone/>
-              <a:defRPr sz="2000" b="1">
-                <a:solidFill>
-                  <a:schemeClr val="accent1">
-                    <a:lumMod val="75000"/>
-                  </a:schemeClr>
-                </a:solidFill>
-              </a:defRPr>
+              <a:defRPr sz="2400" b="0"/>
             </a:lvl1pPr>
             <a:lvl2pPr marL="457200" indent="0">
               <a:buNone/>
@@ -1894,8 +3628,8 @@
           <a:p>
             <a:pPr lvl="0"/>
             <a:r>
-              <a:rPr lang="en-US" smtClean="0"/>
-              <a:t>Click to edit Master text styles</a:t>
+              <a:rPr lang="en-US"/>
+              <a:t>Edit Master text styles</a:t>
             </a:r>
           </a:p>
         </p:txBody>
@@ -1912,73 +3646,47 @@
         </p:nvSpPr>
         <p:spPr>
           <a:xfrm>
-            <a:off x="1069848" y="2743200"/>
-            <a:ext cx="4754880" cy="3291840"/>
+            <a:off x="675745" y="2737245"/>
+            <a:ext cx="4185623" cy="3304117"/>
           </a:xfrm>
         </p:spPr>
         <p:txBody>
-          <a:bodyPr/>
-          <a:lstStyle>
-            <a:lvl1pPr>
-              <a:defRPr sz="2000"/>
-            </a:lvl1pPr>
-            <a:lvl2pPr>
-              <a:defRPr sz="1800"/>
-            </a:lvl2pPr>
-            <a:lvl3pPr>
-              <a:defRPr sz="1600"/>
-            </a:lvl3pPr>
-            <a:lvl4pPr>
-              <a:defRPr sz="1600"/>
-            </a:lvl4pPr>
-            <a:lvl5pPr>
-              <a:defRPr sz="1600"/>
-            </a:lvl5pPr>
-            <a:lvl6pPr>
-              <a:defRPr sz="1600"/>
-            </a:lvl6pPr>
-            <a:lvl7pPr>
-              <a:defRPr sz="1600"/>
-            </a:lvl7pPr>
-            <a:lvl8pPr>
-              <a:defRPr sz="1600"/>
-            </a:lvl8pPr>
-            <a:lvl9pPr>
-              <a:defRPr sz="1600"/>
-            </a:lvl9pPr>
-          </a:lstStyle>
+          <a:bodyPr>
+            <a:normAutofit/>
+          </a:bodyPr>
+          <a:lstStyle/>
           <a:p>
             <a:pPr lvl="0"/>
             <a:r>
-              <a:rPr lang="en-US" smtClean="0"/>
-              <a:t>Click to edit Master text styles</a:t>
+              <a:rPr lang="en-US"/>
+              <a:t>Edit Master text styles</a:t>
             </a:r>
           </a:p>
           <a:p>
             <a:pPr lvl="1"/>
             <a:r>
-              <a:rPr lang="en-US" smtClean="0"/>
+              <a:rPr lang="en-US"/>
               <a:t>Second level</a:t>
             </a:r>
           </a:p>
           <a:p>
             <a:pPr lvl="2"/>
             <a:r>
-              <a:rPr lang="en-US" smtClean="0"/>
+              <a:rPr lang="en-US"/>
               <a:t>Third level</a:t>
             </a:r>
           </a:p>
           <a:p>
             <a:pPr lvl="3"/>
             <a:r>
-              <a:rPr lang="en-US" smtClean="0"/>
+              <a:rPr lang="en-US"/>
               <a:t>Fourth level</a:t>
             </a:r>
           </a:p>
           <a:p>
             <a:pPr lvl="4"/>
             <a:r>
-              <a:rPr lang="en-US" smtClean="0"/>
+              <a:rPr lang="en-US"/>
               <a:t>Fifth level</a:t>
             </a:r>
             <a:endParaRPr lang="en-US" dirty="0"/>
@@ -1997,24 +3705,18 @@
         </p:nvSpPr>
         <p:spPr>
           <a:xfrm>
-            <a:off x="6364224" y="2048256"/>
-            <a:ext cx="4754880" cy="640080"/>
+            <a:off x="5088383" y="2160983"/>
+            <a:ext cx="4185618" cy="576262"/>
           </a:xfrm>
         </p:spPr>
         <p:txBody>
-          <a:bodyPr anchor="ctr">
-            <a:normAutofit/>
+          <a:bodyPr anchor="b">
+            <a:noAutofit/>
           </a:bodyPr>
           <a:lstStyle>
             <a:lvl1pPr marL="0" indent="0">
               <a:buNone/>
-              <a:defRPr sz="2000" b="1">
-                <a:solidFill>
-                  <a:schemeClr val="accent1">
-                    <a:lumMod val="75000"/>
-                  </a:schemeClr>
-                </a:solidFill>
-              </a:defRPr>
+              <a:defRPr sz="2400" b="0"/>
             </a:lvl1pPr>
             <a:lvl2pPr marL="457200" indent="0">
               <a:buNone/>
@@ -2052,8 +3754,8 @@
           <a:p>
             <a:pPr lvl="0"/>
             <a:r>
-              <a:rPr lang="en-US" smtClean="0"/>
-              <a:t>Click to edit Master text styles</a:t>
+              <a:rPr lang="en-US"/>
+              <a:t>Edit Master text styles</a:t>
             </a:r>
           </a:p>
         </p:txBody>
@@ -2070,145 +3772,124 @@
         </p:nvSpPr>
         <p:spPr>
           <a:xfrm>
-            <a:off x="6364224" y="2743200"/>
-            <a:ext cx="4754880" cy="3291840"/>
+            <a:off x="5088384" y="2737245"/>
+            <a:ext cx="4185617" cy="3304117"/>
           </a:xfrm>
         </p:spPr>
         <p:txBody>
+          <a:bodyPr>
+            <a:normAutofit/>
+          </a:bodyPr>
+          <a:lstStyle/>
+          <a:p>
+            <a:pPr lvl="0"/>
+            <a:r>
+              <a:rPr lang="en-US"/>
+              <a:t>Edit Master text styles</a:t>
+            </a:r>
+          </a:p>
+          <a:p>
+            <a:pPr lvl="1"/>
+            <a:r>
+              <a:rPr lang="en-US"/>
+              <a:t>Second level</a:t>
+            </a:r>
+          </a:p>
+          <a:p>
+            <a:pPr lvl="2"/>
+            <a:r>
+              <a:rPr lang="en-US"/>
+              <a:t>Third level</a:t>
+            </a:r>
+          </a:p>
+          <a:p>
+            <a:pPr lvl="3"/>
+            <a:r>
+              <a:rPr lang="en-US"/>
+              <a:t>Fourth level</a:t>
+            </a:r>
+          </a:p>
+          <a:p>
+            <a:pPr lvl="4"/>
+            <a:r>
+              <a:rPr lang="en-US"/>
+              <a:t>Fifth level</a:t>
+            </a:r>
+            <a:endParaRPr lang="en-US" dirty="0"/>
+          </a:p>
+        </p:txBody>
+      </p:sp>
+      <p:sp>
+        <p:nvSpPr>
+          <p:cNvPr id="7" name="Date Placeholder 6"/>
+          <p:cNvSpPr>
+            <a:spLocks noGrp="1"/>
+          </p:cNvSpPr>
+          <p:nvPr>
+            <p:ph type="dt" sz="half" idx="10"/>
+          </p:nvPr>
+        </p:nvSpPr>
+        <p:spPr/>
+        <p:txBody>
           <a:bodyPr/>
-          <a:lstStyle>
-            <a:lvl1pPr>
-              <a:defRPr sz="2000"/>
-            </a:lvl1pPr>
-            <a:lvl2pPr>
-              <a:defRPr sz="1800"/>
-            </a:lvl2pPr>
-            <a:lvl3pPr>
-              <a:defRPr sz="1600"/>
-            </a:lvl3pPr>
-            <a:lvl4pPr>
-              <a:defRPr sz="1600"/>
-            </a:lvl4pPr>
-            <a:lvl5pPr>
-              <a:defRPr sz="1600"/>
-            </a:lvl5pPr>
-            <a:lvl6pPr>
-              <a:defRPr sz="1600"/>
-            </a:lvl6pPr>
-            <a:lvl7pPr>
-              <a:defRPr sz="1600"/>
-            </a:lvl7pPr>
-            <a:lvl8pPr>
-              <a:defRPr sz="1600"/>
-            </a:lvl8pPr>
-            <a:lvl9pPr>
-              <a:defRPr sz="1600"/>
-            </a:lvl9pPr>
-          </a:lstStyle>
-          <a:p>
-            <a:pPr lvl="0"/>
-            <a:r>
+          <a:lstStyle/>
+          <a:p>
+            <a:fld id="{339FB409-115C-4464-AA6D-93239CC4DCC2}" type="datetimeFigureOut">
               <a:rPr lang="en-US" smtClean="0"/>
-              <a:t>Click to edit Master text styles</a:t>
-            </a:r>
-          </a:p>
-          <a:p>
-            <a:pPr lvl="1"/>
-            <a:r>
+              <a:t>7/19/2018</a:t>
+            </a:fld>
+            <a:endParaRPr lang="en-US"/>
+          </a:p>
+        </p:txBody>
+      </p:sp>
+      <p:sp>
+        <p:nvSpPr>
+          <p:cNvPr id="8" name="Footer Placeholder 7"/>
+          <p:cNvSpPr>
+            <a:spLocks noGrp="1"/>
+          </p:cNvSpPr>
+          <p:nvPr>
+            <p:ph type="ftr" sz="quarter" idx="11"/>
+          </p:nvPr>
+        </p:nvSpPr>
+        <p:spPr/>
+        <p:txBody>
+          <a:bodyPr/>
+          <a:lstStyle/>
+          <a:p>
+            <a:endParaRPr lang="en-US"/>
+          </a:p>
+        </p:txBody>
+      </p:sp>
+      <p:sp>
+        <p:nvSpPr>
+          <p:cNvPr id="9" name="Slide Number Placeholder 8"/>
+          <p:cNvSpPr>
+            <a:spLocks noGrp="1"/>
+          </p:cNvSpPr>
+          <p:nvPr>
+            <p:ph type="sldNum" sz="quarter" idx="12"/>
+          </p:nvPr>
+        </p:nvSpPr>
+        <p:spPr/>
+        <p:txBody>
+          <a:bodyPr/>
+          <a:lstStyle/>
+          <a:p>
+            <a:fld id="{A05AF791-2039-4BAA-99CD-758C1B975E09}" type="slidenum">
               <a:rPr lang="en-US" smtClean="0"/>
-              <a:t>Second level</a:t>
-            </a:r>
-          </a:p>
-          <a:p>
-            <a:pPr lvl="2"/>
-            <a:r>
-              <a:rPr lang="en-US" smtClean="0"/>
-              <a:t>Third level</a:t>
-            </a:r>
-          </a:p>
-          <a:p>
-            <a:pPr lvl="3"/>
-            <a:r>
-              <a:rPr lang="en-US" smtClean="0"/>
-              <a:t>Fourth level</a:t>
-            </a:r>
-          </a:p>
-          <a:p>
-            <a:pPr lvl="4"/>
-            <a:r>
-              <a:rPr lang="en-US" smtClean="0"/>
-              <a:t>Fifth level</a:t>
-            </a:r>
-            <a:endParaRPr lang="en-US" dirty="0"/>
-          </a:p>
-        </p:txBody>
-      </p:sp>
-      <p:sp>
-        <p:nvSpPr>
-          <p:cNvPr id="7" name="Date Placeholder 6"/>
-          <p:cNvSpPr>
-            <a:spLocks noGrp="1"/>
-          </p:cNvSpPr>
-          <p:nvPr>
-            <p:ph type="dt" sz="half" idx="10"/>
-          </p:nvPr>
-        </p:nvSpPr>
-        <p:spPr/>
-        <p:txBody>
-          <a:bodyPr/>
-          <a:lstStyle/>
-          <a:p>
-            <a:fld id="{29E9FDB6-7A26-4DBB-9BB0-088C0534314D}" type="datetimeFigureOut">
-              <a:rPr lang="en-US" dirty="0"/>
-              <a:t>8/25/2016</a:t>
-            </a:fld>
-            <a:endParaRPr lang="en-US" dirty="0"/>
-          </a:p>
-        </p:txBody>
-      </p:sp>
-      <p:sp>
-        <p:nvSpPr>
-          <p:cNvPr id="8" name="Footer Placeholder 7"/>
-          <p:cNvSpPr>
-            <a:spLocks noGrp="1"/>
-          </p:cNvSpPr>
-          <p:nvPr>
-            <p:ph type="ftr" sz="quarter" idx="11"/>
-          </p:nvPr>
-        </p:nvSpPr>
-        <p:spPr/>
-        <p:txBody>
-          <a:bodyPr/>
-          <a:lstStyle/>
-          <a:p>
-            <a:endParaRPr lang="en-US" dirty="0"/>
-          </a:p>
-        </p:txBody>
-      </p:sp>
-      <p:sp>
-        <p:nvSpPr>
-          <p:cNvPr id="9" name="Slide Number Placeholder 8"/>
-          <p:cNvSpPr>
-            <a:spLocks noGrp="1"/>
-          </p:cNvSpPr>
-          <p:nvPr>
-            <p:ph type="sldNum" sz="quarter" idx="12"/>
-          </p:nvPr>
-        </p:nvSpPr>
-        <p:spPr/>
-        <p:txBody>
-          <a:bodyPr/>
-          <a:lstStyle/>
-          <a:p>
-            <a:fld id="{4FAB73BC-B049-4115-A692-8D63A059BFB8}" type="slidenum">
-              <a:rPr lang="en-US" dirty="0"/>
               <a:t>‹#›</a:t>
             </a:fld>
-            <a:endParaRPr lang="en-US" dirty="0"/>
+            <a:endParaRPr lang="en-US"/>
           </a:p>
         </p:txBody>
       </p:sp>
     </p:spTree>
+    <p:extLst>
+      <p:ext uri="{BB962C8B-B14F-4D97-AF65-F5344CB8AC3E}">
+        <p14:creationId xmlns:p14="http://schemas.microsoft.com/office/powerpoint/2010/main" val="904655693"/>
+      </p:ext>
+    </p:extLst>
   </p:cSld>
   <p:clrMapOvr>
     <a:masterClrMapping/>
@@ -2235,7 +3916,7 @@
       </p:grpSpPr>
       <p:sp>
         <p:nvSpPr>
-          <p:cNvPr id="6" name="Title 5"/>
+          <p:cNvPr id="2" name="Title 1"/>
           <p:cNvSpPr>
             <a:spLocks noGrp="1"/>
           </p:cNvSpPr>
@@ -2243,27 +3924,55 @@
             <p:ph type="title"/>
           </p:nvPr>
         </p:nvSpPr>
+        <p:spPr>
+          <a:xfrm>
+            <a:off x="677334" y="609600"/>
+            <a:ext cx="8596668" cy="1320800"/>
+          </a:xfrm>
+        </p:spPr>
+        <p:txBody>
+          <a:bodyPr/>
+          <a:lstStyle/>
+          <a:p>
+            <a:r>
+              <a:rPr lang="en-US"/>
+              <a:t>Click to edit Master title style</a:t>
+            </a:r>
+            <a:endParaRPr lang="en-US" dirty="0"/>
+          </a:p>
+        </p:txBody>
+      </p:sp>
+      <p:sp>
+        <p:nvSpPr>
+          <p:cNvPr id="3" name="Date Placeholder 2"/>
+          <p:cNvSpPr>
+            <a:spLocks noGrp="1"/>
+          </p:cNvSpPr>
+          <p:nvPr>
+            <p:ph type="dt" sz="half" idx="10"/>
+          </p:nvPr>
+        </p:nvSpPr>
         <p:spPr/>
         <p:txBody>
           <a:bodyPr/>
           <a:lstStyle/>
           <a:p>
-            <a:r>
+            <a:fld id="{339FB409-115C-4464-AA6D-93239CC4DCC2}" type="datetimeFigureOut">
               <a:rPr lang="en-US" smtClean="0"/>
-              <a:t>Click to edit Master title style</a:t>
-            </a:r>
-            <a:endParaRPr lang="en-US" dirty="0"/>
-          </a:p>
-        </p:txBody>
-      </p:sp>
-      <p:sp>
-        <p:nvSpPr>
-          <p:cNvPr id="3" name="Date Placeholder 2"/>
-          <p:cNvSpPr>
-            <a:spLocks noGrp="1"/>
-          </p:cNvSpPr>
-          <p:nvPr>
-            <p:ph type="dt" sz="half" idx="10"/>
+              <a:t>7/19/2018</a:t>
+            </a:fld>
+            <a:endParaRPr lang="en-US"/>
+          </a:p>
+        </p:txBody>
+      </p:sp>
+      <p:sp>
+        <p:nvSpPr>
+          <p:cNvPr id="4" name="Footer Placeholder 3"/>
+          <p:cNvSpPr>
+            <a:spLocks noGrp="1"/>
+          </p:cNvSpPr>
+          <p:nvPr>
+            <p:ph type="ftr" sz="quarter" idx="11"/>
           </p:nvPr>
         </p:nvSpPr>
         <p:spPr/>
@@ -2271,22 +3980,18 @@
           <a:bodyPr/>
           <a:lstStyle/>
           <a:p>
-            <a:fld id="{C2E7C72F-E0F0-449A-A903-6D7865ED3EFA}" type="datetimeFigureOut">
-              <a:rPr lang="en-US" dirty="0"/>
-              <a:t>8/25/2016</a:t>
-            </a:fld>
-            <a:endParaRPr lang="en-US" dirty="0"/>
-          </a:p>
-        </p:txBody>
-      </p:sp>
-      <p:sp>
-        <p:nvSpPr>
-          <p:cNvPr id="4" name="Footer Placeholder 3"/>
-          <p:cNvSpPr>
-            <a:spLocks noGrp="1"/>
-          </p:cNvSpPr>
-          <p:nvPr>
-            <p:ph type="ftr" sz="quarter" idx="11"/>
+            <a:endParaRPr lang="en-US"/>
+          </a:p>
+        </p:txBody>
+      </p:sp>
+      <p:sp>
+        <p:nvSpPr>
+          <p:cNvPr id="5" name="Slide Number Placeholder 4"/>
+          <p:cNvSpPr>
+            <a:spLocks noGrp="1"/>
+          </p:cNvSpPr>
+          <p:nvPr>
+            <p:ph type="sldNum" sz="quarter" idx="12"/>
           </p:nvPr>
         </p:nvSpPr>
         <p:spPr/>
@@ -2294,34 +3999,20 @@
           <a:bodyPr/>
           <a:lstStyle/>
           <a:p>
-            <a:endParaRPr lang="en-US" dirty="0"/>
-          </a:p>
-        </p:txBody>
-      </p:sp>
-      <p:sp>
-        <p:nvSpPr>
-          <p:cNvPr id="5" name="Slide Number Placeholder 4"/>
-          <p:cNvSpPr>
-            <a:spLocks noGrp="1"/>
-          </p:cNvSpPr>
-          <p:nvPr>
-            <p:ph type="sldNum" sz="quarter" idx="12"/>
-          </p:nvPr>
-        </p:nvSpPr>
-        <p:spPr/>
-        <p:txBody>
-          <a:bodyPr/>
-          <a:lstStyle/>
-          <a:p>
-            <a:fld id="{4FAB73BC-B049-4115-A692-8D63A059BFB8}" type="slidenum">
-              <a:rPr lang="en-US" dirty="0"/>
+            <a:fld id="{A05AF791-2039-4BAA-99CD-758C1B975E09}" type="slidenum">
+              <a:rPr lang="en-US" smtClean="0"/>
               <a:t>‹#›</a:t>
             </a:fld>
-            <a:endParaRPr lang="en-US" dirty="0"/>
+            <a:endParaRPr lang="en-US"/>
           </a:p>
         </p:txBody>
       </p:sp>
     </p:spTree>
+    <p:extLst>
+      <p:ext uri="{BB962C8B-B14F-4D97-AF65-F5344CB8AC3E}">
+        <p14:creationId xmlns:p14="http://schemas.microsoft.com/office/powerpoint/2010/main" val="2722800287"/>
+      </p:ext>
+    </p:extLst>
   </p:cSld>
   <p:clrMapOvr>
     <a:masterClrMapping/>
@@ -2361,11 +4052,11 @@
           <a:bodyPr/>
           <a:lstStyle/>
           <a:p>
-            <a:fld id="{6641207D-C9F3-42EA-960B-DC9955B358C7}" type="datetimeFigureOut">
-              <a:rPr lang="en-US" dirty="0"/>
-              <a:t>8/25/2016</a:t>
+            <a:fld id="{339FB409-115C-4464-AA6D-93239CC4DCC2}" type="datetimeFigureOut">
+              <a:rPr lang="en-US" smtClean="0"/>
+              <a:t>7/19/2018</a:t>
             </a:fld>
-            <a:endParaRPr lang="en-US" dirty="0"/>
+            <a:endParaRPr lang="en-US"/>
           </a:p>
         </p:txBody>
       </p:sp>
@@ -2384,7 +4075,7 @@
           <a:bodyPr/>
           <a:lstStyle/>
           <a:p>
-            <a:endParaRPr lang="en-US" dirty="0"/>
+            <a:endParaRPr lang="en-US"/>
           </a:p>
         </p:txBody>
       </p:sp>
@@ -2403,15 +4094,20 @@
           <a:bodyPr/>
           <a:lstStyle/>
           <a:p>
-            <a:fld id="{4FAB73BC-B049-4115-A692-8D63A059BFB8}" type="slidenum">
-              <a:rPr lang="en-US" dirty="0"/>
+            <a:fld id="{A05AF791-2039-4BAA-99CD-758C1B975E09}" type="slidenum">
+              <a:rPr lang="en-US" smtClean="0"/>
               <a:t>‹#›</a:t>
             </a:fld>
-            <a:endParaRPr lang="en-US" dirty="0"/>
+            <a:endParaRPr lang="en-US"/>
           </a:p>
         </p:txBody>
       </p:sp>
     </p:spTree>
+    <p:extLst>
+      <p:ext uri="{BB962C8B-B14F-4D97-AF65-F5344CB8AC3E}">
+        <p14:creationId xmlns:p14="http://schemas.microsoft.com/office/powerpoint/2010/main" val="3472235833"/>
+      </p:ext>
+    </p:extLst>
   </p:cSld>
   <p:clrMapOvr>
     <a:masterClrMapping/>
@@ -2420,7 +4116,7 @@
 </file>
 
 <file path=ppt/slideLayouts/slideLayout8.xml><?xml version="1.0" encoding="utf-8"?>
-<p:sldLayout xmlns:a="http://schemas.openxmlformats.org/drawingml/2006/main" xmlns:r="http://schemas.openxmlformats.org/officeDocument/2006/relationships" xmlns:p="http://schemas.openxmlformats.org/presentationml/2006/main" showMasterSp="0" type="objTx" preserve="1">
+<p:sldLayout xmlns:a="http://schemas.openxmlformats.org/drawingml/2006/main" xmlns:r="http://schemas.openxmlformats.org/officeDocument/2006/relationships" xmlns:p="http://schemas.openxmlformats.org/presentationml/2006/main" type="objTx" preserve="1">
   <p:cSld name="Content with Caption">
     <p:spTree>
       <p:nvGrpSpPr>
@@ -2438,75 +4134,18 @@
       </p:grpSpPr>
       <p:sp>
         <p:nvSpPr>
-          <p:cNvPr id="8" name="Rectangle 7"/>
-          <p:cNvSpPr/>
-          <p:nvPr/>
+          <p:cNvPr id="2" name="Title 1"/>
+          <p:cNvSpPr>
+            <a:spLocks noGrp="1"/>
+          </p:cNvSpPr>
+          <p:nvPr>
+            <p:ph type="title"/>
+          </p:nvPr>
         </p:nvSpPr>
         <p:spPr>
           <a:xfrm>
-            <a:off x="8303740" y="0"/>
-            <a:ext cx="3888259" cy="6857999"/>
-          </a:xfrm>
-          <a:prstGeom prst="rect">
-            <a:avLst/>
-          </a:prstGeom>
-          <a:blipFill dpi="0" rotWithShape="1">
-            <a:blip r:embed="rId2">
-              <a:alphaModFix amt="60000"/>
-              <a:lum bright="70000" contrast="-70000"/>
-              <a:extLst>
-                <a:ext uri="{BEBA8EAE-BF5A-486C-A8C5-ECC9F3942E4B}">
-                  <a14:imgProps xmlns:a14="http://schemas.microsoft.com/office/drawing/2010/main">
-                    <a14:imgLayer r:embed="rId3">
-                      <a14:imgEffect>
-                        <a14:sharpenSoften amount="61000"/>
-                      </a14:imgEffect>
-                    </a14:imgLayer>
-                  </a14:imgProps>
-                </a:ext>
-                <a:ext uri="{28A0092B-C50C-407E-A947-70E740481C1C}">
-                  <a14:useLocalDpi xmlns:a14="http://schemas.microsoft.com/office/drawing/2010/main" val="0"/>
-                </a:ext>
-              </a:extLst>
-            </a:blip>
-            <a:srcRect/>
-            <a:tile tx="0" ty="-704850" sx="92000" sy="89000" flip="xy" algn="ctr"/>
-          </a:blipFill>
-          <a:ln>
-            <a:noFill/>
-          </a:ln>
-        </p:spPr>
-        <p:style>
-          <a:lnRef idx="2">
-            <a:schemeClr val="accent1">
-              <a:shade val="50000"/>
-            </a:schemeClr>
-          </a:lnRef>
-          <a:fillRef idx="1">
-            <a:schemeClr val="accent1"/>
-          </a:fillRef>
-          <a:effectRef idx="0">
-            <a:schemeClr val="accent1"/>
-          </a:effectRef>
-          <a:fontRef idx="minor">
-            <a:schemeClr val="lt1"/>
-          </a:fontRef>
-        </p:style>
-      </p:sp>
-      <p:sp>
-        <p:nvSpPr>
-          <p:cNvPr id="2" name="Title 1"/>
-          <p:cNvSpPr>
-            <a:spLocks noGrp="1"/>
-          </p:cNvSpPr>
-          <p:nvPr>
-            <p:ph type="title"/>
-          </p:nvPr>
-        </p:nvSpPr>
-        <p:spPr>
-          <a:xfrm>
-            <a:off x="8549640" y="685800"/>
-            <a:ext cx="3200400" cy="1737360"/>
+            <a:off x="677334" y="1498604"/>
+            <a:ext cx="3854528" cy="1278466"/>
           </a:xfrm>
         </p:spPr>
         <p:txBody>
@@ -2515,12 +4154,12 @@
           </a:bodyPr>
           <a:lstStyle>
             <a:lvl1pPr>
-              <a:defRPr sz="3200" b="0"/>
+              <a:defRPr sz="2000"/>
             </a:lvl1pPr>
           </a:lstStyle>
           <a:p>
             <a:r>
-              <a:rPr lang="en-US" smtClean="0"/>
+              <a:rPr lang="en-US"/>
               <a:t>Click to edit Master title style</a:t>
             </a:r>
             <a:endParaRPr lang="en-US" dirty="0"/>
@@ -2539,73 +4178,47 @@
         </p:nvSpPr>
         <p:spPr>
           <a:xfrm>
-            <a:off x="838200" y="685800"/>
-            <a:ext cx="6711696" cy="5020056"/>
+            <a:off x="4760461" y="514924"/>
+            <a:ext cx="4513541" cy="5526437"/>
           </a:xfrm>
         </p:spPr>
         <p:txBody>
-          <a:bodyPr/>
-          <a:lstStyle>
-            <a:lvl1pPr>
-              <a:defRPr sz="2000"/>
-            </a:lvl1pPr>
-            <a:lvl2pPr>
-              <a:defRPr sz="1800"/>
-            </a:lvl2pPr>
-            <a:lvl3pPr>
-              <a:defRPr sz="1600"/>
-            </a:lvl3pPr>
-            <a:lvl4pPr>
-              <a:defRPr sz="1600"/>
-            </a:lvl4pPr>
-            <a:lvl5pPr>
-              <a:defRPr sz="1600"/>
-            </a:lvl5pPr>
-            <a:lvl6pPr>
-              <a:defRPr sz="1600"/>
-            </a:lvl6pPr>
-            <a:lvl7pPr>
-              <a:defRPr sz="1600"/>
-            </a:lvl7pPr>
-            <a:lvl8pPr>
-              <a:defRPr sz="1600"/>
-            </a:lvl8pPr>
-            <a:lvl9pPr>
-              <a:defRPr sz="1600"/>
-            </a:lvl9pPr>
-          </a:lstStyle>
+          <a:bodyPr>
+            <a:normAutofit/>
+          </a:bodyPr>
+          <a:lstStyle/>
           <a:p>
             <a:pPr lvl="0"/>
             <a:r>
-              <a:rPr lang="en-US" smtClean="0"/>
-              <a:t>Click to edit Master text styles</a:t>
+              <a:rPr lang="en-US"/>
+              <a:t>Edit Master text styles</a:t>
             </a:r>
           </a:p>
           <a:p>
             <a:pPr lvl="1"/>
             <a:r>
-              <a:rPr lang="en-US" smtClean="0"/>
+              <a:rPr lang="en-US"/>
               <a:t>Second level</a:t>
             </a:r>
           </a:p>
           <a:p>
             <a:pPr lvl="2"/>
             <a:r>
-              <a:rPr lang="en-US" smtClean="0"/>
+              <a:rPr lang="en-US"/>
               <a:t>Third level</a:t>
             </a:r>
           </a:p>
           <a:p>
             <a:pPr lvl="3"/>
             <a:r>
-              <a:rPr lang="en-US" smtClean="0"/>
+              <a:rPr lang="en-US"/>
               <a:t>Fourth level</a:t>
             </a:r>
           </a:p>
           <a:p>
             <a:pPr lvl="4"/>
             <a:r>
-              <a:rPr lang="en-US" smtClean="0"/>
+              <a:rPr lang="en-US"/>
               <a:t>Fifth level</a:t>
             </a:r>
             <a:endParaRPr lang="en-US" dirty="0"/>
@@ -2624,8 +4237,8 @@
         </p:nvSpPr>
         <p:spPr>
           <a:xfrm>
-            <a:off x="8549640" y="2423160"/>
-            <a:ext cx="3200400" cy="3291840"/>
+            <a:off x="677334" y="2777069"/>
+            <a:ext cx="3854528" cy="2584449"/>
           </a:xfrm>
         </p:spPr>
         <p:txBody>
@@ -2634,71 +4247,82 @@
           </a:bodyPr>
           <a:lstStyle>
             <a:lvl1pPr marL="0" indent="0">
-              <a:lnSpc>
-                <a:spcPct val="100000"/>
-              </a:lnSpc>
-              <a:spcBef>
-                <a:spcPts val="1000"/>
-              </a:spcBef>
-              <a:buNone/>
-              <a:defRPr sz="1400">
-                <a:solidFill>
-                  <a:schemeClr val="accent1">
-                    <a:lumMod val="50000"/>
-                  </a:schemeClr>
-                </a:solidFill>
-              </a:defRPr>
+              <a:buNone/>
+              <a:defRPr sz="1400"/>
             </a:lvl1pPr>
-            <a:lvl2pPr marL="457200" indent="0">
+            <a:lvl2pPr marL="457063" indent="0">
+              <a:buNone/>
+              <a:defRPr sz="1400"/>
+            </a:lvl2pPr>
+            <a:lvl3pPr marL="914126" indent="0">
               <a:buNone/>
               <a:defRPr sz="1200"/>
-            </a:lvl2pPr>
-            <a:lvl3pPr marL="914400" indent="0">
+            </a:lvl3pPr>
+            <a:lvl4pPr marL="1371189" indent="0">
               <a:buNone/>
               <a:defRPr sz="1000"/>
-            </a:lvl3pPr>
-            <a:lvl4pPr marL="1371600" indent="0">
-              <a:buNone/>
-              <a:defRPr sz="900"/>
             </a:lvl4pPr>
-            <a:lvl5pPr marL="1828800" indent="0">
-              <a:buNone/>
-              <a:defRPr sz="900"/>
+            <a:lvl5pPr marL="1828251" indent="0">
+              <a:buNone/>
+              <a:defRPr sz="1000"/>
             </a:lvl5pPr>
-            <a:lvl6pPr marL="2286000" indent="0">
-              <a:buNone/>
-              <a:defRPr sz="900"/>
+            <a:lvl6pPr marL="2285314" indent="0">
+              <a:buNone/>
+              <a:defRPr sz="1000"/>
             </a:lvl6pPr>
-            <a:lvl7pPr marL="2743200" indent="0">
-              <a:buNone/>
-              <a:defRPr sz="900"/>
+            <a:lvl7pPr marL="2742377" indent="0">
+              <a:buNone/>
+              <a:defRPr sz="1000"/>
             </a:lvl7pPr>
-            <a:lvl8pPr marL="3200400" indent="0">
-              <a:buNone/>
-              <a:defRPr sz="900"/>
+            <a:lvl8pPr marL="3199440" indent="0">
+              <a:buNone/>
+              <a:defRPr sz="1000"/>
             </a:lvl8pPr>
-            <a:lvl9pPr marL="3657600" indent="0">
-              <a:buNone/>
-              <a:defRPr sz="900"/>
+            <a:lvl9pPr marL="3656503" indent="0">
+              <a:buNone/>
+              <a:defRPr sz="1000"/>
             </a:lvl9pPr>
           </a:lstStyle>
           <a:p>
             <a:pPr lvl="0"/>
             <a:r>
+              <a:rPr lang="en-US"/>
+              <a:t>Edit Master text styles</a:t>
+            </a:r>
+          </a:p>
+        </p:txBody>
+      </p:sp>
+      <p:sp>
+        <p:nvSpPr>
+          <p:cNvPr id="5" name="Date Placeholder 4"/>
+          <p:cNvSpPr>
+            <a:spLocks noGrp="1"/>
+          </p:cNvSpPr>
+          <p:nvPr>
+            <p:ph type="dt" sz="half" idx="10"/>
+          </p:nvPr>
+        </p:nvSpPr>
+        <p:spPr/>
+        <p:txBody>
+          <a:bodyPr/>
+          <a:lstStyle/>
+          <a:p>
+            <a:fld id="{339FB409-115C-4464-AA6D-93239CC4DCC2}" type="datetimeFigureOut">
               <a:rPr lang="en-US" smtClean="0"/>
-              <a:t>Click to edit Master text styles</a:t>
-            </a:r>
-          </a:p>
-        </p:txBody>
-      </p:sp>
-      <p:sp>
-        <p:nvSpPr>
-          <p:cNvPr id="5" name="Date Placeholder 4"/>
-          <p:cNvSpPr>
-            <a:spLocks noGrp="1"/>
-          </p:cNvSpPr>
-          <p:nvPr>
-            <p:ph type="dt" sz="half" idx="10"/>
+              <a:t>7/19/2018</a:t>
+            </a:fld>
+            <a:endParaRPr lang="en-US"/>
+          </a:p>
+        </p:txBody>
+      </p:sp>
+      <p:sp>
+        <p:nvSpPr>
+          <p:cNvPr id="6" name="Footer Placeholder 5"/>
+          <p:cNvSpPr>
+            <a:spLocks noGrp="1"/>
+          </p:cNvSpPr>
+          <p:nvPr>
+            <p:ph type="ftr" sz="quarter" idx="11"/>
           </p:nvPr>
         </p:nvSpPr>
         <p:spPr/>
@@ -2706,22 +4330,18 @@
           <a:bodyPr/>
           <a:lstStyle/>
           <a:p>
-            <a:fld id="{4D8827A6-8947-4115-8D9E-E89B1EC0518D}" type="datetimeFigureOut">
-              <a:rPr lang="en-US" dirty="0"/>
-              <a:t>8/25/2016</a:t>
-            </a:fld>
-            <a:endParaRPr lang="en-US" dirty="0"/>
-          </a:p>
-        </p:txBody>
-      </p:sp>
-      <p:sp>
-        <p:nvSpPr>
-          <p:cNvPr id="6" name="Footer Placeholder 5"/>
-          <p:cNvSpPr>
-            <a:spLocks noGrp="1"/>
-          </p:cNvSpPr>
-          <p:nvPr>
-            <p:ph type="ftr" sz="quarter" idx="11"/>
+            <a:endParaRPr lang="en-US"/>
+          </a:p>
+        </p:txBody>
+      </p:sp>
+      <p:sp>
+        <p:nvSpPr>
+          <p:cNvPr id="7" name="Slide Number Placeholder 6"/>
+          <p:cNvSpPr>
+            <a:spLocks noGrp="1"/>
+          </p:cNvSpPr>
+          <p:nvPr>
+            <p:ph type="sldNum" sz="quarter" idx="12"/>
           </p:nvPr>
         </p:nvSpPr>
         <p:spPr/>
@@ -2729,123 +4349,20 @@
           <a:bodyPr/>
           <a:lstStyle/>
           <a:p>
-            <a:endParaRPr lang="en-US" dirty="0"/>
-          </a:p>
-        </p:txBody>
-      </p:sp>
-      <p:grpSp>
-        <p:nvGrpSpPr>
-          <p:cNvPr id="9" name="Group 8"/>
-          <p:cNvGrpSpPr>
-            <a:grpSpLocks noChangeAspect="1"/>
-          </p:cNvGrpSpPr>
-          <p:nvPr/>
-        </p:nvGrpSpPr>
-        <p:grpSpPr>
-          <a:xfrm>
-            <a:off x="11401725" y="6229681"/>
-            <a:ext cx="457200" cy="457200"/>
-            <a:chOff x="11361456" y="6195813"/>
-            <a:chExt cx="548640" cy="548640"/>
-          </a:xfrm>
-        </p:grpSpPr>
-        <p:sp>
-          <p:nvSpPr>
-            <p:cNvPr id="10" name="Oval 9"/>
-            <p:cNvSpPr/>
-            <p:nvPr/>
-          </p:nvSpPr>
-          <p:spPr>
-            <a:xfrm>
-              <a:off x="11361456" y="6195813"/>
-              <a:ext cx="548640" cy="548640"/>
-            </a:xfrm>
-            <a:prstGeom prst="ellipse">
-              <a:avLst/>
-            </a:prstGeom>
-            <a:blipFill dpi="0" rotWithShape="1">
-              <a:blip r:embed="rId4">
-                <a:duotone>
-                  <a:schemeClr val="accent1">
-                    <a:shade val="45000"/>
-                    <a:satMod val="135000"/>
-                  </a:schemeClr>
-                  <a:prstClr val="white"/>
-                </a:duotone>
-                <a:extLst>
-                  <a:ext uri="{BEBA8EAE-BF5A-486C-A8C5-ECC9F3942E4B}">
-                    <a14:imgProps xmlns:a14="http://schemas.microsoft.com/office/drawing/2010/main">
-                      <a14:imgLayer r:embed="rId5">
-                        <a14:imgEffect>
-                          <a14:saturation sat="95000"/>
-                        </a14:imgEffect>
-                        <a14:imgEffect>
-                          <a14:brightnessContrast bright="-40000" contrast="20000"/>
-                        </a14:imgEffect>
-                      </a14:imgLayer>
-                    </a14:imgProps>
-                  </a:ext>
-                </a:extLst>
-              </a:blip>
-              <a:srcRect/>
-              <a:tile tx="50800" ty="0" sx="85000" sy="85000" flip="none" algn="tl"/>
-            </a:blipFill>
-            <a:ln w="25400" cap="flat" cmpd="sng" algn="ctr">
-              <a:noFill/>
-              <a:prstDash val="solid"/>
-            </a:ln>
-            <a:effectLst/>
-          </p:spPr>
-        </p:sp>
-        <p:sp>
-          <p:nvSpPr>
-            <p:cNvPr id="11" name="Oval 10"/>
-            <p:cNvSpPr/>
-            <p:nvPr/>
-          </p:nvSpPr>
-          <p:spPr>
-            <a:xfrm>
-              <a:off x="11396488" y="6230844"/>
-              <a:ext cx="478576" cy="478578"/>
-            </a:xfrm>
-            <a:prstGeom prst="ellipse">
-              <a:avLst/>
-            </a:prstGeom>
-            <a:noFill/>
-            <a:ln w="12700" cap="flat" cmpd="sng" algn="ctr">
-              <a:solidFill>
-                <a:sysClr val="window" lastClr="FFFFFF"/>
-              </a:solidFill>
-              <a:prstDash val="solid"/>
-            </a:ln>
-            <a:effectLst/>
-          </p:spPr>
-        </p:sp>
-      </p:grpSp>
-      <p:sp>
-        <p:nvSpPr>
-          <p:cNvPr id="7" name="Slide Number Placeholder 6"/>
-          <p:cNvSpPr>
-            <a:spLocks noGrp="1"/>
-          </p:cNvSpPr>
-          <p:nvPr>
-            <p:ph type="sldNum" sz="quarter" idx="12"/>
-          </p:nvPr>
-        </p:nvSpPr>
-        <p:spPr/>
-        <p:txBody>
-          <a:bodyPr/>
-          <a:lstStyle/>
-          <a:p>
-            <a:fld id="{4FAB73BC-B049-4115-A692-8D63A059BFB8}" type="slidenum">
-              <a:rPr lang="en-US" dirty="0"/>
+            <a:fld id="{A05AF791-2039-4BAA-99CD-758C1B975E09}" type="slidenum">
+              <a:rPr lang="en-US" smtClean="0"/>
               <a:t>‹#›</a:t>
             </a:fld>
-            <a:endParaRPr lang="en-US" dirty="0"/>
+            <a:endParaRPr lang="en-US"/>
           </a:p>
         </p:txBody>
       </p:sp>
     </p:spTree>
+    <p:extLst>
+      <p:ext uri="{BB962C8B-B14F-4D97-AF65-F5344CB8AC3E}">
+        <p14:creationId xmlns:p14="http://schemas.microsoft.com/office/powerpoint/2010/main" val="3077726798"/>
+      </p:ext>
+    </p:extLst>
   </p:cSld>
   <p:clrMapOvr>
     <a:masterClrMapping/>
@@ -2854,7 +4371,7 @@
 </file>
 
 <file path=ppt/slideLayouts/slideLayout9.xml><?xml version="1.0" encoding="utf-8"?>
-<p:sldLayout xmlns:a="http://schemas.openxmlformats.org/drawingml/2006/main" xmlns:r="http://schemas.openxmlformats.org/officeDocument/2006/relationships" xmlns:p="http://schemas.openxmlformats.org/presentationml/2006/main" showMasterSp="0" type="picTx" preserve="1">
+<p:sldLayout xmlns:a="http://schemas.openxmlformats.org/drawingml/2006/main" xmlns:r="http://schemas.openxmlformats.org/officeDocument/2006/relationships" xmlns:p="http://schemas.openxmlformats.org/presentationml/2006/main" type="picTx" preserve="1">
   <p:cSld name="Picture with Caption">
     <p:spTree>
       <p:nvGrpSpPr>
@@ -2872,75 +4389,18 @@
       </p:grpSpPr>
       <p:sp>
         <p:nvSpPr>
-          <p:cNvPr id="11" name="Rectangle 10"/>
-          <p:cNvSpPr/>
-          <p:nvPr/>
+          <p:cNvPr id="2" name="Title 1"/>
+          <p:cNvSpPr>
+            <a:spLocks noGrp="1"/>
+          </p:cNvSpPr>
+          <p:nvPr>
+            <p:ph type="title"/>
+          </p:nvPr>
         </p:nvSpPr>
         <p:spPr>
           <a:xfrm>
-            <a:off x="8303740" y="0"/>
-            <a:ext cx="3888259" cy="6857999"/>
-          </a:xfrm>
-          <a:prstGeom prst="rect">
-            <a:avLst/>
-          </a:prstGeom>
-          <a:blipFill dpi="0" rotWithShape="1">
-            <a:blip r:embed="rId2">
-              <a:alphaModFix amt="60000"/>
-              <a:lum bright="70000" contrast="-70000"/>
-              <a:extLst>
-                <a:ext uri="{BEBA8EAE-BF5A-486C-A8C5-ECC9F3942E4B}">
-                  <a14:imgProps xmlns:a14="http://schemas.microsoft.com/office/drawing/2010/main">
-                    <a14:imgLayer r:embed="rId3">
-                      <a14:imgEffect>
-                        <a14:sharpenSoften amount="61000"/>
-                      </a14:imgEffect>
-                    </a14:imgLayer>
-                  </a14:imgProps>
-                </a:ext>
-                <a:ext uri="{28A0092B-C50C-407E-A947-70E740481C1C}">
-                  <a14:useLocalDpi xmlns:a14="http://schemas.microsoft.com/office/drawing/2010/main" val="0"/>
-                </a:ext>
-              </a:extLst>
-            </a:blip>
-            <a:srcRect/>
-            <a:tile tx="0" ty="-704850" sx="92000" sy="89000" flip="xy" algn="ctr"/>
-          </a:blipFill>
-          <a:ln>
-            <a:noFill/>
-          </a:ln>
-        </p:spPr>
-        <p:style>
-          <a:lnRef idx="2">
-            <a:schemeClr val="accent1">
-              <a:shade val="50000"/>
-            </a:schemeClr>
-          </a:lnRef>
-          <a:fillRef idx="1">
-            <a:schemeClr val="accent1"/>
-          </a:fillRef>
-          <a:effectRef idx="0">
-            <a:schemeClr val="accent1"/>
-          </a:effectRef>
-          <a:fontRef idx="minor">
-            <a:schemeClr val="lt1"/>
-          </a:fontRef>
-        </p:style>
-      </p:sp>
-      <p:sp>
-        <p:nvSpPr>
-          <p:cNvPr id="2" name="Title 1"/>
-          <p:cNvSpPr>
-            <a:spLocks noGrp="1"/>
-          </p:cNvSpPr>
-          <p:nvPr>
-            <p:ph type="title"/>
-          </p:nvPr>
-        </p:nvSpPr>
-        <p:spPr>
-          <a:xfrm>
-            <a:off x="8549640" y="685800"/>
-            <a:ext cx="3200400" cy="1737360"/>
+            <a:off x="677334" y="4800600"/>
+            <a:ext cx="8596667" cy="566738"/>
           </a:xfrm>
         </p:spPr>
         <p:txBody>
@@ -2948,13 +4408,13 @@
             <a:normAutofit/>
           </a:bodyPr>
           <a:lstStyle>
-            <a:lvl1pPr>
-              <a:defRPr sz="3200" b="0"/>
+            <a:lvl1pPr algn="l">
+              <a:defRPr sz="2400" b="0"/>
             </a:lvl1pPr>
           </a:lstStyle>
           <a:p>
             <a:r>
-              <a:rPr lang="en-US" smtClean="0"/>
+              <a:rPr lang="en-US"/>
               <a:t>Click to edit Master title style</a:t>
             </a:r>
             <a:endParaRPr lang="en-US" dirty="0"/>
@@ -2973,59 +4433,55 @@
         </p:nvSpPr>
         <p:spPr>
           <a:xfrm>
-            <a:off x="0" y="0"/>
-            <a:ext cx="8303740" cy="6858000"/>
+            <a:off x="677334" y="609600"/>
+            <a:ext cx="8596668" cy="3845718"/>
           </a:xfrm>
-          <a:solidFill>
-            <a:schemeClr val="tx2">
-              <a:lumMod val="20000"/>
-              <a:lumOff val="80000"/>
-            </a:schemeClr>
-          </a:solidFill>
         </p:spPr>
         <p:txBody>
-          <a:bodyPr anchor="t"/>
+          <a:bodyPr anchor="t">
+            <a:normAutofit/>
+          </a:bodyPr>
           <a:lstStyle>
-            <a:lvl1pPr marL="0" indent="0">
-              <a:buNone/>
-              <a:defRPr sz="3200"/>
+            <a:lvl1pPr marL="0" indent="0" algn="ctr">
+              <a:buNone/>
+              <a:defRPr sz="1600"/>
             </a:lvl1pPr>
             <a:lvl2pPr marL="457200" indent="0">
               <a:buNone/>
-              <a:defRPr sz="2800"/>
+              <a:defRPr sz="1600"/>
             </a:lvl2pPr>
             <a:lvl3pPr marL="914400" indent="0">
               <a:buNone/>
-              <a:defRPr sz="2400"/>
+              <a:defRPr sz="1600"/>
             </a:lvl3pPr>
             <a:lvl4pPr marL="1371600" indent="0">
               <a:buNone/>
-              <a:defRPr sz="2000"/>
+              <a:defRPr sz="1600"/>
             </a:lvl4pPr>
             <a:lvl5pPr marL="1828800" indent="0">
               <a:buNone/>
-              <a:defRPr sz="2000"/>
+              <a:defRPr sz="1600"/>
             </a:lvl5pPr>
             <a:lvl6pPr marL="2286000" indent="0">
               <a:buNone/>
-              <a:defRPr sz="2000"/>
+              <a:defRPr sz="1600"/>
             </a:lvl6pPr>
             <a:lvl7pPr marL="2743200" indent="0">
               <a:buNone/>
-              <a:defRPr sz="2000"/>
+              <a:defRPr sz="1600"/>
             </a:lvl7pPr>
             <a:lvl8pPr marL="3200400" indent="0">
               <a:buNone/>
-              <a:defRPr sz="2000"/>
+              <a:defRPr sz="1600"/>
             </a:lvl8pPr>
             <a:lvl9pPr marL="3657600" indent="0">
               <a:buNone/>
-              <a:defRPr sz="2000"/>
+              <a:defRPr sz="1600"/>
             </a:lvl9pPr>
           </a:lstStyle>
           <a:p>
             <a:r>
-              <a:rPr lang="en-US" smtClean="0"/>
+              <a:rPr lang="en-US"/>
               <a:t>Click icon to add picture</a:t>
             </a:r>
             <a:endParaRPr lang="en-US" dirty="0"/>
@@ -3044,8 +4500,8 @@
         </p:nvSpPr>
         <p:spPr>
           <a:xfrm>
-            <a:off x="8549640" y="2423160"/>
-            <a:ext cx="3200400" cy="3291840"/>
+            <a:off x="677334" y="5367338"/>
+            <a:ext cx="8596667" cy="674024"/>
           </a:xfrm>
         </p:spPr>
         <p:txBody>
@@ -3054,20 +4510,8 @@
           </a:bodyPr>
           <a:lstStyle>
             <a:lvl1pPr marL="0" indent="0">
-              <a:lnSpc>
-                <a:spcPct val="100000"/>
-              </a:lnSpc>
-              <a:spcBef>
-                <a:spcPts val="1000"/>
-              </a:spcBef>
-              <a:buNone/>
-              <a:defRPr sz="1400">
-                <a:solidFill>
-                  <a:schemeClr val="accent1">
-                    <a:lumMod val="50000"/>
-                  </a:schemeClr>
-                </a:solidFill>
-              </a:defRPr>
+              <a:buNone/>
+              <a:defRPr sz="1200"/>
             </a:lvl1pPr>
             <a:lvl2pPr marL="457200" indent="0">
               <a:buNone/>
@@ -3105,20 +4549,43 @@
           <a:p>
             <a:pPr lvl="0"/>
             <a:r>
+              <a:rPr lang="en-US"/>
+              <a:t>Edit Master text styles</a:t>
+            </a:r>
+          </a:p>
+        </p:txBody>
+      </p:sp>
+      <p:sp>
+        <p:nvSpPr>
+          <p:cNvPr id="5" name="Date Placeholder 4"/>
+          <p:cNvSpPr>
+            <a:spLocks noGrp="1"/>
+          </p:cNvSpPr>
+          <p:nvPr>
+            <p:ph type="dt" sz="half" idx="10"/>
+          </p:nvPr>
+        </p:nvSpPr>
+        <p:spPr/>
+        <p:txBody>
+          <a:bodyPr/>
+          <a:lstStyle/>
+          <a:p>
+            <a:fld id="{339FB409-115C-4464-AA6D-93239CC4DCC2}" type="datetimeFigureOut">
               <a:rPr lang="en-US" smtClean="0"/>
-              <a:t>Click to edit Master text styles</a:t>
-            </a:r>
-          </a:p>
-        </p:txBody>
-      </p:sp>
-      <p:sp>
-        <p:nvSpPr>
-          <p:cNvPr id="5" name="Date Placeholder 4"/>
-          <p:cNvSpPr>
-            <a:spLocks noGrp="1"/>
-          </p:cNvSpPr>
-          <p:nvPr>
-            <p:ph type="dt" sz="half" idx="10"/>
+              <a:t>7/19/2018</a:t>
+            </a:fld>
+            <a:endParaRPr lang="en-US"/>
+          </a:p>
+        </p:txBody>
+      </p:sp>
+      <p:sp>
+        <p:nvSpPr>
+          <p:cNvPr id="6" name="Footer Placeholder 5"/>
+          <p:cNvSpPr>
+            <a:spLocks noGrp="1"/>
+          </p:cNvSpPr>
+          <p:nvPr>
+            <p:ph type="ftr" sz="quarter" idx="11"/>
           </p:nvPr>
         </p:nvSpPr>
         <p:spPr/>
@@ -3126,103 +4593,10 @@
           <a:bodyPr/>
           <a:lstStyle/>
           <a:p>
-            <a:fld id="{ED460A6F-F31A-4CA3-B222-0B3C224FF998}" type="datetimeFigureOut">
-              <a:rPr lang="en-US" dirty="0"/>
-              <a:t>8/25/2016</a:t>
-            </a:fld>
-            <a:endParaRPr lang="en-US" dirty="0"/>
-          </a:p>
-        </p:txBody>
-      </p:sp>
-      <p:grpSp>
-        <p:nvGrpSpPr>
-          <p:cNvPr id="8" name="Group 7"/>
-          <p:cNvGrpSpPr>
-            <a:grpSpLocks noChangeAspect="1"/>
-          </p:cNvGrpSpPr>
-          <p:nvPr/>
-        </p:nvGrpSpPr>
-        <p:grpSpPr>
-          <a:xfrm>
-            <a:off x="11401725" y="6229681"/>
-            <a:ext cx="457200" cy="457200"/>
-            <a:chOff x="11361456" y="6195813"/>
-            <a:chExt cx="548640" cy="548640"/>
-          </a:xfrm>
-        </p:grpSpPr>
-        <p:sp>
-          <p:nvSpPr>
-            <p:cNvPr id="9" name="Oval 8"/>
-            <p:cNvSpPr/>
-            <p:nvPr/>
-          </p:nvSpPr>
-          <p:spPr>
-            <a:xfrm>
-              <a:off x="11361456" y="6195813"/>
-              <a:ext cx="548640" cy="548640"/>
-            </a:xfrm>
-            <a:prstGeom prst="ellipse">
-              <a:avLst/>
-            </a:prstGeom>
-            <a:blipFill dpi="0" rotWithShape="1">
-              <a:blip r:embed="rId4">
-                <a:duotone>
-                  <a:schemeClr val="accent1">
-                    <a:shade val="45000"/>
-                    <a:satMod val="135000"/>
-                  </a:schemeClr>
-                  <a:prstClr val="white"/>
-                </a:duotone>
-                <a:extLst>
-                  <a:ext uri="{BEBA8EAE-BF5A-486C-A8C5-ECC9F3942E4B}">
-                    <a14:imgProps xmlns:a14="http://schemas.microsoft.com/office/drawing/2010/main">
-                      <a14:imgLayer r:embed="rId5">
-                        <a14:imgEffect>
-                          <a14:saturation sat="95000"/>
-                        </a14:imgEffect>
-                        <a14:imgEffect>
-                          <a14:brightnessContrast bright="-40000" contrast="20000"/>
-                        </a14:imgEffect>
-                      </a14:imgLayer>
-                    </a14:imgProps>
-                  </a:ext>
-                </a:extLst>
-              </a:blip>
-              <a:srcRect/>
-              <a:tile tx="50800" ty="0" sx="85000" sy="85000" flip="none" algn="tl"/>
-            </a:blipFill>
-            <a:ln w="25400" cap="flat" cmpd="sng" algn="ctr">
-              <a:noFill/>
-              <a:prstDash val="solid"/>
-            </a:ln>
-            <a:effectLst/>
-          </p:spPr>
-        </p:sp>
-        <p:sp>
-          <p:nvSpPr>
-            <p:cNvPr id="10" name="Oval 9"/>
-            <p:cNvSpPr/>
-            <p:nvPr/>
-          </p:nvSpPr>
-          <p:spPr>
-            <a:xfrm>
-              <a:off x="11396488" y="6230844"/>
-              <a:ext cx="478576" cy="478578"/>
-            </a:xfrm>
-            <a:prstGeom prst="ellipse">
-              <a:avLst/>
-            </a:prstGeom>
-            <a:noFill/>
-            <a:ln w="12700" cap="flat" cmpd="sng" algn="ctr">
-              <a:solidFill>
-                <a:sysClr val="window" lastClr="FFFFFF"/>
-              </a:solidFill>
-              <a:prstDash val="solid"/>
-            </a:ln>
-            <a:effectLst/>
-          </p:spPr>
-        </p:sp>
-      </p:grpSp>
+            <a:endParaRPr lang="en-US"/>
+          </a:p>
+        </p:txBody>
+      </p:sp>
       <p:sp>
         <p:nvSpPr>
           <p:cNvPr id="7" name="Slide Number Placeholder 6"/>
@@ -3238,15 +4612,20 @@
           <a:bodyPr/>
           <a:lstStyle/>
           <a:p>
-            <a:fld id="{4FAB73BC-B049-4115-A692-8D63A059BFB8}" type="slidenum">
-              <a:rPr lang="en-US" dirty="0"/>
+            <a:fld id="{A05AF791-2039-4BAA-99CD-758C1B975E09}" type="slidenum">
+              <a:rPr lang="en-US" smtClean="0"/>
               <a:t>‹#›</a:t>
             </a:fld>
-            <a:endParaRPr lang="en-US" dirty="0"/>
+            <a:endParaRPr lang="en-US"/>
           </a:p>
         </p:txBody>
       </p:sp>
     </p:spTree>
+    <p:extLst>
+      <p:ext uri="{BB962C8B-B14F-4D97-AF65-F5344CB8AC3E}">
+        <p14:creationId xmlns:p14="http://schemas.microsoft.com/office/powerpoint/2010/main" val="411126385"/>
+      </p:ext>
+    </p:extLst>
   </p:cSld>
   <p:clrMapOvr>
     <a:masterClrMapping/>
@@ -3276,6 +4655,536 @@
           <a:chExt cx="0" cy="0"/>
         </a:xfrm>
       </p:grpSpPr>
+      <p:grpSp>
+        <p:nvGrpSpPr>
+          <p:cNvPr id="7" name="Group 6"/>
+          <p:cNvGrpSpPr/>
+          <p:nvPr/>
+        </p:nvGrpSpPr>
+        <p:grpSpPr>
+          <a:xfrm>
+            <a:off x="0" y="-8467"/>
+            <a:ext cx="12192000" cy="6866467"/>
+            <a:chOff x="0" y="-8467"/>
+            <a:chExt cx="12192000" cy="6866467"/>
+          </a:xfrm>
+        </p:grpSpPr>
+        <p:cxnSp>
+          <p:nvCxnSpPr>
+            <p:cNvPr id="20" name="Straight Connector 19"/>
+            <p:cNvCxnSpPr/>
+            <p:nvPr/>
+          </p:nvCxnSpPr>
+          <p:spPr>
+            <a:xfrm>
+              <a:off x="9371012" y="0"/>
+              <a:ext cx="1219200" cy="6858000"/>
+            </a:xfrm>
+            <a:prstGeom prst="line">
+              <a:avLst/>
+            </a:prstGeom>
+            <a:ln w="9525">
+              <a:solidFill>
+                <a:schemeClr val="bg1">
+                  <a:lumMod val="75000"/>
+                </a:schemeClr>
+              </a:solidFill>
+            </a:ln>
+          </p:spPr>
+          <p:style>
+            <a:lnRef idx="2">
+              <a:schemeClr val="accent1"/>
+            </a:lnRef>
+            <a:fillRef idx="0">
+              <a:schemeClr val="accent1"/>
+            </a:fillRef>
+            <a:effectRef idx="1">
+              <a:schemeClr val="accent1"/>
+            </a:effectRef>
+            <a:fontRef idx="minor">
+              <a:schemeClr val="tx1"/>
+            </a:fontRef>
+          </p:style>
+        </p:cxnSp>
+        <p:cxnSp>
+          <p:nvCxnSpPr>
+            <p:cNvPr id="21" name="Straight Connector 20"/>
+            <p:cNvCxnSpPr/>
+            <p:nvPr/>
+          </p:nvCxnSpPr>
+          <p:spPr>
+            <a:xfrm flipH="1">
+              <a:off x="7425267" y="3681413"/>
+              <a:ext cx="4763558" cy="3176587"/>
+            </a:xfrm>
+            <a:prstGeom prst="line">
+              <a:avLst/>
+            </a:prstGeom>
+            <a:ln w="9525">
+              <a:solidFill>
+                <a:schemeClr val="bg1">
+                  <a:lumMod val="85000"/>
+                </a:schemeClr>
+              </a:solidFill>
+            </a:ln>
+          </p:spPr>
+          <p:style>
+            <a:lnRef idx="2">
+              <a:schemeClr val="accent1"/>
+            </a:lnRef>
+            <a:fillRef idx="0">
+              <a:schemeClr val="accent1"/>
+            </a:fillRef>
+            <a:effectRef idx="1">
+              <a:schemeClr val="accent1"/>
+            </a:effectRef>
+            <a:fontRef idx="minor">
+              <a:schemeClr val="tx1"/>
+            </a:fontRef>
+          </p:style>
+        </p:cxnSp>
+        <p:sp>
+          <p:nvSpPr>
+            <p:cNvPr id="22" name="Rectangle 23"/>
+            <p:cNvSpPr/>
+            <p:nvPr/>
+          </p:nvSpPr>
+          <p:spPr>
+            <a:xfrm>
+              <a:off x="9181476" y="-8467"/>
+              <a:ext cx="3007349" cy="6866467"/>
+            </a:xfrm>
+            <a:custGeom>
+              <a:avLst/>
+              <a:gdLst/>
+              <a:ahLst/>
+              <a:cxnLst/>
+              <a:rect l="l" t="t" r="r" b="b"/>
+              <a:pathLst>
+                <a:path w="3007349" h="6866467">
+                  <a:moveTo>
+                    <a:pt x="2045532" y="0"/>
+                  </a:moveTo>
+                  <a:lnTo>
+                    <a:pt x="3007349" y="0"/>
+                  </a:lnTo>
+                  <a:lnTo>
+                    <a:pt x="3007349" y="6866467"/>
+                  </a:lnTo>
+                  <a:lnTo>
+                    <a:pt x="0" y="6866467"/>
+                  </a:lnTo>
+                  <a:lnTo>
+                    <a:pt x="2045532" y="0"/>
+                  </a:lnTo>
+                  <a:close/>
+                </a:path>
+              </a:pathLst>
+            </a:custGeom>
+            <a:solidFill>
+              <a:schemeClr val="accent1">
+                <a:alpha val="30000"/>
+              </a:schemeClr>
+            </a:solidFill>
+            <a:ln>
+              <a:noFill/>
+            </a:ln>
+            <a:effectLst/>
+          </p:spPr>
+          <p:style>
+            <a:lnRef idx="1">
+              <a:schemeClr val="accent1"/>
+            </a:lnRef>
+            <a:fillRef idx="3">
+              <a:schemeClr val="accent1"/>
+            </a:fillRef>
+            <a:effectRef idx="2">
+              <a:schemeClr val="accent1"/>
+            </a:effectRef>
+            <a:fontRef idx="minor">
+              <a:schemeClr val="lt1"/>
+            </a:fontRef>
+          </p:style>
+        </p:sp>
+        <p:sp>
+          <p:nvSpPr>
+            <p:cNvPr id="23" name="Rectangle 25"/>
+            <p:cNvSpPr/>
+            <p:nvPr/>
+          </p:nvSpPr>
+          <p:spPr>
+            <a:xfrm>
+              <a:off x="9603442" y="-8467"/>
+              <a:ext cx="2588558" cy="6866467"/>
+            </a:xfrm>
+            <a:custGeom>
+              <a:avLst/>
+              <a:gdLst/>
+              <a:ahLst/>
+              <a:cxnLst/>
+              <a:rect l="l" t="t" r="r" b="b"/>
+              <a:pathLst>
+                <a:path w="2573311" h="6866467">
+                  <a:moveTo>
+                    <a:pt x="0" y="0"/>
+                  </a:moveTo>
+                  <a:lnTo>
+                    <a:pt x="2573311" y="0"/>
+                  </a:lnTo>
+                  <a:lnTo>
+                    <a:pt x="2573311" y="6866467"/>
+                  </a:lnTo>
+                  <a:lnTo>
+                    <a:pt x="1202336" y="6866467"/>
+                  </a:lnTo>
+                  <a:lnTo>
+                    <a:pt x="0" y="0"/>
+                  </a:lnTo>
+                  <a:close/>
+                </a:path>
+              </a:pathLst>
+            </a:custGeom>
+            <a:solidFill>
+              <a:schemeClr val="accent1">
+                <a:alpha val="20000"/>
+              </a:schemeClr>
+            </a:solidFill>
+            <a:ln>
+              <a:noFill/>
+            </a:ln>
+            <a:effectLst/>
+          </p:spPr>
+          <p:style>
+            <a:lnRef idx="1">
+              <a:schemeClr val="accent1"/>
+            </a:lnRef>
+            <a:fillRef idx="3">
+              <a:schemeClr val="accent1"/>
+            </a:fillRef>
+            <a:effectRef idx="2">
+              <a:schemeClr val="accent1"/>
+            </a:effectRef>
+            <a:fontRef idx="minor">
+              <a:schemeClr val="lt1"/>
+            </a:fontRef>
+          </p:style>
+        </p:sp>
+        <p:sp>
+          <p:nvSpPr>
+            <p:cNvPr id="24" name="Isosceles Triangle 23"/>
+            <p:cNvSpPr/>
+            <p:nvPr/>
+          </p:nvSpPr>
+          <p:spPr>
+            <a:xfrm>
+              <a:off x="8932333" y="3048000"/>
+              <a:ext cx="3259667" cy="3810000"/>
+            </a:xfrm>
+            <a:prstGeom prst="triangle">
+              <a:avLst>
+                <a:gd name="adj" fmla="val 100000"/>
+              </a:avLst>
+            </a:prstGeom>
+            <a:solidFill>
+              <a:schemeClr val="accent2">
+                <a:alpha val="72000"/>
+              </a:schemeClr>
+            </a:solidFill>
+            <a:ln>
+              <a:noFill/>
+            </a:ln>
+            <a:effectLst/>
+          </p:spPr>
+          <p:style>
+            <a:lnRef idx="1">
+              <a:schemeClr val="accent1"/>
+            </a:lnRef>
+            <a:fillRef idx="3">
+              <a:schemeClr val="accent1"/>
+            </a:fillRef>
+            <a:effectRef idx="2">
+              <a:schemeClr val="accent1"/>
+            </a:effectRef>
+            <a:fontRef idx="minor">
+              <a:schemeClr val="lt1"/>
+            </a:fontRef>
+          </p:style>
+        </p:sp>
+        <p:sp>
+          <p:nvSpPr>
+            <p:cNvPr id="25" name="Rectangle 27"/>
+            <p:cNvSpPr/>
+            <p:nvPr/>
+          </p:nvSpPr>
+          <p:spPr>
+            <a:xfrm>
+              <a:off x="9334500" y="-8467"/>
+              <a:ext cx="2854326" cy="6866467"/>
+            </a:xfrm>
+            <a:custGeom>
+              <a:avLst/>
+              <a:gdLst/>
+              <a:ahLst/>
+              <a:cxnLst/>
+              <a:rect l="l" t="t" r="r" b="b"/>
+              <a:pathLst>
+                <a:path w="2858013" h="6866467">
+                  <a:moveTo>
+                    <a:pt x="0" y="0"/>
+                  </a:moveTo>
+                  <a:lnTo>
+                    <a:pt x="2858013" y="0"/>
+                  </a:lnTo>
+                  <a:lnTo>
+                    <a:pt x="2858013" y="6866467"/>
+                  </a:lnTo>
+                  <a:lnTo>
+                    <a:pt x="2473942" y="6866467"/>
+                  </a:lnTo>
+                  <a:lnTo>
+                    <a:pt x="0" y="0"/>
+                  </a:lnTo>
+                  <a:close/>
+                </a:path>
+              </a:pathLst>
+            </a:custGeom>
+            <a:solidFill>
+              <a:schemeClr val="accent2">
+                <a:lumMod val="75000"/>
+                <a:alpha val="70000"/>
+              </a:schemeClr>
+            </a:solidFill>
+            <a:ln>
+              <a:noFill/>
+            </a:ln>
+            <a:effectLst/>
+          </p:spPr>
+          <p:style>
+            <a:lnRef idx="1">
+              <a:schemeClr val="accent1"/>
+            </a:lnRef>
+            <a:fillRef idx="3">
+              <a:schemeClr val="accent1"/>
+            </a:fillRef>
+            <a:effectRef idx="2">
+              <a:schemeClr val="accent1"/>
+            </a:effectRef>
+            <a:fontRef idx="minor">
+              <a:schemeClr val="lt1"/>
+            </a:fontRef>
+          </p:style>
+        </p:sp>
+        <p:sp>
+          <p:nvSpPr>
+            <p:cNvPr id="26" name="Rectangle 28"/>
+            <p:cNvSpPr/>
+            <p:nvPr/>
+          </p:nvSpPr>
+          <p:spPr>
+            <a:xfrm>
+              <a:off x="10898730" y="-8467"/>
+              <a:ext cx="1290094" cy="6866467"/>
+            </a:xfrm>
+            <a:custGeom>
+              <a:avLst/>
+              <a:gdLst/>
+              <a:ahLst/>
+              <a:cxnLst/>
+              <a:rect l="l" t="t" r="r" b="b"/>
+              <a:pathLst>
+                <a:path w="1290094" h="6858000">
+                  <a:moveTo>
+                    <a:pt x="1019735" y="0"/>
+                  </a:moveTo>
+                  <a:lnTo>
+                    <a:pt x="1290094" y="0"/>
+                  </a:lnTo>
+                  <a:lnTo>
+                    <a:pt x="1290094" y="6858000"/>
+                  </a:lnTo>
+                  <a:lnTo>
+                    <a:pt x="0" y="6858000"/>
+                  </a:lnTo>
+                  <a:lnTo>
+                    <a:pt x="1019735" y="0"/>
+                  </a:lnTo>
+                  <a:close/>
+                </a:path>
+              </a:pathLst>
+            </a:custGeom>
+            <a:solidFill>
+              <a:schemeClr val="accent1">
+                <a:lumMod val="60000"/>
+                <a:lumOff val="40000"/>
+                <a:alpha val="70000"/>
+              </a:schemeClr>
+            </a:solidFill>
+            <a:ln>
+              <a:noFill/>
+            </a:ln>
+            <a:effectLst/>
+          </p:spPr>
+          <p:style>
+            <a:lnRef idx="1">
+              <a:schemeClr val="accent1"/>
+            </a:lnRef>
+            <a:fillRef idx="3">
+              <a:schemeClr val="accent1"/>
+            </a:fillRef>
+            <a:effectRef idx="2">
+              <a:schemeClr val="accent1"/>
+            </a:effectRef>
+            <a:fontRef idx="minor">
+              <a:schemeClr val="lt1"/>
+            </a:fontRef>
+          </p:style>
+        </p:sp>
+        <p:sp>
+          <p:nvSpPr>
+            <p:cNvPr id="27" name="Rectangle 29"/>
+            <p:cNvSpPr/>
+            <p:nvPr/>
+          </p:nvSpPr>
+          <p:spPr>
+            <a:xfrm>
+              <a:off x="10938999" y="-8467"/>
+              <a:ext cx="1249825" cy="6866467"/>
+            </a:xfrm>
+            <a:custGeom>
+              <a:avLst/>
+              <a:gdLst/>
+              <a:ahLst/>
+              <a:cxnLst/>
+              <a:rect l="l" t="t" r="r" b="b"/>
+              <a:pathLst>
+                <a:path w="1249825" h="6858000">
+                  <a:moveTo>
+                    <a:pt x="0" y="0"/>
+                  </a:moveTo>
+                  <a:lnTo>
+                    <a:pt x="1249825" y="0"/>
+                  </a:lnTo>
+                  <a:lnTo>
+                    <a:pt x="1249825" y="6858000"/>
+                  </a:lnTo>
+                  <a:lnTo>
+                    <a:pt x="1109382" y="6858000"/>
+                  </a:lnTo>
+                  <a:lnTo>
+                    <a:pt x="0" y="0"/>
+                  </a:lnTo>
+                  <a:close/>
+                </a:path>
+              </a:pathLst>
+            </a:custGeom>
+            <a:solidFill>
+              <a:schemeClr val="accent1">
+                <a:alpha val="65000"/>
+              </a:schemeClr>
+            </a:solidFill>
+            <a:ln>
+              <a:noFill/>
+            </a:ln>
+            <a:effectLst/>
+          </p:spPr>
+          <p:style>
+            <a:lnRef idx="1">
+              <a:schemeClr val="accent1"/>
+            </a:lnRef>
+            <a:fillRef idx="3">
+              <a:schemeClr val="accent1"/>
+            </a:fillRef>
+            <a:effectRef idx="2">
+              <a:schemeClr val="accent1"/>
+            </a:effectRef>
+            <a:fontRef idx="minor">
+              <a:schemeClr val="lt1"/>
+            </a:fontRef>
+          </p:style>
+        </p:sp>
+        <p:sp>
+          <p:nvSpPr>
+            <p:cNvPr id="28" name="Isosceles Triangle 27"/>
+            <p:cNvSpPr/>
+            <p:nvPr/>
+          </p:nvSpPr>
+          <p:spPr>
+            <a:xfrm>
+              <a:off x="10371666" y="3589867"/>
+              <a:ext cx="1817159" cy="3268133"/>
+            </a:xfrm>
+            <a:prstGeom prst="triangle">
+              <a:avLst>
+                <a:gd name="adj" fmla="val 100000"/>
+              </a:avLst>
+            </a:prstGeom>
+            <a:solidFill>
+              <a:schemeClr val="accent1">
+                <a:alpha val="80000"/>
+              </a:schemeClr>
+            </a:solidFill>
+            <a:ln>
+              <a:noFill/>
+            </a:ln>
+            <a:effectLst/>
+          </p:spPr>
+          <p:style>
+            <a:lnRef idx="1">
+              <a:schemeClr val="accent1"/>
+            </a:lnRef>
+            <a:fillRef idx="3">
+              <a:schemeClr val="accent1"/>
+            </a:fillRef>
+            <a:effectRef idx="2">
+              <a:schemeClr val="accent1"/>
+            </a:effectRef>
+            <a:fontRef idx="minor">
+              <a:schemeClr val="lt1"/>
+            </a:fontRef>
+          </p:style>
+        </p:sp>
+        <p:sp>
+          <p:nvSpPr>
+            <p:cNvPr id="29" name="Isosceles Triangle 28"/>
+            <p:cNvSpPr/>
+            <p:nvPr/>
+          </p:nvSpPr>
+          <p:spPr>
+            <a:xfrm>
+              <a:off x="0" y="4013200"/>
+              <a:ext cx="448733" cy="2844800"/>
+            </a:xfrm>
+            <a:prstGeom prst="triangle">
+              <a:avLst>
+                <a:gd name="adj" fmla="val 0"/>
+              </a:avLst>
+            </a:prstGeom>
+            <a:solidFill>
+              <a:schemeClr val="accent1">
+                <a:alpha val="85000"/>
+              </a:schemeClr>
+            </a:solidFill>
+            <a:ln>
+              <a:noFill/>
+            </a:ln>
+            <a:effectLst/>
+          </p:spPr>
+          <p:style>
+            <a:lnRef idx="1">
+              <a:schemeClr val="accent1"/>
+            </a:lnRef>
+            <a:fillRef idx="3">
+              <a:schemeClr val="accent1"/>
+            </a:fillRef>
+            <a:effectRef idx="2">
+              <a:schemeClr val="accent1"/>
+            </a:effectRef>
+            <a:fontRef idx="minor">
+              <a:schemeClr val="lt1"/>
+            </a:fontRef>
+          </p:style>
+        </p:sp>
+      </p:grpSp>
       <p:sp>
         <p:nvSpPr>
           <p:cNvPr id="2" name="Title Placeholder 1"/>
@@ -3288,21 +5197,21 @@
         </p:nvSpPr>
         <p:spPr>
           <a:xfrm>
-            <a:off x="1069848" y="484632"/>
-            <a:ext cx="10058400" cy="1609344"/>
+            <a:off x="677334" y="609600"/>
+            <a:ext cx="8596668" cy="1320800"/>
           </a:xfrm>
           <a:prstGeom prst="rect">
             <a:avLst/>
           </a:prstGeom>
         </p:spPr>
         <p:txBody>
-          <a:bodyPr vert="horz" lIns="91440" tIns="45720" rIns="91440" bIns="45720" rtlCol="0" anchor="ctr">
+          <a:bodyPr vert="horz" lIns="91440" tIns="45720" rIns="91440" bIns="45720" rtlCol="0" anchor="t">
             <a:normAutofit/>
           </a:bodyPr>
           <a:lstStyle/>
           <a:p>
             <a:r>
-              <a:rPr lang="en-US" smtClean="0"/>
+              <a:rPr lang="en-US"/>
               <a:t>Click to edit Master title style</a:t>
             </a:r>
             <a:endParaRPr lang="en-US" dirty="0"/>
@@ -3321,8 +5230,8 @@
         </p:nvSpPr>
         <p:spPr>
           <a:xfrm>
-            <a:off x="1069848" y="2121408"/>
-            <a:ext cx="10058400" cy="4050792"/>
+            <a:off x="677334" y="2160589"/>
+            <a:ext cx="8596668" cy="3880773"/>
           </a:xfrm>
           <a:prstGeom prst="rect">
             <a:avLst/>
@@ -3336,35 +5245,35 @@
           <a:p>
             <a:pPr lvl="0"/>
             <a:r>
-              <a:rPr lang="en-US" smtClean="0"/>
-              <a:t>Click to edit Master text styles</a:t>
+              <a:rPr lang="en-US"/>
+              <a:t>Edit Master text styles</a:t>
             </a:r>
           </a:p>
           <a:p>
             <a:pPr lvl="1"/>
             <a:r>
-              <a:rPr lang="en-US" smtClean="0"/>
+              <a:rPr lang="en-US"/>
               <a:t>Second level</a:t>
             </a:r>
           </a:p>
           <a:p>
             <a:pPr lvl="2"/>
             <a:r>
-              <a:rPr lang="en-US" smtClean="0"/>
+              <a:rPr lang="en-US"/>
               <a:t>Third level</a:t>
             </a:r>
           </a:p>
           <a:p>
             <a:pPr lvl="3"/>
             <a:r>
-              <a:rPr lang="en-US" smtClean="0"/>
+              <a:rPr lang="en-US"/>
               <a:t>Fourth level</a:t>
             </a:r>
           </a:p>
           <a:p>
             <a:pPr lvl="4"/>
             <a:r>
-              <a:rPr lang="en-US" smtClean="0"/>
+              <a:rPr lang="en-US"/>
               <a:t>Fifth level</a:t>
             </a:r>
             <a:endParaRPr lang="en-US" dirty="0"/>
@@ -3383,8 +5292,8 @@
         </p:nvSpPr>
         <p:spPr>
           <a:xfrm>
-            <a:off x="7964424" y="6272784"/>
-            <a:ext cx="3273552" cy="365125"/>
+            <a:off x="7205133" y="6041362"/>
+            <a:ext cx="911939" cy="365125"/>
           </a:xfrm>
           <a:prstGeom prst="rect">
             <a:avLst/>
@@ -3394,19 +5303,21 @@
           <a:bodyPr vert="horz" lIns="91440" tIns="45720" rIns="91440" bIns="45720" rtlCol="0" anchor="ctr"/>
           <a:lstStyle>
             <a:lvl1pPr algn="r">
-              <a:defRPr sz="1100">
-                <a:solidFill>
-                  <a:schemeClr val="tx2"/>
+              <a:defRPr sz="900">
+                <a:solidFill>
+                  <a:schemeClr val="tx1">
+                    <a:tint val="75000"/>
+                  </a:schemeClr>
                 </a:solidFill>
               </a:defRPr>
             </a:lvl1pPr>
           </a:lstStyle>
           <a:p>
-            <a:fld id="{648A1663-7765-4EF4-B97F-A02E70C6265E}" type="datetimeFigureOut">
-              <a:rPr lang="en-US" dirty="0"/>
-              <a:t>8/25/2016</a:t>
+            <a:fld id="{339FB409-115C-4464-AA6D-93239CC4DCC2}" type="datetimeFigureOut">
+              <a:rPr lang="en-US" smtClean="0"/>
+              <a:t>7/19/2018</a:t>
             </a:fld>
-            <a:endParaRPr lang="en-US" dirty="0"/>
+            <a:endParaRPr lang="en-US"/>
           </a:p>
         </p:txBody>
       </p:sp>
@@ -3422,8 +5333,8 @@
         </p:nvSpPr>
         <p:spPr>
           <a:xfrm>
-            <a:off x="1088136" y="6272784"/>
-            <a:ext cx="6327648" cy="365125"/>
+            <a:off x="677334" y="6041362"/>
+            <a:ext cx="6297612" cy="365125"/>
           </a:xfrm>
           <a:prstGeom prst="rect">
             <a:avLst/>
@@ -3433,107 +5344,20 @@
           <a:bodyPr vert="horz" lIns="91440" tIns="45720" rIns="91440" bIns="45720" rtlCol="0" anchor="ctr"/>
           <a:lstStyle>
             <a:lvl1pPr algn="l">
-              <a:defRPr sz="1100">
-                <a:solidFill>
-                  <a:schemeClr val="tx2"/>
+              <a:defRPr sz="900">
+                <a:solidFill>
+                  <a:schemeClr val="tx1">
+                    <a:tint val="75000"/>
+                  </a:schemeClr>
                 </a:solidFill>
               </a:defRPr>
             </a:lvl1pPr>
           </a:lstStyle>
           <a:p>
-            <a:endParaRPr lang="en-US" dirty="0"/>
-          </a:p>
-        </p:txBody>
-      </p:sp>
-      <p:grpSp>
-        <p:nvGrpSpPr>
-          <p:cNvPr id="7" name="Group 6"/>
-          <p:cNvGrpSpPr>
-            <a:grpSpLocks noChangeAspect="1"/>
-          </p:cNvGrpSpPr>
-          <p:nvPr/>
-        </p:nvGrpSpPr>
-        <p:grpSpPr>
-          <a:xfrm>
-            <a:off x="11401725" y="6229681"/>
-            <a:ext cx="457200" cy="457200"/>
-            <a:chOff x="11361456" y="6195813"/>
-            <a:chExt cx="548640" cy="548640"/>
-          </a:xfrm>
-        </p:grpSpPr>
-        <p:sp>
-          <p:nvSpPr>
-            <p:cNvPr id="8" name="Oval 7"/>
-            <p:cNvSpPr/>
-            <p:nvPr/>
-          </p:nvSpPr>
-          <p:spPr>
-            <a:xfrm>
-              <a:off x="11361456" y="6195813"/>
-              <a:ext cx="548640" cy="548640"/>
-            </a:xfrm>
-            <a:prstGeom prst="ellipse">
-              <a:avLst/>
-            </a:prstGeom>
-            <a:blipFill dpi="0" rotWithShape="1">
-              <a:blip r:embed="rId13">
-                <a:duotone>
-                  <a:schemeClr val="accent1">
-                    <a:shade val="45000"/>
-                    <a:satMod val="135000"/>
-                  </a:schemeClr>
-                  <a:prstClr val="white"/>
-                </a:duotone>
-                <a:extLst>
-                  <a:ext uri="{BEBA8EAE-BF5A-486C-A8C5-ECC9F3942E4B}">
-                    <a14:imgProps xmlns:a14="http://schemas.microsoft.com/office/drawing/2010/main">
-                      <a14:imgLayer r:embed="rId14">
-                        <a14:imgEffect>
-                          <a14:saturation sat="95000"/>
-                        </a14:imgEffect>
-                        <a14:imgEffect>
-                          <a14:brightnessContrast bright="-40000" contrast="20000"/>
-                        </a14:imgEffect>
-                      </a14:imgLayer>
-                    </a14:imgProps>
-                  </a:ext>
-                </a:extLst>
-              </a:blip>
-              <a:srcRect/>
-              <a:tile tx="50800" ty="0" sx="85000" sy="85000" flip="none" algn="tl"/>
-            </a:blipFill>
-            <a:ln w="25400" cap="flat" cmpd="sng" algn="ctr">
-              <a:noFill/>
-              <a:prstDash val="solid"/>
-            </a:ln>
-            <a:effectLst/>
-          </p:spPr>
-        </p:sp>
-        <p:sp>
-          <p:nvSpPr>
-            <p:cNvPr id="9" name="Oval 8"/>
-            <p:cNvSpPr/>
-            <p:nvPr/>
-          </p:nvSpPr>
-          <p:spPr>
-            <a:xfrm>
-              <a:off x="11396488" y="6230844"/>
-              <a:ext cx="478576" cy="478578"/>
-            </a:xfrm>
-            <a:prstGeom prst="ellipse">
-              <a:avLst/>
-            </a:prstGeom>
-            <a:noFill/>
-            <a:ln w="12700" cap="flat" cmpd="sng" algn="ctr">
-              <a:solidFill>
-                <a:srgbClr val="FFFFFF"/>
-              </a:solidFill>
-              <a:prstDash val="solid"/>
-            </a:ln>
-            <a:effectLst/>
-          </p:spPr>
-        </p:sp>
-      </p:grpSp>
+            <a:endParaRPr lang="en-US"/>
+          </a:p>
+        </p:txBody>
+      </p:sp>
       <p:sp>
         <p:nvSpPr>
           <p:cNvPr id="6" name="Slide Number Placeholder 5"/>
@@ -3546,8 +5370,8 @@
         </p:nvSpPr>
         <p:spPr>
           <a:xfrm>
-            <a:off x="11311128" y="6272784"/>
-            <a:ext cx="640080" cy="365125"/>
+            <a:off x="8590663" y="6041362"/>
+            <a:ext cx="683339" cy="365125"/>
           </a:xfrm>
           <a:prstGeom prst="rect">
             <a:avLst/>
@@ -3556,304 +5380,342 @@
         <p:txBody>
           <a:bodyPr vert="horz" lIns="91440" tIns="45720" rIns="91440" bIns="45720" rtlCol="0" anchor="ctr"/>
           <a:lstStyle>
-            <a:lvl1pPr algn="ctr">
-              <a:defRPr sz="1400" b="0">
-                <a:solidFill>
-                  <a:srgbClr val="FFFFFF"/>
-                </a:solidFill>
-                <a:latin typeface="+mj-lt"/>
+            <a:lvl1pPr algn="r">
+              <a:defRPr sz="900">
+                <a:solidFill>
+                  <a:schemeClr val="accent1"/>
+                </a:solidFill>
               </a:defRPr>
             </a:lvl1pPr>
           </a:lstStyle>
           <a:p>
-            <a:fld id="{4FAB73BC-B049-4115-A692-8D63A059BFB8}" type="slidenum">
-              <a:rPr lang="en-US" dirty="0"/>
-              <a:pPr/>
+            <a:fld id="{A05AF791-2039-4BAA-99CD-758C1B975E09}" type="slidenum">
+              <a:rPr lang="en-US" smtClean="0"/>
               <a:t>‹#›</a:t>
             </a:fld>
-            <a:endParaRPr lang="en-US" dirty="0"/>
+            <a:endParaRPr lang="en-US"/>
           </a:p>
         </p:txBody>
       </p:sp>
     </p:spTree>
+    <p:extLst>
+      <p:ext uri="{BB962C8B-B14F-4D97-AF65-F5344CB8AC3E}">
+        <p14:creationId xmlns:p14="http://schemas.microsoft.com/office/powerpoint/2010/main" val="162227190"/>
+      </p:ext>
+    </p:extLst>
   </p:cSld>
   <p:clrMap bg1="lt1" tx1="dk1" bg2="lt2" tx2="dk2" accent1="accent1" accent2="accent2" accent3="accent3" accent4="accent4" accent5="accent5" accent6="accent6" hlink="hlink" folHlink="folHlink"/>
   <p:sldLayoutIdLst>
-    <p:sldLayoutId id="2147483841" r:id="rId1"/>
-    <p:sldLayoutId id="2147483842" r:id="rId2"/>
-    <p:sldLayoutId id="2147483843" r:id="rId3"/>
-    <p:sldLayoutId id="2147483844" r:id="rId4"/>
-    <p:sldLayoutId id="2147483845" r:id="rId5"/>
-    <p:sldLayoutId id="2147483846" r:id="rId6"/>
-    <p:sldLayoutId id="2147483847" r:id="rId7"/>
-    <p:sldLayoutId id="2147483848" r:id="rId8"/>
-    <p:sldLayoutId id="2147483849" r:id="rId9"/>
-    <p:sldLayoutId id="2147483850" r:id="rId10"/>
-    <p:sldLayoutId id="2147483851" r:id="rId11"/>
+    <p:sldLayoutId id="2147483661" r:id="rId1"/>
+    <p:sldLayoutId id="2147483662" r:id="rId2"/>
+    <p:sldLayoutId id="2147483663" r:id="rId3"/>
+    <p:sldLayoutId id="2147483664" r:id="rId4"/>
+    <p:sldLayoutId id="2147483665" r:id="rId5"/>
+    <p:sldLayoutId id="2147483666" r:id="rId6"/>
+    <p:sldLayoutId id="2147483667" r:id="rId7"/>
+    <p:sldLayoutId id="2147483668" r:id="rId8"/>
+    <p:sldLayoutId id="2147483669" r:id="rId9"/>
+    <p:sldLayoutId id="2147483670" r:id="rId10"/>
+    <p:sldLayoutId id="2147483671" r:id="rId11"/>
+    <p:sldLayoutId id="2147483672" r:id="rId12"/>
+    <p:sldLayoutId id="2147483673" r:id="rId13"/>
+    <p:sldLayoutId id="2147483674" r:id="rId14"/>
+    <p:sldLayoutId id="2147483675" r:id="rId15"/>
+    <p:sldLayoutId id="2147483676" r:id="rId16"/>
   </p:sldLayoutIdLst>
-  <p:hf sldNum="0" hdr="0" ftr="0" dt="0"/>
   <p:txStyles>
     <p:titleStyle>
-      <a:lvl1pPr algn="l" defTabSz="914400" rtl="0" eaLnBrk="1" latinLnBrk="0" hangingPunct="1">
-        <a:lnSpc>
-          <a:spcPct val="90000"/>
-        </a:lnSpc>
+      <a:lvl1pPr algn="l" defTabSz="457200" rtl="0" eaLnBrk="1" latinLnBrk="0" hangingPunct="1">
         <a:spcBef>
           <a:spcPct val="0"/>
         </a:spcBef>
         <a:buNone/>
-        <a:defRPr sz="4800" kern="1200" cap="none" baseline="0">
-          <a:blipFill>
-            <a:blip r:embed="rId15">
-              <a:extLst>
-                <a:ext uri="{28A0092B-C50C-407E-A947-70E740481C1C}">
-                  <a14:useLocalDpi xmlns:a14="http://schemas.microsoft.com/office/drawing/2010/main" val="0"/>
-                </a:ext>
-              </a:extLst>
-            </a:blip>
-            <a:tile tx="6350" ty="-127000" sx="65000" sy="64000" flip="none" algn="tl"/>
-          </a:blipFill>
+        <a:defRPr sz="3600" kern="1200">
+          <a:solidFill>
+            <a:schemeClr val="accent1"/>
+          </a:solidFill>
           <a:latin typeface="+mj-lt"/>
           <a:ea typeface="+mj-ea"/>
           <a:cs typeface="+mj-cs"/>
         </a:defRPr>
       </a:lvl1pPr>
+      <a:lvl2pPr eaLnBrk="1" hangingPunct="1">
+        <a:defRPr>
+          <a:solidFill>
+            <a:schemeClr val="tx2"/>
+          </a:solidFill>
+        </a:defRPr>
+      </a:lvl2pPr>
+      <a:lvl3pPr eaLnBrk="1" hangingPunct="1">
+        <a:defRPr>
+          <a:solidFill>
+            <a:schemeClr val="tx2"/>
+          </a:solidFill>
+        </a:defRPr>
+      </a:lvl3pPr>
+      <a:lvl4pPr eaLnBrk="1" hangingPunct="1">
+        <a:defRPr>
+          <a:solidFill>
+            <a:schemeClr val="tx2"/>
+          </a:solidFill>
+        </a:defRPr>
+      </a:lvl4pPr>
+      <a:lvl5pPr eaLnBrk="1" hangingPunct="1">
+        <a:defRPr>
+          <a:solidFill>
+            <a:schemeClr val="tx2"/>
+          </a:solidFill>
+        </a:defRPr>
+      </a:lvl5pPr>
+      <a:lvl6pPr eaLnBrk="1" hangingPunct="1">
+        <a:defRPr>
+          <a:solidFill>
+            <a:schemeClr val="tx2"/>
+          </a:solidFill>
+        </a:defRPr>
+      </a:lvl6pPr>
+      <a:lvl7pPr eaLnBrk="1" hangingPunct="1">
+        <a:defRPr>
+          <a:solidFill>
+            <a:schemeClr val="tx2"/>
+          </a:solidFill>
+        </a:defRPr>
+      </a:lvl7pPr>
+      <a:lvl8pPr eaLnBrk="1" hangingPunct="1">
+        <a:defRPr>
+          <a:solidFill>
+            <a:schemeClr val="tx2"/>
+          </a:solidFill>
+        </a:defRPr>
+      </a:lvl8pPr>
+      <a:lvl9pPr eaLnBrk="1" hangingPunct="1">
+        <a:defRPr>
+          <a:solidFill>
+            <a:schemeClr val="tx2"/>
+          </a:solidFill>
+        </a:defRPr>
+      </a:lvl9pPr>
     </p:titleStyle>
     <p:bodyStyle>
-      <a:lvl1pPr marL="182880" indent="-182880" algn="l" defTabSz="914400" rtl="0" eaLnBrk="1" latinLnBrk="0" hangingPunct="1">
-        <a:lnSpc>
-          <a:spcPct val="90000"/>
-        </a:lnSpc>
+      <a:lvl1pPr marL="342900" indent="-342900" algn="l" defTabSz="457200" rtl="0" eaLnBrk="1" latinLnBrk="0" hangingPunct="1">
         <a:spcBef>
-          <a:spcPts val="1200"/>
+          <a:spcPts val="1000"/>
         </a:spcBef>
+        <a:spcAft>
+          <a:spcPts val="0"/>
+        </a:spcAft>
         <a:buClr>
-          <a:schemeClr val="accent1">
-            <a:lumMod val="75000"/>
-          </a:schemeClr>
+          <a:schemeClr val="accent1"/>
         </a:buClr>
-        <a:buSzPct val="85000"/>
-        <a:buFont typeface="Wingdings" pitchFamily="2" charset="2"/>
-        <a:buChar char="§"/>
-        <a:defRPr sz="2000" kern="1200">
+        <a:buSzPct val="80000"/>
+        <a:buFont typeface="Wingdings 3" charset="2"/>
+        <a:buChar char=""/>
+        <a:defRPr sz="1800" kern="1200">
           <a:solidFill>
-            <a:schemeClr val="tx1"/>
+            <a:schemeClr val="tx1">
+              <a:lumMod val="75000"/>
+              <a:lumOff val="25000"/>
+            </a:schemeClr>
           </a:solidFill>
           <a:latin typeface="+mn-lt"/>
           <a:ea typeface="+mn-ea"/>
           <a:cs typeface="+mn-cs"/>
         </a:defRPr>
       </a:lvl1pPr>
-      <a:lvl2pPr marL="457200" indent="-182880" algn="l" defTabSz="914400" rtl="0" eaLnBrk="1" latinLnBrk="0" hangingPunct="1">
-        <a:lnSpc>
-          <a:spcPct val="90000"/>
-        </a:lnSpc>
+      <a:lvl2pPr marL="742950" indent="-285750" algn="l" defTabSz="457200" rtl="0" eaLnBrk="1" latinLnBrk="0" hangingPunct="1">
         <a:spcBef>
-          <a:spcPts val="400"/>
+          <a:spcPts val="1000"/>
         </a:spcBef>
         <a:spcAft>
-          <a:spcPts val="200"/>
+          <a:spcPts val="0"/>
         </a:spcAft>
         <a:buClr>
-          <a:schemeClr val="accent1">
-            <a:lumMod val="75000"/>
-          </a:schemeClr>
+          <a:schemeClr val="accent1"/>
         </a:buClr>
-        <a:buSzPct val="85000"/>
-        <a:buFont typeface="Wingdings" pitchFamily="2" charset="2"/>
-        <a:buChar char="§"/>
-        <a:defRPr sz="1800" kern="1200">
+        <a:buSzPct val="80000"/>
+        <a:buFont typeface="Wingdings 3" charset="2"/>
+        <a:buChar char=""/>
+        <a:defRPr sz="1600" kern="1200">
           <a:solidFill>
-            <a:schemeClr val="tx1"/>
+            <a:schemeClr val="tx1">
+              <a:lumMod val="75000"/>
+              <a:lumOff val="25000"/>
+            </a:schemeClr>
           </a:solidFill>
           <a:latin typeface="+mn-lt"/>
           <a:ea typeface="+mn-ea"/>
           <a:cs typeface="+mn-cs"/>
         </a:defRPr>
       </a:lvl2pPr>
-      <a:lvl3pPr marL="731520" indent="-182880" algn="l" defTabSz="914400" rtl="0" eaLnBrk="1" latinLnBrk="0" hangingPunct="1">
-        <a:lnSpc>
-          <a:spcPct val="90000"/>
-        </a:lnSpc>
+      <a:lvl3pPr marL="1143000" indent="-228600" algn="l" defTabSz="457200" rtl="0" eaLnBrk="1" latinLnBrk="0" hangingPunct="1">
         <a:spcBef>
-          <a:spcPts val="400"/>
+          <a:spcPts val="1000"/>
         </a:spcBef>
         <a:spcAft>
-          <a:spcPts val="200"/>
+          <a:spcPts val="0"/>
         </a:spcAft>
         <a:buClr>
-          <a:schemeClr val="accent1">
-            <a:lumMod val="75000"/>
-          </a:schemeClr>
+          <a:schemeClr val="accent1"/>
         </a:buClr>
-        <a:buSzPct val="85000"/>
-        <a:buFont typeface="Wingdings" pitchFamily="2" charset="2"/>
-        <a:buChar char="§"/>
-        <a:defRPr sz="1600" kern="1200">
+        <a:buSzPct val="80000"/>
+        <a:buFont typeface="Wingdings 3" charset="2"/>
+        <a:buChar char=""/>
+        <a:defRPr sz="1400" kern="1200">
           <a:solidFill>
-            <a:schemeClr val="tx1"/>
+            <a:schemeClr val="tx1">
+              <a:lumMod val="75000"/>
+              <a:lumOff val="25000"/>
+            </a:schemeClr>
           </a:solidFill>
           <a:latin typeface="+mn-lt"/>
           <a:ea typeface="+mn-ea"/>
           <a:cs typeface="+mn-cs"/>
         </a:defRPr>
       </a:lvl3pPr>
-      <a:lvl4pPr marL="1005840" indent="-182880" algn="l" defTabSz="914400" rtl="0" eaLnBrk="1" latinLnBrk="0" hangingPunct="1">
-        <a:lnSpc>
-          <a:spcPct val="90000"/>
-        </a:lnSpc>
+      <a:lvl4pPr marL="1600200" indent="-228600" algn="l" defTabSz="457200" rtl="0" eaLnBrk="1" latinLnBrk="0" hangingPunct="1">
         <a:spcBef>
-          <a:spcPts val="400"/>
+          <a:spcPts val="1000"/>
         </a:spcBef>
         <a:spcAft>
-          <a:spcPts val="200"/>
+          <a:spcPts val="0"/>
         </a:spcAft>
         <a:buClr>
-          <a:schemeClr val="accent1">
-            <a:lumMod val="75000"/>
-          </a:schemeClr>
+          <a:schemeClr val="accent1"/>
         </a:buClr>
-        <a:buSzPct val="85000"/>
-        <a:buFont typeface="Wingdings" pitchFamily="2" charset="2"/>
-        <a:buChar char="§"/>
-        <a:defRPr sz="1600" kern="1200">
+        <a:buSzPct val="80000"/>
+        <a:buFont typeface="Wingdings 3" charset="2"/>
+        <a:buChar char=""/>
+        <a:defRPr sz="1200" kern="1200">
           <a:solidFill>
-            <a:schemeClr val="tx1"/>
+            <a:schemeClr val="tx1">
+              <a:lumMod val="75000"/>
+              <a:lumOff val="25000"/>
+            </a:schemeClr>
           </a:solidFill>
           <a:latin typeface="+mn-lt"/>
           <a:ea typeface="+mn-ea"/>
           <a:cs typeface="+mn-cs"/>
         </a:defRPr>
       </a:lvl4pPr>
-      <a:lvl5pPr marL="1280160" indent="-182880" algn="l" defTabSz="914400" rtl="0" eaLnBrk="1" latinLnBrk="0" hangingPunct="1">
-        <a:lnSpc>
-          <a:spcPct val="90000"/>
-        </a:lnSpc>
+      <a:lvl5pPr marL="2057400" indent="-228600" algn="l" defTabSz="457200" rtl="0" eaLnBrk="1" latinLnBrk="0" hangingPunct="1">
         <a:spcBef>
-          <a:spcPts val="400"/>
+          <a:spcPts val="1000"/>
         </a:spcBef>
         <a:spcAft>
-          <a:spcPts val="200"/>
+          <a:spcPts val="0"/>
         </a:spcAft>
         <a:buClr>
-          <a:schemeClr val="accent1">
-            <a:lumMod val="75000"/>
-          </a:schemeClr>
+          <a:schemeClr val="accent1"/>
         </a:buClr>
-        <a:buSzPct val="85000"/>
-        <a:buFont typeface="Wingdings" pitchFamily="2" charset="2"/>
-        <a:buChar char="§"/>
-        <a:defRPr sz="1600" kern="1200">
+        <a:buSzPct val="80000"/>
+        <a:buFont typeface="Wingdings 3" charset="2"/>
+        <a:buChar char=""/>
+        <a:defRPr sz="1200" kern="1200">
           <a:solidFill>
-            <a:schemeClr val="tx1"/>
+            <a:schemeClr val="tx1">
+              <a:lumMod val="75000"/>
+              <a:lumOff val="25000"/>
+            </a:schemeClr>
           </a:solidFill>
           <a:latin typeface="+mn-lt"/>
           <a:ea typeface="+mn-ea"/>
           <a:cs typeface="+mn-cs"/>
         </a:defRPr>
       </a:lvl5pPr>
-      <a:lvl6pPr marL="1600000" indent="-228600" algn="l" defTabSz="914400" rtl="0" eaLnBrk="1" latinLnBrk="0" hangingPunct="1">
-        <a:lnSpc>
-          <a:spcPct val="90000"/>
-        </a:lnSpc>
+      <a:lvl6pPr marL="2514600" indent="-228600" algn="l" defTabSz="457200" rtl="0" eaLnBrk="1" latinLnBrk="0" hangingPunct="1">
         <a:spcBef>
-          <a:spcPts val="400"/>
+          <a:spcPts val="1000"/>
         </a:spcBef>
         <a:spcAft>
-          <a:spcPts val="200"/>
+          <a:spcPts val="0"/>
         </a:spcAft>
         <a:buClr>
-          <a:schemeClr val="accent1">
-            <a:lumMod val="75000"/>
-          </a:schemeClr>
+          <a:schemeClr val="accent1"/>
         </a:buClr>
-        <a:buSzPct val="85000"/>
-        <a:buFont typeface="Wingdings" pitchFamily="2" charset="2"/>
-        <a:buChar char="§"/>
-        <a:defRPr sz="1600" kern="1200">
+        <a:buSzPct val="80000"/>
+        <a:buFont typeface="Wingdings 3" charset="2"/>
+        <a:buChar char=""/>
+        <a:defRPr sz="1200" kern="1200">
           <a:solidFill>
-            <a:schemeClr val="tx1"/>
+            <a:schemeClr val="tx1">
+              <a:lumMod val="75000"/>
+              <a:lumOff val="25000"/>
+            </a:schemeClr>
           </a:solidFill>
           <a:latin typeface="+mn-lt"/>
           <a:ea typeface="+mn-ea"/>
           <a:cs typeface="+mn-cs"/>
         </a:defRPr>
       </a:lvl6pPr>
-      <a:lvl7pPr marL="1900000" indent="-228600" algn="l" defTabSz="914400" rtl="0" eaLnBrk="1" latinLnBrk="0" hangingPunct="1">
-        <a:lnSpc>
-          <a:spcPct val="90000"/>
-        </a:lnSpc>
+      <a:lvl7pPr marL="2971800" indent="-228600" algn="l" defTabSz="457200" rtl="0" eaLnBrk="1" latinLnBrk="0" hangingPunct="1">
         <a:spcBef>
-          <a:spcPts val="400"/>
+          <a:spcPts val="1000"/>
         </a:spcBef>
         <a:spcAft>
-          <a:spcPts val="200"/>
+          <a:spcPts val="0"/>
         </a:spcAft>
         <a:buClr>
-          <a:schemeClr val="accent1">
-            <a:lumMod val="75000"/>
-          </a:schemeClr>
+          <a:schemeClr val="accent1"/>
         </a:buClr>
-        <a:buSzPct val="85000"/>
-        <a:buFont typeface="Wingdings" pitchFamily="2" charset="2"/>
-        <a:buChar char="§"/>
-        <a:defRPr sz="1600" kern="1200">
+        <a:buSzPct val="80000"/>
+        <a:buFont typeface="Wingdings 3" charset="2"/>
+        <a:buChar char=""/>
+        <a:defRPr sz="1200" kern="1200">
           <a:solidFill>
-            <a:schemeClr val="tx1"/>
+            <a:schemeClr val="tx1">
+              <a:lumMod val="75000"/>
+              <a:lumOff val="25000"/>
+            </a:schemeClr>
           </a:solidFill>
           <a:latin typeface="+mn-lt"/>
           <a:ea typeface="+mn-ea"/>
           <a:cs typeface="+mn-cs"/>
         </a:defRPr>
       </a:lvl7pPr>
-      <a:lvl8pPr marL="2200000" indent="-228600" algn="l" defTabSz="914400" rtl="0" eaLnBrk="1" latinLnBrk="0" hangingPunct="1">
-        <a:lnSpc>
-          <a:spcPct val="90000"/>
-        </a:lnSpc>
+      <a:lvl8pPr marL="3429000" indent="-228600" algn="l" defTabSz="457200" rtl="0" eaLnBrk="1" latinLnBrk="0" hangingPunct="1">
         <a:spcBef>
-          <a:spcPts val="400"/>
+          <a:spcPts val="1000"/>
         </a:spcBef>
         <a:spcAft>
-          <a:spcPts val="200"/>
+          <a:spcPts val="0"/>
         </a:spcAft>
         <a:buClr>
-          <a:schemeClr val="accent1">
-            <a:lumMod val="75000"/>
-          </a:schemeClr>
+          <a:schemeClr val="accent1"/>
         </a:buClr>
-        <a:buSzPct val="85000"/>
-        <a:buFont typeface="Wingdings" pitchFamily="2" charset="2"/>
-        <a:buChar char="§"/>
-        <a:defRPr sz="1600" kern="1200">
+        <a:buSzPct val="80000"/>
+        <a:buFont typeface="Wingdings 3" charset="2"/>
+        <a:buChar char=""/>
+        <a:defRPr sz="1200" kern="1200">
           <a:solidFill>
-            <a:schemeClr val="tx1"/>
+            <a:schemeClr val="tx1">
+              <a:lumMod val="75000"/>
+              <a:lumOff val="25000"/>
+            </a:schemeClr>
           </a:solidFill>
           <a:latin typeface="+mn-lt"/>
           <a:ea typeface="+mn-ea"/>
           <a:cs typeface="+mn-cs"/>
         </a:defRPr>
       </a:lvl8pPr>
-      <a:lvl9pPr marL="2500000" indent="-228600" algn="l" defTabSz="914400" rtl="0" eaLnBrk="1" latinLnBrk="0" hangingPunct="1">
-        <a:lnSpc>
-          <a:spcPct val="90000"/>
-        </a:lnSpc>
+      <a:lvl9pPr marL="3886200" indent="-228600" algn="l" defTabSz="457200" rtl="0" eaLnBrk="1" latinLnBrk="0" hangingPunct="1">
         <a:spcBef>
-          <a:spcPts val="400"/>
+          <a:spcPts val="1000"/>
         </a:spcBef>
         <a:spcAft>
-          <a:spcPts val="200"/>
+          <a:spcPts val="0"/>
         </a:spcAft>
         <a:buClr>
-          <a:schemeClr val="accent1">
-            <a:lumMod val="75000"/>
-          </a:schemeClr>
+          <a:schemeClr val="accent1"/>
         </a:buClr>
-        <a:buSzPct val="85000"/>
-        <a:buFont typeface="Wingdings" pitchFamily="2" charset="2"/>
-        <a:buChar char="§"/>
-        <a:defRPr sz="1600" kern="1200">
+        <a:buSzPct val="80000"/>
+        <a:buFont typeface="Wingdings 3" charset="2"/>
+        <a:buChar char=""/>
+        <a:defRPr sz="1200" kern="1200">
           <a:solidFill>
-            <a:schemeClr val="tx1"/>
+            <a:schemeClr val="tx1">
+              <a:lumMod val="75000"/>
+              <a:lumOff val="25000"/>
+            </a:schemeClr>
           </a:solidFill>
           <a:latin typeface="+mn-lt"/>
           <a:ea typeface="+mn-ea"/>
@@ -3865,7 +5727,7 @@
       <a:defPPr>
         <a:defRPr lang="en-US"/>
       </a:defPPr>
-      <a:lvl1pPr marL="0" algn="l" defTabSz="914400" rtl="0" eaLnBrk="1" latinLnBrk="0" hangingPunct="1">
+      <a:lvl1pPr marL="0" algn="l" defTabSz="457200" rtl="0" eaLnBrk="1" latinLnBrk="0" hangingPunct="1">
         <a:defRPr sz="1800" kern="1200">
           <a:solidFill>
             <a:schemeClr val="tx1"/>
@@ -3875,7 +5737,7 @@
           <a:cs typeface="+mn-cs"/>
         </a:defRPr>
       </a:lvl1pPr>
-      <a:lvl2pPr marL="457200" algn="l" defTabSz="914400" rtl="0" eaLnBrk="1" latinLnBrk="0" hangingPunct="1">
+      <a:lvl2pPr marL="457200" algn="l" defTabSz="457200" rtl="0" eaLnBrk="1" latinLnBrk="0" hangingPunct="1">
         <a:defRPr sz="1800" kern="1200">
           <a:solidFill>
             <a:schemeClr val="tx1"/>
@@ -3885,7 +5747,7 @@
           <a:cs typeface="+mn-cs"/>
         </a:defRPr>
       </a:lvl2pPr>
-      <a:lvl3pPr marL="914400" algn="l" defTabSz="914400" rtl="0" eaLnBrk="1" latinLnBrk="0" hangingPunct="1">
+      <a:lvl3pPr marL="914400" algn="l" defTabSz="457200" rtl="0" eaLnBrk="1" latinLnBrk="0" hangingPunct="1">
         <a:defRPr sz="1800" kern="1200">
           <a:solidFill>
             <a:schemeClr val="tx1"/>
@@ -3895,7 +5757,7 @@
           <a:cs typeface="+mn-cs"/>
         </a:defRPr>
       </a:lvl3pPr>
-      <a:lvl4pPr marL="1371600" algn="l" defTabSz="914400" rtl="0" eaLnBrk="1" latinLnBrk="0" hangingPunct="1">
+      <a:lvl4pPr marL="1371600" algn="l" defTabSz="457200" rtl="0" eaLnBrk="1" latinLnBrk="0" hangingPunct="1">
         <a:defRPr sz="1800" kern="1200">
           <a:solidFill>
             <a:schemeClr val="tx1"/>
@@ -3905,7 +5767,7 @@
           <a:cs typeface="+mn-cs"/>
         </a:defRPr>
       </a:lvl4pPr>
-      <a:lvl5pPr marL="1828800" algn="l" defTabSz="914400" rtl="0" eaLnBrk="1" latinLnBrk="0" hangingPunct="1">
+      <a:lvl5pPr marL="1828800" algn="l" defTabSz="457200" rtl="0" eaLnBrk="1" latinLnBrk="0" hangingPunct="1">
         <a:defRPr sz="1800" kern="1200">
           <a:solidFill>
             <a:schemeClr val="tx1"/>
@@ -3915,7 +5777,7 @@
           <a:cs typeface="+mn-cs"/>
         </a:defRPr>
       </a:lvl5pPr>
-      <a:lvl6pPr marL="2286000" algn="l" defTabSz="914400" rtl="0" eaLnBrk="1" latinLnBrk="0" hangingPunct="1">
+      <a:lvl6pPr marL="2286000" algn="l" defTabSz="457200" rtl="0" eaLnBrk="1" latinLnBrk="0" hangingPunct="1">
         <a:defRPr sz="1800" kern="1200">
           <a:solidFill>
             <a:schemeClr val="tx1"/>
@@ -3925,7 +5787,7 @@
           <a:cs typeface="+mn-cs"/>
         </a:defRPr>
       </a:lvl6pPr>
-      <a:lvl7pPr marL="2743200" algn="l" defTabSz="914400" rtl="0" eaLnBrk="1" latinLnBrk="0" hangingPunct="1">
+      <a:lvl7pPr marL="2743200" algn="l" defTabSz="457200" rtl="0" eaLnBrk="1" latinLnBrk="0" hangingPunct="1">
         <a:defRPr sz="1800" kern="1200">
           <a:solidFill>
             <a:schemeClr val="tx1"/>
@@ -3935,7 +5797,7 @@
           <a:cs typeface="+mn-cs"/>
         </a:defRPr>
       </a:lvl7pPr>
-      <a:lvl8pPr marL="3200400" algn="l" defTabSz="914400" rtl="0" eaLnBrk="1" latinLnBrk="0" hangingPunct="1">
+      <a:lvl8pPr marL="3200400" algn="l" defTabSz="457200" rtl="0" eaLnBrk="1" latinLnBrk="0" hangingPunct="1">
         <a:defRPr sz="1800" kern="1200">
           <a:solidFill>
             <a:schemeClr val="tx1"/>
@@ -3945,7 +5807,7 @@
           <a:cs typeface="+mn-cs"/>
         </a:defRPr>
       </a:lvl8pPr>
-      <a:lvl9pPr marL="3657600" algn="l" defTabSz="914400" rtl="0" eaLnBrk="1" latinLnBrk="0" hangingPunct="1">
+      <a:lvl9pPr marL="3657600" algn="l" defTabSz="457200" rtl="0" eaLnBrk="1" latinLnBrk="0" hangingPunct="1">
         <a:defRPr sz="1800" kern="1200">
           <a:solidFill>
             <a:schemeClr val="tx1"/>
@@ -3993,10 +5855,9 @@
           <a:lstStyle/>
           <a:p>
             <a:r>
-              <a:rPr lang="en-US" dirty="0" smtClean="0"/>
+              <a:rPr lang="en-US" dirty="0"/>
               <a:t>Full Stack Web Development</a:t>
             </a:r>
-            <a:endParaRPr lang="en-US" dirty="0"/>
           </a:p>
         </p:txBody>
       </p:sp>
@@ -4023,50 +5884,30 @@
           <a:lstStyle/>
           <a:p>
             <a:r>
-              <a:rPr lang="en-US" sz="2400" b="1" dirty="0" smtClean="0">
+              <a:rPr lang="en-US" sz="2400" b="1" dirty="0">
                 <a:solidFill>
                   <a:srgbClr val="38949E"/>
                 </a:solidFill>
               </a:rPr>
-              <a:t>           </a:t>
-            </a:r>
-            <a:r>
-              <a:rPr lang="en-US" sz="2400" b="1" dirty="0" smtClean="0">
-                <a:solidFill>
-                  <a:srgbClr val="38949E"/>
-                </a:solidFill>
-              </a:rPr>
-              <a:t>   JavaScript </a:t>
-            </a:r>
-            <a:r>
-              <a:rPr lang="en-US" sz="2400" dirty="0" smtClean="0"/>
-              <a:t>/ </a:t>
-            </a:r>
-            <a:r>
-              <a:rPr lang="en-US" sz="2400" dirty="0" smtClean="0"/>
-              <a:t>Learning Ajax</a:t>
-            </a:r>
-            <a:endParaRPr lang="en-US" sz="2400" dirty="0"/>
+              <a:t>              JavaScript </a:t>
+            </a:r>
+            <a:r>
+              <a:rPr lang="en-US" sz="2400" dirty="0"/>
+              <a:t>/ Learning Ajax</a:t>
+            </a:r>
           </a:p>
         </p:txBody>
       </p:sp>
     </p:spTree>
     <p:extLst>
       <p:ext uri="{BB962C8B-B14F-4D97-AF65-F5344CB8AC3E}">
-        <p14:creationId xmlns:p14="http://schemas.microsoft.com/office/powerpoint/2010/main" val="2921540465"/>
+        <p14:creationId xmlns:p14="http://schemas.microsoft.com/office/powerpoint/2010/main" val="4292594560"/>
       </p:ext>
     </p:extLst>
   </p:cSld>
   <p:clrMapOvr>
     <a:masterClrMapping/>
   </p:clrMapOvr>
-  <p:timing>
-    <p:tnLst>
-      <p:par>
-        <p:cTn id="1" dur="indefinite" restart="never" nodeType="tmRoot"/>
-      </p:par>
-    </p:tnLst>
-  </p:timing>
 </p:sld>
 </file>
 
@@ -4103,10 +5944,9 @@
           <a:lstStyle/>
           <a:p>
             <a:r>
-              <a:rPr lang="en-US" dirty="0" smtClean="0"/>
+              <a:rPr lang="en-US" dirty="0"/>
               <a:t>Getting A Response</a:t>
             </a:r>
-            <a:endParaRPr lang="en-US" dirty="0"/>
           </a:p>
         </p:txBody>
       </p:sp>
@@ -4137,10 +5977,6 @@
               <a:rPr lang="en-US" sz="2400" b="1" dirty="0"/>
               <a:t>xmlDoc = xhttp.responseXML;</a:t>
             </a:r>
-            <a:r>
-              <a:rPr lang="en-US" sz="2400" b="1" dirty="0"/>
-              <a:t/>
-            </a:r>
             <a:br>
               <a:rPr lang="en-US" sz="2400" b="1" dirty="0"/>
             </a:br>
@@ -4148,10 +5984,6 @@
               <a:rPr lang="en-US" sz="2400" b="1" dirty="0"/>
               <a:t>txt = "";</a:t>
             </a:r>
-            <a:r>
-              <a:rPr lang="en-US" sz="2400" b="1" dirty="0"/>
-              <a:t/>
-            </a:r>
             <a:br>
               <a:rPr lang="en-US" sz="2400" b="1" dirty="0"/>
             </a:br>
@@ -4159,10 +5991,6 @@
               <a:rPr lang="en-US" sz="2400" b="1" dirty="0"/>
               <a:t>x = xmlDoc.getElementsByTagName("ARTIST");</a:t>
             </a:r>
-            <a:r>
-              <a:rPr lang="en-US" sz="2400" b="1" dirty="0"/>
-              <a:t/>
-            </a:r>
             <a:br>
               <a:rPr lang="en-US" sz="2400" b="1" dirty="0"/>
             </a:br>
@@ -4194,10 +6022,6 @@
               <a:rPr lang="en-US" sz="2400" b="1" dirty="0"/>
               <a:t>++) {</a:t>
             </a:r>
-            <a:r>
-              <a:rPr lang="en-US" sz="2400" b="1" dirty="0"/>
-              <a:t/>
-            </a:r>
             <a:br>
               <a:rPr lang="en-US" sz="2400" b="1" dirty="0"/>
             </a:br>
@@ -4221,10 +6045,6 @@
               <a:rPr lang="en-US" sz="2400" b="1" dirty="0"/>
               <a:t>&gt;";</a:t>
             </a:r>
-            <a:r>
-              <a:rPr lang="en-US" sz="2400" b="1" dirty="0"/>
-              <a:t/>
-            </a:r>
             <a:br>
               <a:rPr lang="en-US" sz="2400" b="1" dirty="0"/>
             </a:br>
@@ -4232,10 +6052,6 @@
               <a:rPr lang="en-US" sz="2400" b="1" dirty="0"/>
               <a:t>  }</a:t>
             </a:r>
-            <a:r>
-              <a:rPr lang="en-US" sz="2400" b="1" dirty="0"/>
-              <a:t/>
-            </a:r>
             <a:br>
               <a:rPr lang="en-US" sz="2400" b="1" dirty="0"/>
             </a:br>
@@ -4243,7 +6059,6 @@
               <a:rPr lang="en-US" sz="2400" b="1" dirty="0"/>
               <a:t>document.getElementById("demo").innerHTML = txt;</a:t>
             </a:r>
-            <a:endParaRPr lang="en-US" sz="2400" b="1" dirty="0"/>
           </a:p>
         </p:txBody>
       </p:sp>
@@ -4293,10 +6108,9 @@
           <a:lstStyle/>
           <a:p>
             <a:r>
-              <a:rPr lang="en-US" dirty="0" smtClean="0"/>
+              <a:rPr lang="en-US" dirty="0"/>
               <a:t>Events</a:t>
             </a:r>
-            <a:endParaRPr lang="en-US" dirty="0"/>
           </a:p>
         </p:txBody>
       </p:sp>
@@ -4321,19 +6135,19 @@
               <a:buNone/>
             </a:pPr>
             <a:r>
-              <a:rPr lang="en-US" b="1" dirty="0" smtClean="0"/>
+              <a:rPr lang="en-US" b="1" dirty="0"/>
               <a:t>onReadyState – </a:t>
             </a:r>
             <a:r>
-              <a:rPr lang="en-US" dirty="0" smtClean="0"/>
+              <a:rPr lang="en-US" dirty="0"/>
               <a:t>Stores a function to be called </a:t>
             </a:r>
             <a:r>
-              <a:rPr lang="en-US" dirty="0" err="1" smtClean="0"/>
+              <a:rPr lang="en-US" dirty="0" err="1"/>
               <a:t>everytime</a:t>
             </a:r>
             <a:r>
-              <a:rPr lang="en-US" dirty="0" smtClean="0"/>
+              <a:rPr lang="en-US" dirty="0"/>
               <a:t> the readyState changes</a:t>
             </a:r>
           </a:p>
@@ -4341,21 +6155,20 @@
             <a:pPr marL="0" indent="0">
               <a:buNone/>
             </a:pPr>
-            <a:endParaRPr lang="en-US" dirty="0" smtClean="0"/>
+            <a:endParaRPr lang="en-US" dirty="0"/>
           </a:p>
           <a:p>
             <a:pPr marL="0" indent="0">
               <a:buNone/>
             </a:pPr>
             <a:r>
-              <a:rPr lang="en-US" b="1" dirty="0" smtClean="0"/>
+              <a:rPr lang="en-US" b="1" dirty="0"/>
               <a:t>readyState </a:t>
             </a:r>
             <a:r>
-              <a:rPr lang="en-US" dirty="0" smtClean="0"/>
+              <a:rPr lang="en-US" dirty="0"/>
               <a:t>- Holds the status of the XMLHttpRequest object (0 - 4)</a:t>
             </a:r>
-            <a:endParaRPr lang="en-US" dirty="0"/>
           </a:p>
           <a:p>
             <a:pPr>
@@ -4367,10 +6180,6 @@
               <a:rPr lang="en-US" sz="1800" dirty="0"/>
               <a:t>0: request not initialized </a:t>
             </a:r>
-            <a:r>
-              <a:rPr lang="en-US" sz="1800" dirty="0"/>
-              <a:t/>
-            </a:r>
             <a:br>
               <a:rPr lang="en-US" sz="1800" dirty="0"/>
             </a:br>
@@ -4378,10 +6187,6 @@
               <a:rPr lang="en-US" sz="1800" dirty="0"/>
               <a:t>1: server connection established</a:t>
             </a:r>
-            <a:r>
-              <a:rPr lang="en-US" sz="1800" dirty="0"/>
-              <a:t/>
-            </a:r>
             <a:br>
               <a:rPr lang="en-US" sz="1800" dirty="0"/>
             </a:br>
@@ -4389,10 +6194,6 @@
               <a:rPr lang="en-US" sz="1800" dirty="0"/>
               <a:t>2: request received </a:t>
             </a:r>
-            <a:r>
-              <a:rPr lang="en-US" sz="1800" dirty="0"/>
-              <a:t/>
-            </a:r>
             <a:br>
               <a:rPr lang="en-US" sz="1800" dirty="0"/>
             </a:br>
@@ -4400,20 +6201,12 @@
               <a:rPr lang="en-US" sz="1800" dirty="0"/>
               <a:t>3: processing request </a:t>
             </a:r>
-            <a:r>
-              <a:rPr lang="en-US" sz="1800" dirty="0"/>
-              <a:t/>
-            </a:r>
             <a:br>
               <a:rPr lang="en-US" sz="1800" dirty="0"/>
             </a:br>
             <a:r>
               <a:rPr lang="en-US" sz="1800" dirty="0"/>
-              <a:t>4: request finished and response is </a:t>
-            </a:r>
-            <a:r>
-              <a:rPr lang="en-US" sz="1800" dirty="0" smtClean="0"/>
-              <a:t>ready</a:t>
+              <a:t>4: request finished and response is ready</a:t>
             </a:r>
           </a:p>
           <a:p>
@@ -4422,7 +6215,7 @@
                 <a:spcPct val="100000"/>
               </a:lnSpc>
             </a:pPr>
-            <a:endParaRPr lang="en-US" sz="1800" dirty="0" smtClean="0"/>
+            <a:endParaRPr lang="en-US" sz="1800" dirty="0"/>
           </a:p>
           <a:p>
             <a:pPr marL="0" indent="0">
@@ -4436,11 +6229,11 @@
               <a:t>Status</a:t>
             </a:r>
             <a:r>
-              <a:rPr lang="en-US" sz="1800" b="1" dirty="0" smtClean="0"/>
+              <a:rPr lang="en-US" sz="1800" b="1" dirty="0"/>
               <a:t> –</a:t>
             </a:r>
             <a:r>
-              <a:rPr lang="en-US" sz="1800" dirty="0" smtClean="0"/>
+              <a:rPr lang="en-US" sz="1800" dirty="0"/>
               <a:t> Request status</a:t>
             </a:r>
           </a:p>
@@ -4452,7 +6245,7 @@
               <a:buNone/>
             </a:pPr>
             <a:r>
-              <a:rPr lang="en-US" sz="1800" dirty="0" smtClean="0"/>
+              <a:rPr lang="en-US" sz="1800" dirty="0"/>
               <a:t>  200: OK</a:t>
             </a:r>
           </a:p>
@@ -4464,10 +6257,9 @@
               <a:buNone/>
             </a:pPr>
             <a:r>
-              <a:rPr lang="en-US" sz="1800" dirty="0" smtClean="0"/>
+              <a:rPr lang="en-US" sz="1800" dirty="0"/>
               <a:t>  404: Page Not Found</a:t>
             </a:r>
-            <a:endParaRPr lang="en-US" sz="1800" dirty="0"/>
           </a:p>
         </p:txBody>
       </p:sp>
@@ -4481,72 +6273,6 @@
   <p:clrMapOvr>
     <a:masterClrMapping/>
   </p:clrMapOvr>
-</p:sld>
-</file>
-
-<file path=ppt/slides/slide12.xml><?xml version="1.0" encoding="utf-8"?>
-<p:sld xmlns:a="http://schemas.openxmlformats.org/drawingml/2006/main" xmlns:r="http://schemas.openxmlformats.org/officeDocument/2006/relationships" xmlns:p="http://schemas.openxmlformats.org/presentationml/2006/main">
-  <p:cSld>
-    <p:spTree>
-      <p:nvGrpSpPr>
-        <p:cNvPr id="1" name=""/>
-        <p:cNvGrpSpPr/>
-        <p:nvPr/>
-      </p:nvGrpSpPr>
-      <p:grpSpPr>
-        <a:xfrm>
-          <a:off x="0" y="0"/>
-          <a:ext cx="0" cy="0"/>
-          <a:chOff x="0" y="0"/>
-          <a:chExt cx="0" cy="0"/>
-        </a:xfrm>
-      </p:grpSpPr>
-      <p:pic>
-        <p:nvPicPr>
-          <p:cNvPr id="4" name="Content Placeholder 3"/>
-          <p:cNvPicPr>
-            <a:picLocks noGrp="1" noChangeAspect="1"/>
-          </p:cNvPicPr>
-          <p:nvPr>
-            <p:ph idx="1"/>
-          </p:nvPr>
-        </p:nvPicPr>
-        <p:blipFill>
-          <a:blip r:embed="rId2">
-            <a:extLst>
-              <a:ext uri="{28A0092B-C50C-407E-A947-70E740481C1C}">
-                <a14:useLocalDpi xmlns:a14="http://schemas.microsoft.com/office/drawing/2010/main" val="0"/>
-              </a:ext>
-            </a:extLst>
-          </a:blip>
-          <a:stretch>
-            <a:fillRect/>
-          </a:stretch>
-        </p:blipFill>
-        <p:spPr>
-          <a:xfrm>
-            <a:off x="3995730" y="2346236"/>
-            <a:ext cx="3430789" cy="1709500"/>
-          </a:xfrm>
-        </p:spPr>
-      </p:pic>
-    </p:spTree>
-    <p:extLst>
-      <p:ext uri="{BB962C8B-B14F-4D97-AF65-F5344CB8AC3E}">
-        <p14:creationId xmlns:p14="http://schemas.microsoft.com/office/powerpoint/2010/main" val="3152998251"/>
-      </p:ext>
-    </p:extLst>
-  </p:cSld>
-  <p:clrMapOvr>
-    <a:masterClrMapping/>
-  </p:clrMapOvr>
-  <p:timing>
-    <p:tnLst>
-      <p:par>
-        <p:cTn id="1" dur="indefinite" restart="never" nodeType="tmRoot"/>
-      </p:par>
-    </p:tnLst>
-  </p:timing>
 </p:sld>
 </file>
 
@@ -4583,14 +6309,9 @@
           <a:lstStyle/>
           <a:p>
             <a:r>
-              <a:rPr lang="en-US" dirty="0" smtClean="0"/>
-              <a:t>What Is </a:t>
-            </a:r>
-            <a:r>
-              <a:rPr lang="en-US" dirty="0" smtClean="0"/>
-              <a:t>AJAX?</a:t>
-            </a:r>
-            <a:endParaRPr lang="en-US" dirty="0"/>
+              <a:rPr lang="en-US" dirty="0"/>
+              <a:t>What Is AJAX?</a:t>
+            </a:r>
           </a:p>
         </p:txBody>
       </p:sp>
@@ -4623,15 +6344,15 @@
               <a:buNone/>
             </a:pPr>
             <a:r>
-              <a:rPr lang="en-US" sz="2400" b="1" dirty="0" smtClean="0"/>
+              <a:rPr lang="en-US" sz="2400" b="1" dirty="0"/>
               <a:t>AJAX</a:t>
             </a:r>
             <a:r>
-              <a:rPr lang="en-US" sz="2400" dirty="0" smtClean="0"/>
+              <a:rPr lang="en-US" sz="2400" dirty="0"/>
               <a:t> stands for </a:t>
             </a:r>
             <a:r>
-              <a:rPr lang="en-US" sz="2400" b="1" dirty="0" smtClean="0"/>
+              <a:rPr lang="en-US" sz="2400" b="1" dirty="0"/>
               <a:t>Asynchronous JavaScript &amp; XML</a:t>
             </a:r>
           </a:p>
@@ -4642,7 +6363,7 @@
               </a:lnSpc>
             </a:pPr>
             <a:r>
-              <a:rPr lang="en-US" sz="2400" dirty="0" smtClean="0"/>
+              <a:rPr lang="en-US" sz="2400" dirty="0"/>
               <a:t>It is used to update specific parts of a webpage without reloading the whole page</a:t>
             </a:r>
           </a:p>
@@ -4653,7 +6374,7 @@
               </a:lnSpc>
             </a:pPr>
             <a:r>
-              <a:rPr lang="en-US" sz="2400" dirty="0" smtClean="0"/>
+              <a:rPr lang="en-US" sz="2400" dirty="0"/>
               <a:t>Works by exchanging small amounts of data with the server behind the scenes</a:t>
             </a:r>
           </a:p>
@@ -4664,10 +6385,9 @@
               </a:lnSpc>
             </a:pPr>
             <a:r>
-              <a:rPr lang="en-US" sz="2400" dirty="0" smtClean="0"/>
+              <a:rPr lang="en-US" sz="2400" dirty="0"/>
               <a:t>Gmail, Google Maps, YouTube, Facebook all use Ajax</a:t>
             </a:r>
-            <a:endParaRPr lang="en-US" sz="2400" dirty="0" smtClean="0"/>
           </a:p>
           <a:p>
             <a:pPr marL="0" indent="0">
@@ -4676,27 +6396,20 @@
               </a:lnSpc>
               <a:buNone/>
             </a:pPr>
-            <a:endParaRPr lang="en-US" sz="2400" dirty="0" smtClean="0"/>
+            <a:endParaRPr lang="en-US" sz="2400" dirty="0"/>
           </a:p>
         </p:txBody>
       </p:sp>
     </p:spTree>
     <p:extLst>
       <p:ext uri="{BB962C8B-B14F-4D97-AF65-F5344CB8AC3E}">
-        <p14:creationId xmlns:p14="http://schemas.microsoft.com/office/powerpoint/2010/main" val="3056892833"/>
+        <p14:creationId xmlns:p14="http://schemas.microsoft.com/office/powerpoint/2010/main" val="2559802126"/>
       </p:ext>
     </p:extLst>
   </p:cSld>
   <p:clrMapOvr>
     <a:masterClrMapping/>
   </p:clrMapOvr>
-  <p:timing>
-    <p:tnLst>
-      <p:par>
-        <p:cTn id="1" dur="indefinite" restart="never" nodeType="tmRoot"/>
-      </p:par>
-    </p:tnLst>
-  </p:timing>
 </p:sld>
 </file>
 
@@ -4733,10 +6446,9 @@
           <a:lstStyle/>
           <a:p>
             <a:r>
-              <a:rPr lang="en-US" dirty="0" smtClean="0"/>
+              <a:rPr lang="en-US" dirty="0"/>
               <a:t>How AJAX Works</a:t>
             </a:r>
-            <a:endParaRPr lang="en-US" dirty="0"/>
           </a:p>
         </p:txBody>
       </p:sp>
@@ -4815,10 +6527,9 @@
           <a:lstStyle/>
           <a:p>
             <a:r>
-              <a:rPr lang="en-US" dirty="0" smtClean="0"/>
+              <a:rPr lang="en-US" dirty="0"/>
               <a:t>XMLHttpRequest Object</a:t>
             </a:r>
-            <a:endParaRPr lang="en-US" dirty="0"/>
           </a:p>
         </p:txBody>
       </p:sp>
@@ -4845,7 +6556,7 @@
               </a:lnSpc>
             </a:pPr>
             <a:r>
-              <a:rPr lang="en-US" sz="2400" dirty="0" smtClean="0"/>
+              <a:rPr lang="en-US" sz="2400" dirty="0"/>
               <a:t>An API that provides client functionality for transferring data between a client and server</a:t>
             </a:r>
           </a:p>
@@ -4856,7 +6567,7 @@
               </a:lnSpc>
             </a:pPr>
             <a:r>
-              <a:rPr lang="en-US" sz="2400" dirty="0" smtClean="0"/>
+              <a:rPr lang="en-US" sz="2400" dirty="0"/>
               <a:t>Easy way to retrieve data from a URL without having to do a full page refresh</a:t>
             </a:r>
           </a:p>
@@ -4867,38 +6578,37 @@
               </a:lnSpc>
             </a:pPr>
             <a:r>
-              <a:rPr lang="en-US" sz="2400" b="1" dirty="0" smtClean="0"/>
+              <a:rPr lang="en-US" sz="2400" b="1" dirty="0"/>
               <a:t>XMLHttpRequest </a:t>
             </a:r>
             <a:r>
-              <a:rPr lang="en-US" sz="2400" dirty="0" smtClean="0"/>
+              <a:rPr lang="en-US" sz="2400" dirty="0"/>
               <a:t> is not limited to </a:t>
             </a:r>
             <a:r>
-              <a:rPr lang="en-US" sz="2400" b="1" dirty="0" smtClean="0"/>
+              <a:rPr lang="en-US" sz="2400" b="1" dirty="0"/>
               <a:t>XML</a:t>
             </a:r>
             <a:r>
-              <a:rPr lang="en-US" sz="2400" dirty="0" smtClean="0"/>
+              <a:rPr lang="en-US" sz="2400" dirty="0"/>
               <a:t>. It also can use </a:t>
             </a:r>
             <a:r>
-              <a:rPr lang="en-US" sz="2400" b="1" dirty="0" smtClean="0"/>
+              <a:rPr lang="en-US" sz="2400" b="1" dirty="0"/>
               <a:t>JSON, file </a:t>
             </a:r>
             <a:r>
-              <a:rPr lang="en-US" sz="2400" dirty="0" smtClean="0"/>
+              <a:rPr lang="en-US" sz="2400" dirty="0"/>
               <a:t>and</a:t>
             </a:r>
             <a:r>
-              <a:rPr lang="en-US" sz="2400" b="1" dirty="0" smtClean="0"/>
+              <a:rPr lang="en-US" sz="2400" b="1" dirty="0"/>
               <a:t> FTP</a:t>
             </a:r>
             <a:r>
-              <a:rPr lang="en-US" sz="2400" dirty="0" smtClean="0"/>
+              <a:rPr lang="en-US" sz="2400" dirty="0"/>
               <a:t>.</a:t>
             </a:r>
-            <a:endParaRPr lang="en-US" sz="2400" dirty="0"/>
           </a:p>
         </p:txBody>
       </p:sp>
@@ -4948,10 +6658,9 @@
           <a:lstStyle/>
           <a:p>
             <a:r>
-              <a:rPr lang="en-US" dirty="0" smtClean="0"/>
+              <a:rPr lang="en-US" dirty="0"/>
               <a:t>XMLHttpRequest Properties</a:t>
             </a:r>
-            <a:endParaRPr lang="en-US" dirty="0"/>
           </a:p>
         </p:txBody>
       </p:sp>
@@ -4976,58 +6685,57 @@
           <a:lstStyle/>
           <a:p>
             <a:r>
-              <a:rPr lang="en-US" dirty="0" smtClean="0"/>
+              <a:rPr lang="en-US" dirty="0"/>
               <a:t>onreadystatechange</a:t>
             </a:r>
           </a:p>
           <a:p>
             <a:r>
-              <a:rPr lang="en-US" dirty="0" smtClean="0"/>
+              <a:rPr lang="en-US" dirty="0"/>
               <a:t>readyState</a:t>
             </a:r>
           </a:p>
           <a:p>
             <a:r>
-              <a:rPr lang="en-US" dirty="0" smtClean="0"/>
+              <a:rPr lang="en-US" dirty="0"/>
               <a:t>response</a:t>
             </a:r>
           </a:p>
           <a:p>
             <a:r>
-              <a:rPr lang="en-US" dirty="0" smtClean="0"/>
+              <a:rPr lang="en-US" dirty="0"/>
               <a:t>responseText</a:t>
             </a:r>
           </a:p>
           <a:p>
             <a:r>
-              <a:rPr lang="en-US" dirty="0" smtClean="0"/>
+              <a:rPr lang="en-US" dirty="0"/>
               <a:t>responseType</a:t>
             </a:r>
           </a:p>
           <a:p>
             <a:r>
-              <a:rPr lang="en-US" dirty="0" smtClean="0"/>
+              <a:rPr lang="en-US" dirty="0"/>
               <a:t>responseURL</a:t>
             </a:r>
           </a:p>
           <a:p>
             <a:r>
-              <a:rPr lang="en-US" dirty="0" smtClean="0"/>
+              <a:rPr lang="en-US" dirty="0"/>
               <a:t>responseXML</a:t>
             </a:r>
           </a:p>
           <a:p>
             <a:r>
-              <a:rPr lang="en-US" dirty="0" smtClean="0"/>
+              <a:rPr lang="en-US" dirty="0"/>
               <a:t>status</a:t>
             </a:r>
           </a:p>
           <a:p>
             <a:r>
-              <a:rPr lang="en-US" dirty="0" smtClean="0"/>
+              <a:rPr lang="en-US" dirty="0"/>
               <a:t>statusText</a:t>
             </a:r>
-            <a:endParaRPr lang="en-US" dirty="0"/>
           </a:p>
         </p:txBody>
       </p:sp>
@@ -5296,29 +7004,28 @@
           </a:lstStyle>
           <a:p>
             <a:r>
-              <a:rPr lang="en-US" dirty="0" smtClean="0"/>
+              <a:rPr lang="en-US" dirty="0"/>
               <a:t>timeout</a:t>
             </a:r>
           </a:p>
           <a:p>
             <a:r>
-              <a:rPr lang="en-US" dirty="0" err="1" smtClean="0"/>
+              <a:rPr lang="en-US" dirty="0" err="1"/>
               <a:t>ontimeout</a:t>
             </a:r>
-            <a:endParaRPr lang="en-US" dirty="0" smtClean="0"/>
-          </a:p>
-          <a:p>
-            <a:r>
-              <a:rPr lang="en-US" dirty="0" smtClean="0"/>
+            <a:endParaRPr lang="en-US" dirty="0"/>
+          </a:p>
+          <a:p>
+            <a:r>
+              <a:rPr lang="en-US" dirty="0"/>
               <a:t>upload</a:t>
             </a:r>
           </a:p>
           <a:p>
             <a:r>
-              <a:rPr lang="en-US" dirty="0" smtClean="0"/>
+              <a:rPr lang="en-US" dirty="0"/>
               <a:t>withCredentials</a:t>
             </a:r>
-            <a:endParaRPr lang="en-US" dirty="0"/>
           </a:p>
         </p:txBody>
       </p:sp>
@@ -5368,10 +7075,9 @@
           <a:lstStyle/>
           <a:p>
             <a:r>
-              <a:rPr lang="en-US" dirty="0" smtClean="0"/>
+              <a:rPr lang="en-US" dirty="0"/>
               <a:t>XMLHttpRequest Methods</a:t>
             </a:r>
-            <a:endParaRPr lang="en-US" dirty="0"/>
           </a:p>
         </p:txBody>
       </p:sp>
@@ -5393,50 +7099,49 @@
           <a:lstStyle/>
           <a:p>
             <a:r>
-              <a:rPr lang="en-US" dirty="0" smtClean="0"/>
+              <a:rPr lang="en-US" dirty="0"/>
               <a:t>abort()</a:t>
             </a:r>
           </a:p>
           <a:p>
             <a:r>
-              <a:rPr lang="en-US" dirty="0" smtClean="0"/>
+              <a:rPr lang="en-US" dirty="0"/>
               <a:t>getAllResponseHeaders()</a:t>
             </a:r>
           </a:p>
           <a:p>
             <a:r>
-              <a:rPr lang="en-US" dirty="0" smtClean="0"/>
+              <a:rPr lang="en-US" dirty="0"/>
               <a:t>getResponseHeader()</a:t>
             </a:r>
           </a:p>
           <a:p>
             <a:r>
-              <a:rPr lang="en-US" dirty="0" smtClean="0"/>
+              <a:rPr lang="en-US" dirty="0"/>
               <a:t>open()</a:t>
             </a:r>
           </a:p>
           <a:p>
             <a:r>
-              <a:rPr lang="en-US" dirty="0" smtClean="0"/>
+              <a:rPr lang="en-US" dirty="0"/>
               <a:t>overrideMimeType()</a:t>
             </a:r>
           </a:p>
           <a:p>
             <a:r>
-              <a:rPr lang="en-US" dirty="0" smtClean="0"/>
+              <a:rPr lang="en-US" dirty="0"/>
               <a:t>send()</a:t>
             </a:r>
           </a:p>
           <a:p>
             <a:r>
-              <a:rPr lang="en-US" dirty="0" err="1" smtClean="0"/>
+              <a:rPr lang="en-US" dirty="0" err="1"/>
               <a:t>setRequestHeader</a:t>
             </a:r>
             <a:r>
-              <a:rPr lang="en-US" dirty="0" smtClean="0"/>
+              <a:rPr lang="en-US" dirty="0"/>
               <a:t>()</a:t>
             </a:r>
-            <a:endParaRPr lang="en-US" dirty="0"/>
           </a:p>
         </p:txBody>
       </p:sp>
@@ -5486,10 +7191,9 @@
           <a:lstStyle/>
           <a:p>
             <a:r>
-              <a:rPr lang="en-US" dirty="0" smtClean="0"/>
+              <a:rPr lang="en-US" dirty="0"/>
               <a:t>Creating The Object</a:t>
             </a:r>
-            <a:endParaRPr lang="en-US" dirty="0"/>
           </a:p>
         </p:txBody>
       </p:sp>
@@ -5520,10 +7224,6 @@
               <a:rPr lang="en-US" sz="2400" b="1" dirty="0"/>
               <a:t>var xhttp;</a:t>
             </a:r>
-            <a:r>
-              <a:rPr lang="en-US" sz="2400" b="1" dirty="0"/>
-              <a:t/>
-            </a:r>
             <a:br>
               <a:rPr lang="en-US" sz="2400" b="1" dirty="0"/>
             </a:br>
@@ -5531,73 +7231,33 @@
               <a:rPr lang="en-US" sz="2400" b="1" dirty="0"/>
               <a:t>if (window.XMLHttpRequest) {</a:t>
             </a:r>
-            <a:r>
-              <a:rPr lang="en-US" sz="2400" b="1" dirty="0"/>
-              <a:t/>
-            </a:r>
             <a:br>
               <a:rPr lang="en-US" sz="2400" b="1" dirty="0"/>
             </a:br>
             <a:r>
               <a:rPr lang="en-US" sz="2400" b="1" dirty="0"/>
-              <a:t>    </a:t>
-            </a:r>
-            <a:r>
-              <a:rPr lang="en-US" sz="2400" b="1" dirty="0" smtClean="0"/>
-              <a:t>	xhttp </a:t>
-            </a:r>
-            <a:r>
-              <a:rPr lang="en-US" sz="2400" b="1" dirty="0"/>
-              <a:t>= new XMLHttpRequest();</a:t>
-            </a:r>
-            <a:r>
-              <a:rPr lang="en-US" sz="2400" b="1" dirty="0"/>
-              <a:t/>
+              <a:t>    	xhttp = new XMLHttpRequest();</a:t>
             </a:r>
             <a:br>
               <a:rPr lang="en-US" sz="2400" b="1" dirty="0"/>
             </a:br>
             <a:r>
-              <a:rPr lang="en-US" sz="2400" b="1" dirty="0" smtClean="0"/>
-              <a:t>}</a:t>
-            </a:r>
-            <a:r>
               <a:rPr lang="en-US" sz="2400" b="1" dirty="0"/>
-              <a:t> else {</a:t>
-            </a:r>
-            <a:r>
-              <a:rPr lang="en-US" sz="2400" b="1" dirty="0"/>
-              <a:t/>
+              <a:t>} else {</a:t>
             </a:r>
             <a:br>
               <a:rPr lang="en-US" sz="2400" b="1" dirty="0"/>
             </a:br>
             <a:r>
               <a:rPr lang="en-US" sz="2400" b="1" dirty="0"/>
-              <a:t>    </a:t>
-            </a:r>
-            <a:r>
-              <a:rPr lang="en-US" sz="2400" b="1" dirty="0" smtClean="0"/>
-              <a:t>	// </a:t>
-            </a:r>
-            <a:r>
-              <a:rPr lang="en-US" sz="2400" b="1" dirty="0"/>
-              <a:t>code for IE6, IE5</a:t>
+              <a:t>    	// code for IE6, IE5</a:t>
             </a:r>
             <a:br>
               <a:rPr lang="en-US" sz="2400" b="1" dirty="0"/>
             </a:br>
             <a:r>
               <a:rPr lang="en-US" sz="2400" b="1" dirty="0"/>
-              <a:t>    </a:t>
-            </a:r>
-            <a:r>
-              <a:rPr lang="en-US" sz="2400" b="1" dirty="0" smtClean="0"/>
-              <a:t>	xhttp </a:t>
-            </a:r>
-            <a:r>
-              <a:rPr lang="en-US" sz="2400" b="1" dirty="0"/>
-              <a:t>= new ActiveXObject("</a:t>
+              <a:t>    	xhttp = new ActiveXObject("</a:t>
             </a:r>
             <a:r>
               <a:rPr lang="en-US" sz="2400" b="1" dirty="0" err="1"/>
@@ -5606,10 +7266,6 @@
             <a:r>
               <a:rPr lang="en-US" sz="2400" b="1" dirty="0"/>
               <a:t>");</a:t>
-            </a:r>
-            <a:r>
-              <a:rPr lang="en-US" sz="2400" b="1" dirty="0"/>
-              <a:t/>
             </a:r>
             <a:br>
               <a:rPr lang="en-US" sz="2400" b="1" dirty="0"/>
@@ -5618,7 +7274,6 @@
               <a:rPr lang="en-US" sz="2400" b="1" dirty="0"/>
               <a:t>}</a:t>
             </a:r>
-            <a:endParaRPr lang="en-US" sz="2400" b="1" dirty="0"/>
           </a:p>
         </p:txBody>
       </p:sp>
@@ -5668,10 +7323,9 @@
           <a:lstStyle/>
           <a:p>
             <a:r>
-              <a:rPr lang="en-US" dirty="0" smtClean="0"/>
+              <a:rPr lang="en-US" dirty="0"/>
               <a:t>Sending a Request</a:t>
             </a:r>
-            <a:endParaRPr lang="en-US" dirty="0"/>
           </a:p>
         </p:txBody>
       </p:sp>
@@ -5700,19 +7354,7 @@
             </a:pPr>
             <a:r>
               <a:rPr lang="en-US" sz="2800" b="1" dirty="0"/>
-              <a:t>xhttp.open("GET", </a:t>
-            </a:r>
-            <a:r>
-              <a:rPr lang="en-US" sz="2800" b="1" dirty="0" smtClean="0"/>
-              <a:t>“somefile.txt</a:t>
-            </a:r>
-            <a:r>
-              <a:rPr lang="en-US" sz="2800" b="1" dirty="0"/>
-              <a:t>", true);</a:t>
-            </a:r>
-            <a:r>
-              <a:rPr lang="en-US" sz="2800" b="1" dirty="0"/>
-              <a:t/>
+              <a:t>xhttp.open("GET", “somefile.txt", true);</a:t>
             </a:r>
             <a:br>
               <a:rPr lang="en-US" sz="2800" b="1" dirty="0"/>
@@ -5721,7 +7363,6 @@
               <a:rPr lang="en-US" sz="2800" b="1" dirty="0"/>
               <a:t>xhttp.send();</a:t>
             </a:r>
-            <a:endParaRPr lang="en-US" sz="2800" b="1" dirty="0"/>
           </a:p>
         </p:txBody>
       </p:sp>
@@ -5771,10 +7412,9 @@
           <a:lstStyle/>
           <a:p>
             <a:r>
-              <a:rPr lang="en-US" dirty="0" smtClean="0"/>
+              <a:rPr lang="en-US" dirty="0"/>
               <a:t>GET / POST</a:t>
             </a:r>
-            <a:endParaRPr lang="en-US" dirty="0"/>
           </a:p>
         </p:txBody>
       </p:sp>
@@ -5791,7 +7431,7 @@
         <p:spPr/>
         <p:txBody>
           <a:bodyPr>
-            <a:normAutofit/>
+            <a:normAutofit fontScale="92500" lnSpcReduction="10000"/>
           </a:bodyPr>
           <a:lstStyle/>
           <a:p>
@@ -5801,11 +7441,11 @@
               </a:lnSpc>
             </a:pPr>
             <a:r>
-              <a:rPr lang="en-US" sz="2400" b="1" dirty="0" smtClean="0"/>
+              <a:rPr lang="en-US" sz="2400" b="1" dirty="0"/>
               <a:t>GET </a:t>
             </a:r>
             <a:r>
-              <a:rPr lang="en-US" sz="2400" dirty="0" smtClean="0"/>
+              <a:rPr lang="en-US" sz="2400" dirty="0"/>
               <a:t>is faster but should only be used to request data from a server</a:t>
             </a:r>
           </a:p>
@@ -5816,11 +7456,11 @@
               </a:lnSpc>
             </a:pPr>
             <a:r>
-              <a:rPr lang="en-US" sz="2400" b="1" dirty="0" smtClean="0"/>
+              <a:rPr lang="en-US" sz="2400" b="1" dirty="0"/>
               <a:t>POST</a:t>
             </a:r>
             <a:r>
-              <a:rPr lang="en-US" sz="2400" dirty="0" smtClean="0"/>
+              <a:rPr lang="en-US" sz="2400" dirty="0"/>
               <a:t> is usually used to send a large amount of data to the server or send user input</a:t>
             </a:r>
           </a:p>
@@ -5840,10 +7480,9 @@
               <a:buNone/>
             </a:pPr>
             <a:r>
-              <a:rPr lang="en-US" sz="2400" dirty="0" smtClean="0"/>
+              <a:rPr lang="en-US" sz="2400" dirty="0"/>
               <a:t>A good example for GET would be a search form and POST would be a user registration form</a:t>
             </a:r>
-            <a:endParaRPr lang="en-US" sz="2400" dirty="0"/>
           </a:p>
         </p:txBody>
       </p:sp>
@@ -5861,9 +7500,9 @@
 </file>
 
 <file path=ppt/theme/theme1.xml><?xml version="1.0" encoding="utf-8"?>
-<a:theme xmlns:a="http://schemas.openxmlformats.org/drawingml/2006/main" name="Wood Type">
+<a:theme xmlns:a="http://schemas.openxmlformats.org/drawingml/2006/main" name="Facet">
   <a:themeElements>
-    <a:clrScheme name="Wood Type">
+    <a:clrScheme name="Facet">
       <a:dk1>
         <a:sysClr val="windowText" lastClr="000000"/>
       </a:dk1>
@@ -5871,48 +7510,83 @@
         <a:sysClr val="window" lastClr="FFFFFF"/>
       </a:lt1>
       <a:dk2>
-        <a:srgbClr val="514949"/>
+        <a:srgbClr val="2C3C43"/>
       </a:dk2>
       <a:lt2>
-        <a:srgbClr val="E1E1DB"/>
+        <a:srgbClr val="EBEBEB"/>
       </a:lt2>
       <a:accent1>
-        <a:srgbClr val="9DBFBE"/>
+        <a:srgbClr val="90C226"/>
       </a:accent1>
       <a:accent2>
-        <a:srgbClr val="DB8631"/>
+        <a:srgbClr val="54A021"/>
       </a:accent2>
       <a:accent3>
-        <a:srgbClr val="E3CC5A"/>
+        <a:srgbClr val="E6B91E"/>
       </a:accent3>
       <a:accent4>
-        <a:srgbClr val="ACADA8"/>
+        <a:srgbClr val="E76618"/>
       </a:accent4>
       <a:accent5>
-        <a:srgbClr val="927C61"/>
+        <a:srgbClr val="C42F1A"/>
       </a:accent5>
       <a:accent6>
-        <a:srgbClr val="B3B435"/>
+        <a:srgbClr val="918655"/>
       </a:accent6>
       <a:hlink>
-        <a:srgbClr val="0000FF"/>
+        <a:srgbClr val="99CA3C"/>
       </a:hlink>
       <a:folHlink>
-        <a:srgbClr val="800080"/>
+        <a:srgbClr val="B9D181"/>
       </a:folHlink>
     </a:clrScheme>
-    <a:fontScheme name="Wood Type">
+    <a:fontScheme name="Facet">
       <a:majorFont>
-        <a:latin typeface="Arial Black" panose="020B0A04020102020204"/>
+        <a:latin typeface="Trebuchet MS" panose="020B0603020202020204"/>
         <a:ea typeface=""/>
         <a:cs typeface=""/>
-        <a:font script="Jpan" typeface="HGｺﾞｼｯｸM"/>
-        <a:font script="Hang" typeface="HY중고딕"/>
-        <a:font script="Hans" typeface="黑体"/>
+        <a:font script="Jpan" typeface="メイリオ"/>
+        <a:font script="Hang" typeface="맑은 고딕"/>
+        <a:font script="Hans" typeface="方正姚体"/>
         <a:font script="Hant" typeface="微軟正黑體"/>
         <a:font script="Arab" typeface="Tahoma"/>
-        <a:font script="Hebr" typeface="Levenim MT"/>
-        <a:font script="Thai" typeface="LilyUPC"/>
+        <a:font script="Hebr" typeface="Arial"/>
+        <a:font script="Thai" typeface="Cordia New"/>
+        <a:font script="Ethi" typeface="Nyala"/>
+        <a:font script="Beng" typeface="Vrinda"/>
+        <a:font script="Gujr" typeface="Shruti"/>
+        <a:font script="Khmr" typeface="DaunPenh"/>
+        <a:font script="Knda" typeface="Tunga"/>
+        <a:font script="Guru" typeface="Raavi"/>
+        <a:font script="Cans" typeface="Euphemia"/>
+        <a:font script="Cher" typeface="Plantagenet Cherokee"/>
+        <a:font script="Yiii" typeface="Microsoft Yi Baiti"/>
+        <a:font script="Tibt" typeface="Microsoft Himalaya"/>
+        <a:font script="Thaa" typeface="MV Boli"/>
+        <a:font script="Deva" typeface="Mangal"/>
+        <a:font script="Telu" typeface="Gautami"/>
+        <a:font script="Taml" typeface="Latha"/>
+        <a:font script="Syrc" typeface="Estrangelo Edessa"/>
+        <a:font script="Orya" typeface="Kalinga"/>
+        <a:font script="Mlym" typeface="Kartika"/>
+        <a:font script="Laoo" typeface="DokChampa"/>
+        <a:font script="Sinh" typeface="Iskoola Pota"/>
+        <a:font script="Mong" typeface="Mongolian Baiti"/>
+        <a:font script="Viet" typeface="Tahoma"/>
+        <a:font script="Uigh" typeface="Microsoft Uighur"/>
+        <a:font script="Geor" typeface="Sylfaen"/>
+      </a:majorFont>
+      <a:minorFont>
+        <a:latin typeface="Trebuchet MS" panose="020B0603020202020204"/>
+        <a:ea typeface=""/>
+        <a:cs typeface=""/>
+        <a:font script="Jpan" typeface="メイリオ"/>
+        <a:font script="Hang" typeface="HY그래픽M"/>
+        <a:font script="Hans" typeface="华文新魏"/>
+        <a:font script="Hant" typeface="微軟正黑體"/>
+        <a:font script="Arab" typeface="Tahoma"/>
+        <a:font script="Hebr" typeface="Gisha"/>
+        <a:font script="Thai" typeface="IrisUPC"/>
         <a:font script="Ethi" typeface="Nyala"/>
         <a:font script="Beng" typeface="Vrinda"/>
         <a:font script="Gujr" typeface="Shruti"/>
@@ -5935,91 +7609,62 @@
         <a:font script="Mong" typeface="Mongolian Baiti"/>
         <a:font script="Viet" typeface="Arial"/>
         <a:font script="Uigh" typeface="Microsoft Uighur"/>
-      </a:majorFont>
-      <a:minorFont>
-        <a:latin typeface="Arial" panose="020B0604020202020204"/>
-        <a:ea typeface=""/>
-        <a:cs typeface=""/>
-        <a:font script="Jpan" typeface="HGｺﾞｼｯｸM"/>
-        <a:font script="Hang" typeface="HY중고딕"/>
-        <a:font script="Hans" typeface="黑体"/>
-        <a:font script="Hant" typeface="微軟正黑體"/>
-        <a:font script="Arab" typeface="Tahoma"/>
-        <a:font script="Hebr" typeface="Levenim MT"/>
-        <a:font script="Thai" typeface="LilyUPC"/>
-        <a:font script="Ethi" typeface="Nyala"/>
-        <a:font script="Beng" typeface="Vrinda"/>
-        <a:font script="Gujr" typeface="Shruti"/>
-        <a:font script="Khmr" typeface="DaunPenh"/>
-        <a:font script="Knda" typeface="Tunga"/>
-        <a:font script="Guru" typeface="Raavi"/>
-        <a:font script="Cans" typeface="Euphemia"/>
-        <a:font script="Cher" typeface="Plantagenet Cherokee"/>
-        <a:font script="Yiii" typeface="Microsoft Yi Baiti"/>
-        <a:font script="Tibt" typeface="Microsoft Himalaya"/>
-        <a:font script="Thaa" typeface="MV Boli"/>
-        <a:font script="Deva" typeface="Mangal"/>
-        <a:font script="Telu" typeface="Gautami"/>
-        <a:font script="Taml" typeface="Latha"/>
-        <a:font script="Syrc" typeface="Estrangelo Edessa"/>
-        <a:font script="Orya" typeface="Kalinga"/>
-        <a:font script="Mlym" typeface="Kartika"/>
-        <a:font script="Laoo" typeface="DokChampa"/>
-        <a:font script="Sinh" typeface="Iskoola Pota"/>
-        <a:font script="Mong" typeface="Mongolian Baiti"/>
-        <a:font script="Viet" typeface="Arial"/>
-        <a:font script="Uigh" typeface="Microsoft Uighur"/>
+        <a:font script="Geor" typeface="Sylfaen"/>
       </a:minorFont>
     </a:fontScheme>
-    <a:fmtScheme name="Wood Type">
+    <a:fmtScheme name="Facet">
       <a:fillStyleLst>
         <a:solidFill>
           <a:schemeClr val="phClr"/>
         </a:solidFill>
-        <a:blipFill rotWithShape="1">
-          <a:blip xmlns:r="http://schemas.openxmlformats.org/officeDocument/2006/relationships" r:embed="rId1">
-            <a:duotone>
+        <a:gradFill rotWithShape="1">
+          <a:gsLst>
+            <a:gs pos="0">
               <a:schemeClr val="phClr">
-                <a:tint val="70000"/>
-                <a:shade val="63000"/>
+                <a:tint val="65000"/>
+                <a:lumMod val="110000"/>
               </a:schemeClr>
+            </a:gs>
+            <a:gs pos="88000">
               <a:schemeClr val="phClr">
-                <a:tint val="10000"/>
-                <a:satMod val="150000"/>
+                <a:tint val="90000"/>
               </a:schemeClr>
-            </a:duotone>
-          </a:blip>
-          <a:tile tx="0" ty="0" sx="60000" sy="59000" flip="none" algn="tl"/>
-        </a:blipFill>
-        <a:blipFill rotWithShape="1">
-          <a:blip xmlns:r="http://schemas.openxmlformats.org/officeDocument/2006/relationships" r:embed="rId1">
-            <a:duotone>
+            </a:gs>
+          </a:gsLst>
+          <a:lin ang="5400000" scaled="0"/>
+        </a:gradFill>
+        <a:gradFill rotWithShape="1">
+          <a:gsLst>
+            <a:gs pos="0">
               <a:schemeClr val="phClr">
-                <a:shade val="36000"/>
-                <a:satMod val="120000"/>
+                <a:tint val="96000"/>
+                <a:lumMod val="100000"/>
               </a:schemeClr>
+            </a:gs>
+            <a:gs pos="78000">
               <a:schemeClr val="phClr">
-                <a:tint val="40000"/>
+                <a:shade val="94000"/>
+                <a:lumMod val="94000"/>
               </a:schemeClr>
-            </a:duotone>
-          </a:blip>
-          <a:tile tx="0" ty="0" sx="60000" sy="59000" flip="none" algn="tl"/>
-        </a:blipFill>
+            </a:gs>
+          </a:gsLst>
+          <a:lin ang="5400000" scaled="0"/>
+        </a:gradFill>
       </a:fillStyleLst>
       <a:lnStyleLst>
-        <a:ln w="6350" cap="flat" cmpd="sng" algn="ctr">
+        <a:ln w="12700" cap="rnd" cmpd="sng" algn="ctr">
           <a:solidFill>
             <a:schemeClr val="phClr"/>
           </a:solidFill>
           <a:prstDash val="solid"/>
         </a:ln>
-        <a:ln w="12700" cap="flat" cmpd="sng" algn="ctr">
+        <a:ln w="19050" cap="rnd" cmpd="sng" algn="ctr">
           <a:solidFill>
             <a:schemeClr val="phClr"/>
           </a:solidFill>
           <a:prstDash val="solid"/>
         </a:ln>
-        <a:ln w="19050" cap="flat" cmpd="sng" algn="ctr">
+        <a:ln w="25400" cap="rnd" cmpd="sng" algn="ctr">
           <a:solidFill>
             <a:schemeClr val="phClr"/>
           </a:solidFill>
@@ -6032,46 +7677,72 @@
         </a:effectStyle>
         <a:effectStyle>
           <a:effectLst>
-            <a:softEdge rad="12700"/>
+            <a:outerShdw blurRad="38100" dist="25400" dir="5400000" rotWithShape="0">
+              <a:srgbClr val="000000">
+                <a:alpha val="35000"/>
+              </a:srgbClr>
+            </a:outerShdw>
           </a:effectLst>
         </a:effectStyle>
         <a:effectStyle>
           <a:effectLst>
-            <a:outerShdw blurRad="50800" dist="19050" dir="5400000" algn="tl" rotWithShape="0">
+            <a:outerShdw blurRad="50800" dist="38100" dir="5400000" rotWithShape="0">
               <a:srgbClr val="000000">
-                <a:alpha val="60000"/>
+                <a:alpha val="35000"/>
               </a:srgbClr>
             </a:outerShdw>
-            <a:softEdge rad="12700"/>
           </a:effectLst>
+          <a:scene3d>
+            <a:camera prst="orthographicFront">
+              <a:rot lat="0" lon="0" rev="0"/>
+            </a:camera>
+            <a:lightRig rig="threePt" dir="tl"/>
+          </a:scene3d>
+          <a:sp3d prstMaterial="plastic">
+            <a:bevelT w="0" h="0"/>
+          </a:sp3d>
         </a:effectStyle>
       </a:effectStyleLst>
       <a:bgFillStyleLst>
         <a:solidFill>
           <a:schemeClr val="phClr"/>
         </a:solidFill>
-        <a:solidFill>
-          <a:schemeClr val="phClr">
-            <a:shade val="97000"/>
-            <a:satMod val="150000"/>
-          </a:schemeClr>
-        </a:solidFill>
-        <a:blipFill rotWithShape="1">
-          <a:blip xmlns:r="http://schemas.openxmlformats.org/officeDocument/2006/relationships" r:embed="rId1">
-            <a:duotone>
+        <a:gradFill rotWithShape="1">
+          <a:gsLst>
+            <a:gs pos="0">
               <a:schemeClr val="phClr">
-                <a:tint val="75000"/>
-                <a:shade val="58000"/>
-                <a:satMod val="120000"/>
+                <a:tint val="90000"/>
+                <a:lumMod val="104000"/>
               </a:schemeClr>
+            </a:gs>
+            <a:gs pos="94000">
               <a:schemeClr val="phClr">
-                <a:tint val="50000"/>
                 <a:shade val="96000"/>
+                <a:lumMod val="82000"/>
               </a:schemeClr>
-            </a:duotone>
-          </a:blip>
-          <a:tile tx="0" ty="0" sx="100000" sy="100000" flip="none" algn="tl"/>
-        </a:blipFill>
+            </a:gs>
+          </a:gsLst>
+          <a:lin ang="5400000" scaled="0"/>
+        </a:gradFill>
+        <a:gradFill rotWithShape="1">
+          <a:gsLst>
+            <a:gs pos="0">
+              <a:schemeClr val="phClr">
+                <a:tint val="90000"/>
+                <a:lumMod val="110000"/>
+              </a:schemeClr>
+            </a:gs>
+            <a:gs pos="100000">
+              <a:schemeClr val="phClr">
+                <a:shade val="94000"/>
+                <a:lumMod val="96000"/>
+              </a:schemeClr>
+            </a:gs>
+          </a:gsLst>
+          <a:path path="circle">
+            <a:fillToRect l="50000" t="50000" r="100000" b="100000"/>
+          </a:path>
+        </a:gradFill>
       </a:bgFillStyleLst>
     </a:fmtScheme>
   </a:themeElements>
@@ -6079,7 +7750,7 @@
   <a:extraClrSchemeLst/>
   <a:extLst>
     <a:ext uri="{05A4C25C-085E-4340-85A3-A5531E510DB2}">
-      <thm15:themeFamily xmlns:thm15="http://schemas.microsoft.com/office/thememl/2012/main" name="Wood Type" id="{7ACABC62-BF99-48CF-A9DC-4DB89C7B13DC}" vid="{BE1B6DD8-9976-4550-A6F4-B2DD4EA939DA}"/>
+      <thm15:themeFamily xmlns:thm15="http://schemas.microsoft.com/office/thememl/2012/main" name="Facet" id="{C0C680CD-088A-49FC-A102-D699147F32B2}" vid="{CFBC31BA-B70F-4F30-BCAA-4F3011E16C4D}"/>
     </a:ext>
   </a:extLst>
 </a:theme>
